--- a/trunk/de.itemis.xtext.typesystem/doc/XtextTypesystem.pptx
+++ b/trunk/de.itemis.xtext.typesystem/doc/XtextTypesystem.pptx
@@ -298,7 +298,8 @@
           <a:p>
             <a:fld id="{E3912FC8-62EF-4019-BC91-6E85A94E7759}" type="datetimeFigureOut">
               <a:rPr lang="de-DE" smtClean="0"/>
-              <a:t>19.10.2010</a:t>
+              <a:pPr/>
+              <a:t>20.10.2010</a:t>
             </a:fld>
             <a:endParaRPr lang="de-DE"/>
           </a:p>
@@ -340,6 +341,7 @@
           <a:p>
             <a:fld id="{E859E126-84B1-45BF-9D55-298D3FB81B8F}" type="slidenum">
               <a:rPr lang="de-DE" smtClean="0"/>
+              <a:pPr/>
               <a:t>‹Nr.›</a:t>
             </a:fld>
             <a:endParaRPr lang="de-DE"/>
@@ -463,7 +465,8 @@
           <a:p>
             <a:fld id="{E3912FC8-62EF-4019-BC91-6E85A94E7759}" type="datetimeFigureOut">
               <a:rPr lang="de-DE" smtClean="0"/>
-              <a:t>19.10.2010</a:t>
+              <a:pPr/>
+              <a:t>20.10.2010</a:t>
             </a:fld>
             <a:endParaRPr lang="de-DE"/>
           </a:p>
@@ -505,6 +508,7 @@
           <a:p>
             <a:fld id="{E859E126-84B1-45BF-9D55-298D3FB81B8F}" type="slidenum">
               <a:rPr lang="de-DE" smtClean="0"/>
+              <a:pPr/>
               <a:t>‹Nr.›</a:t>
             </a:fld>
             <a:endParaRPr lang="de-DE"/>
@@ -638,7 +642,8 @@
           <a:p>
             <a:fld id="{E3912FC8-62EF-4019-BC91-6E85A94E7759}" type="datetimeFigureOut">
               <a:rPr lang="de-DE" smtClean="0"/>
-              <a:t>19.10.2010</a:t>
+              <a:pPr/>
+              <a:t>20.10.2010</a:t>
             </a:fld>
             <a:endParaRPr lang="de-DE"/>
           </a:p>
@@ -680,6 +685,7 @@
           <a:p>
             <a:fld id="{E859E126-84B1-45BF-9D55-298D3FB81B8F}" type="slidenum">
               <a:rPr lang="de-DE" smtClean="0"/>
+              <a:pPr/>
               <a:t>‹Nr.›</a:t>
             </a:fld>
             <a:endParaRPr lang="de-DE"/>
@@ -803,7 +809,8 @@
           <a:p>
             <a:fld id="{E3912FC8-62EF-4019-BC91-6E85A94E7759}" type="datetimeFigureOut">
               <a:rPr lang="de-DE" smtClean="0"/>
-              <a:t>19.10.2010</a:t>
+              <a:pPr/>
+              <a:t>20.10.2010</a:t>
             </a:fld>
             <a:endParaRPr lang="de-DE"/>
           </a:p>
@@ -845,6 +852,7 @@
           <a:p>
             <a:fld id="{E859E126-84B1-45BF-9D55-298D3FB81B8F}" type="slidenum">
               <a:rPr lang="de-DE" smtClean="0"/>
+              <a:pPr/>
               <a:t>‹Nr.›</a:t>
             </a:fld>
             <a:endParaRPr lang="de-DE"/>
@@ -1044,7 +1052,8 @@
           <a:p>
             <a:fld id="{E3912FC8-62EF-4019-BC91-6E85A94E7759}" type="datetimeFigureOut">
               <a:rPr lang="de-DE" smtClean="0"/>
-              <a:t>19.10.2010</a:t>
+              <a:pPr/>
+              <a:t>20.10.2010</a:t>
             </a:fld>
             <a:endParaRPr lang="de-DE"/>
           </a:p>
@@ -1086,6 +1095,7 @@
           <a:p>
             <a:fld id="{E859E126-84B1-45BF-9D55-298D3FB81B8F}" type="slidenum">
               <a:rPr lang="de-DE" smtClean="0"/>
+              <a:pPr/>
               <a:t>‹Nr.›</a:t>
             </a:fld>
             <a:endParaRPr lang="de-DE"/>
@@ -1327,7 +1337,8 @@
           <a:p>
             <a:fld id="{E3912FC8-62EF-4019-BC91-6E85A94E7759}" type="datetimeFigureOut">
               <a:rPr lang="de-DE" smtClean="0"/>
-              <a:t>19.10.2010</a:t>
+              <a:pPr/>
+              <a:t>20.10.2010</a:t>
             </a:fld>
             <a:endParaRPr lang="de-DE"/>
           </a:p>
@@ -1369,6 +1380,7 @@
           <a:p>
             <a:fld id="{E859E126-84B1-45BF-9D55-298D3FB81B8F}" type="slidenum">
               <a:rPr lang="de-DE" smtClean="0"/>
+              <a:pPr/>
               <a:t>‹Nr.›</a:t>
             </a:fld>
             <a:endParaRPr lang="de-DE"/>
@@ -1744,7 +1756,8 @@
           <a:p>
             <a:fld id="{E3912FC8-62EF-4019-BC91-6E85A94E7759}" type="datetimeFigureOut">
               <a:rPr lang="de-DE" smtClean="0"/>
-              <a:t>19.10.2010</a:t>
+              <a:pPr/>
+              <a:t>20.10.2010</a:t>
             </a:fld>
             <a:endParaRPr lang="de-DE"/>
           </a:p>
@@ -1786,6 +1799,7 @@
           <a:p>
             <a:fld id="{E859E126-84B1-45BF-9D55-298D3FB81B8F}" type="slidenum">
               <a:rPr lang="de-DE" smtClean="0"/>
+              <a:pPr/>
               <a:t>‹Nr.›</a:t>
             </a:fld>
             <a:endParaRPr lang="de-DE"/>
@@ -1857,7 +1871,8 @@
           <a:p>
             <a:fld id="{E3912FC8-62EF-4019-BC91-6E85A94E7759}" type="datetimeFigureOut">
               <a:rPr lang="de-DE" smtClean="0"/>
-              <a:t>19.10.2010</a:t>
+              <a:pPr/>
+              <a:t>20.10.2010</a:t>
             </a:fld>
             <a:endParaRPr lang="de-DE"/>
           </a:p>
@@ -1899,6 +1914,7 @@
           <a:p>
             <a:fld id="{E859E126-84B1-45BF-9D55-298D3FB81B8F}" type="slidenum">
               <a:rPr lang="de-DE" smtClean="0"/>
+              <a:pPr/>
               <a:t>‹Nr.›</a:t>
             </a:fld>
             <a:endParaRPr lang="de-DE"/>
@@ -1947,7 +1963,8 @@
           <a:p>
             <a:fld id="{E3912FC8-62EF-4019-BC91-6E85A94E7759}" type="datetimeFigureOut">
               <a:rPr lang="de-DE" smtClean="0"/>
-              <a:t>19.10.2010</a:t>
+              <a:pPr/>
+              <a:t>20.10.2010</a:t>
             </a:fld>
             <a:endParaRPr lang="de-DE"/>
           </a:p>
@@ -1989,6 +2006,7 @@
           <a:p>
             <a:fld id="{E859E126-84B1-45BF-9D55-298D3FB81B8F}" type="slidenum">
               <a:rPr lang="de-DE" smtClean="0"/>
+              <a:pPr/>
               <a:t>‹Nr.›</a:t>
             </a:fld>
             <a:endParaRPr lang="de-DE"/>
@@ -2219,7 +2237,8 @@
           <a:p>
             <a:fld id="{E3912FC8-62EF-4019-BC91-6E85A94E7759}" type="datetimeFigureOut">
               <a:rPr lang="de-DE" smtClean="0"/>
-              <a:t>19.10.2010</a:t>
+              <a:pPr/>
+              <a:t>20.10.2010</a:t>
             </a:fld>
             <a:endParaRPr lang="de-DE"/>
           </a:p>
@@ -2261,6 +2280,7 @@
           <a:p>
             <a:fld id="{E859E126-84B1-45BF-9D55-298D3FB81B8F}" type="slidenum">
               <a:rPr lang="de-DE" smtClean="0"/>
+              <a:pPr/>
               <a:t>‹Nr.›</a:t>
             </a:fld>
             <a:endParaRPr lang="de-DE"/>
@@ -2467,7 +2487,8 @@
           <a:p>
             <a:fld id="{E3912FC8-62EF-4019-BC91-6E85A94E7759}" type="datetimeFigureOut">
               <a:rPr lang="de-DE" smtClean="0"/>
-              <a:t>19.10.2010</a:t>
+              <a:pPr/>
+              <a:t>20.10.2010</a:t>
             </a:fld>
             <a:endParaRPr lang="de-DE"/>
           </a:p>
@@ -2509,6 +2530,7 @@
           <a:p>
             <a:fld id="{E859E126-84B1-45BF-9D55-298D3FB81B8F}" type="slidenum">
               <a:rPr lang="de-DE" smtClean="0"/>
+              <a:pPr/>
               <a:t>‹Nr.›</a:t>
             </a:fld>
             <a:endParaRPr lang="de-DE"/>
@@ -2675,7 +2697,8 @@
           <a:p>
             <a:fld id="{E3912FC8-62EF-4019-BC91-6E85A94E7759}" type="datetimeFigureOut">
               <a:rPr lang="de-DE" smtClean="0"/>
-              <a:t>19.10.2010</a:t>
+              <a:pPr/>
+              <a:t>20.10.2010</a:t>
             </a:fld>
             <a:endParaRPr lang="de-DE"/>
           </a:p>
@@ -2753,6 +2776,7 @@
           <a:p>
             <a:fld id="{E859E126-84B1-45BF-9D55-298D3FB81B8F}" type="slidenum">
               <a:rPr lang="de-DE" smtClean="0"/>
+              <a:pPr/>
               <a:t>‹Nr.›</a:t>
             </a:fld>
             <a:endParaRPr lang="de-DE"/>
@@ -3101,8 +3125,8 @@
         </p:nvSpPr>
         <p:spPr>
           <a:xfrm>
-            <a:off x="35496" y="764704"/>
-            <a:ext cx="1959126" cy="1938992"/>
+            <a:off x="35496" y="830322"/>
+            <a:ext cx="1486048" cy="1446550"/>
           </a:xfrm>
           <a:prstGeom prst="rect">
             <a:avLst/>
@@ -3116,7 +3140,7 @@
           <a:lstStyle/>
           <a:p>
             <a:r>
-              <a:rPr lang="de-DE" sz="6000" dirty="0" err="1" smtClean="0">
+              <a:rPr lang="de-DE" sz="4400" dirty="0" err="1" smtClean="0">
                 <a:solidFill>
                   <a:schemeClr val="bg1"/>
                 </a:solidFill>
@@ -3126,7 +3150,7 @@
               <a:t>Xtext</a:t>
             </a:r>
             <a:r>
-              <a:rPr lang="de-DE" sz="6000" dirty="0" smtClean="0">
+              <a:rPr lang="de-DE" sz="4400" dirty="0" smtClean="0">
                 <a:solidFill>
                   <a:schemeClr val="bg1"/>
                 </a:solidFill>
@@ -3136,7 +3160,7 @@
               <a:t/>
             </a:r>
             <a:br>
-              <a:rPr lang="de-DE" sz="6000" dirty="0" smtClean="0">
+              <a:rPr lang="de-DE" sz="4400" dirty="0" smtClean="0">
                 <a:solidFill>
                   <a:schemeClr val="bg1"/>
                 </a:solidFill>
@@ -3144,6 +3168,58 @@
                 <a:cs typeface="Aparajita" pitchFamily="34" charset="0"/>
               </a:rPr>
             </a:br>
+            <a:endParaRPr lang="de-DE" sz="4400" dirty="0">
+              <a:solidFill>
+                <a:schemeClr val="bg1"/>
+              </a:solidFill>
+              <a:latin typeface="Constantia" pitchFamily="18" charset="0"/>
+              <a:cs typeface="Aparajita" pitchFamily="34" charset="0"/>
+            </a:endParaRPr>
+          </a:p>
+        </p:txBody>
+      </p:sp>
+      <p:sp>
+        <p:nvSpPr>
+          <p:cNvPr id="9" name="Textfeld 8"/>
+          <p:cNvSpPr txBox="1"/>
+          <p:nvPr/>
+        </p:nvSpPr>
+        <p:spPr>
+          <a:xfrm>
+            <a:off x="35496" y="1412776"/>
+            <a:ext cx="9108504" cy="1015663"/>
+          </a:xfrm>
+          <a:prstGeom prst="rect">
+            <a:avLst/>
+          </a:prstGeom>
+          <a:noFill/>
+        </p:spPr>
+        <p:txBody>
+          <a:bodyPr wrap="square" rtlCol="0">
+            <a:spAutoFit/>
+          </a:bodyPr>
+          <a:lstStyle/>
+          <a:p>
+            <a:r>
+              <a:rPr lang="de-DE" sz="6000" dirty="0" err="1" smtClean="0">
+                <a:solidFill>
+                  <a:schemeClr val="bg1"/>
+                </a:solidFill>
+                <a:latin typeface="Constantia" pitchFamily="18" charset="0"/>
+                <a:cs typeface="Aparajita" pitchFamily="34" charset="0"/>
+              </a:rPr>
+              <a:t>Typesystem</a:t>
+            </a:r>
+            <a:r>
+              <a:rPr lang="de-DE" sz="6000" dirty="0" smtClean="0">
+                <a:solidFill>
+                  <a:schemeClr val="bg1"/>
+                </a:solidFill>
+                <a:latin typeface="Constantia" pitchFamily="18" charset="0"/>
+                <a:cs typeface="Aparajita" pitchFamily="34" charset="0"/>
+              </a:rPr>
+              <a:t> Framework</a:t>
+            </a:r>
             <a:endParaRPr lang="de-DE" sz="6000" dirty="0">
               <a:solidFill>
                 <a:schemeClr val="bg1"/>
@@ -3156,58 +3232,6 @@
       </p:sp>
       <p:sp>
         <p:nvSpPr>
-          <p:cNvPr id="9" name="Textfeld 8"/>
-          <p:cNvSpPr txBox="1"/>
-          <p:nvPr/>
-        </p:nvSpPr>
-        <p:spPr>
-          <a:xfrm>
-            <a:off x="35496" y="1651447"/>
-            <a:ext cx="6264696" cy="769441"/>
-          </a:xfrm>
-          <a:prstGeom prst="rect">
-            <a:avLst/>
-          </a:prstGeom>
-          <a:noFill/>
-        </p:spPr>
-        <p:txBody>
-          <a:bodyPr wrap="square" rtlCol="0">
-            <a:spAutoFit/>
-          </a:bodyPr>
-          <a:lstStyle/>
-          <a:p>
-            <a:r>
-              <a:rPr lang="de-DE" sz="4400" dirty="0" err="1" smtClean="0">
-                <a:solidFill>
-                  <a:schemeClr val="bg1"/>
-                </a:solidFill>
-                <a:latin typeface="Constantia" pitchFamily="18" charset="0"/>
-                <a:cs typeface="Aparajita" pitchFamily="34" charset="0"/>
-              </a:rPr>
-              <a:t>Typesystem</a:t>
-            </a:r>
-            <a:r>
-              <a:rPr lang="de-DE" sz="4400" dirty="0" smtClean="0">
-                <a:solidFill>
-                  <a:schemeClr val="bg1"/>
-                </a:solidFill>
-                <a:latin typeface="Constantia" pitchFamily="18" charset="0"/>
-                <a:cs typeface="Aparajita" pitchFamily="34" charset="0"/>
-              </a:rPr>
-              <a:t> Framework</a:t>
-            </a:r>
-            <a:endParaRPr lang="de-DE" sz="4400" dirty="0">
-              <a:solidFill>
-                <a:schemeClr val="bg1"/>
-              </a:solidFill>
-              <a:latin typeface="Constantia" pitchFamily="18" charset="0"/>
-              <a:cs typeface="Aparajita" pitchFamily="34" charset="0"/>
-            </a:endParaRPr>
-          </a:p>
-        </p:txBody>
-      </p:sp>
-      <p:sp>
-        <p:nvSpPr>
           <p:cNvPr id="10" name="Textfeld 9"/>
           <p:cNvSpPr txBox="1"/>
           <p:nvPr/>
@@ -3265,6 +3289,41 @@
               <a:t>/itemis</a:t>
             </a:r>
             <a:endParaRPr lang="de-DE" sz="2800" dirty="0">
+              <a:latin typeface="Constantia" pitchFamily="18" charset="0"/>
+              <a:cs typeface="Aparajita" pitchFamily="34" charset="0"/>
+            </a:endParaRPr>
+          </a:p>
+        </p:txBody>
+      </p:sp>
+      <p:sp>
+        <p:nvSpPr>
+          <p:cNvPr id="7" name="Textfeld 6"/>
+          <p:cNvSpPr txBox="1"/>
+          <p:nvPr/>
+        </p:nvSpPr>
+        <p:spPr>
+          <a:xfrm>
+            <a:off x="95450" y="2420888"/>
+            <a:ext cx="6201891" cy="338554"/>
+          </a:xfrm>
+          <a:prstGeom prst="rect">
+            <a:avLst/>
+          </a:prstGeom>
+          <a:noFill/>
+        </p:spPr>
+        <p:txBody>
+          <a:bodyPr wrap="none" rtlCol="0">
+            <a:spAutoFit/>
+          </a:bodyPr>
+          <a:lstStyle/>
+          <a:p>
+            <a:r>
+              <a:rPr lang="de-DE" sz="1600" b="1" dirty="0" smtClean="0">
+                <a:latin typeface="Constantia" pitchFamily="18" charset="0"/>
+              </a:rPr>
+              <a:t>http://code.google.com/a/eclipselabs.org/p/xtext-typesystem/</a:t>
+            </a:r>
+            <a:endParaRPr lang="de-DE" sz="1600" b="1" dirty="0">
               <a:latin typeface="Constantia" pitchFamily="18" charset="0"/>
               <a:cs typeface="Aparajita" pitchFamily="34" charset="0"/>
             </a:endParaRPr>
@@ -3671,13 +3730,49 @@
       </p:sp>
       <p:sp>
         <p:nvSpPr>
-          <p:cNvPr id="78" name="Rechteck 77"/>
+          <p:cNvPr id="14" name="Textfeld 13"/>
+          <p:cNvSpPr txBox="1"/>
+          <p:nvPr/>
+        </p:nvSpPr>
+        <p:spPr>
+          <a:xfrm>
+            <a:off x="55279" y="4459759"/>
+            <a:ext cx="1798890" cy="769441"/>
+          </a:xfrm>
+          <a:prstGeom prst="rect">
+            <a:avLst/>
+          </a:prstGeom>
+          <a:noFill/>
+        </p:spPr>
+        <p:txBody>
+          <a:bodyPr wrap="none" rtlCol="0">
+            <a:spAutoFit/>
+          </a:bodyPr>
+          <a:lstStyle/>
+          <a:p>
+            <a:r>
+              <a:rPr lang="de-DE" sz="4400" b="1" dirty="0" smtClean="0">
+                <a:latin typeface="Constantia" pitchFamily="18" charset="0"/>
+                <a:cs typeface="Aparajita" pitchFamily="34" charset="0"/>
+              </a:rPr>
+              <a:t>Demo</a:t>
+            </a:r>
+            <a:endParaRPr lang="de-DE" sz="4400" b="1" dirty="0">
+              <a:latin typeface="Constantia" pitchFamily="18" charset="0"/>
+              <a:cs typeface="Aparajita" pitchFamily="34" charset="0"/>
+            </a:endParaRPr>
+          </a:p>
+        </p:txBody>
+      </p:sp>
+      <p:sp>
+        <p:nvSpPr>
+          <p:cNvPr id="12" name="Rechteck 11"/>
           <p:cNvSpPr/>
           <p:nvPr/>
         </p:nvSpPr>
         <p:spPr>
           <a:xfrm>
-            <a:off x="0" y="2714144"/>
+            <a:off x="0" y="2701369"/>
             <a:ext cx="9144000" cy="1584176"/>
           </a:xfrm>
           <a:prstGeom prst="rect">
@@ -3719,14 +3814,14 @@
       </p:sp>
       <p:sp>
         <p:nvSpPr>
-          <p:cNvPr id="81" name="Textfeld 80"/>
+          <p:cNvPr id="13" name="Textfeld 12"/>
           <p:cNvSpPr txBox="1"/>
           <p:nvPr/>
         </p:nvSpPr>
         <p:spPr>
           <a:xfrm>
-            <a:off x="35496" y="2642136"/>
-            <a:ext cx="1959126" cy="1938992"/>
+            <a:off x="35496" y="2694979"/>
+            <a:ext cx="1486048" cy="1446550"/>
           </a:xfrm>
           <a:prstGeom prst="rect">
             <a:avLst/>
@@ -3740,7 +3835,7 @@
           <a:lstStyle/>
           <a:p>
             <a:r>
-              <a:rPr lang="de-DE" sz="6000" dirty="0" err="1" smtClean="0">
+              <a:rPr lang="de-DE" sz="4400" dirty="0" err="1" smtClean="0">
                 <a:solidFill>
                   <a:schemeClr val="bg1"/>
                 </a:solidFill>
@@ -3750,7 +3845,7 @@
               <a:t>Xtext</a:t>
             </a:r>
             <a:r>
-              <a:rPr lang="de-DE" sz="6000" dirty="0" smtClean="0">
+              <a:rPr lang="de-DE" sz="4400" dirty="0" smtClean="0">
                 <a:solidFill>
                   <a:schemeClr val="bg1"/>
                 </a:solidFill>
@@ -3760,7 +3855,7 @@
               <a:t/>
             </a:r>
             <a:br>
-              <a:rPr lang="de-DE" sz="6000" dirty="0" smtClean="0">
+              <a:rPr lang="de-DE" sz="4400" dirty="0" smtClean="0">
                 <a:solidFill>
                   <a:schemeClr val="bg1"/>
                 </a:solidFill>
@@ -3768,58 +3863,6 @@
                 <a:cs typeface="Aparajita" pitchFamily="34" charset="0"/>
               </a:rPr>
             </a:br>
-            <a:endParaRPr lang="de-DE" sz="6000" dirty="0">
-              <a:solidFill>
-                <a:schemeClr val="bg1"/>
-              </a:solidFill>
-              <a:latin typeface="Constantia" pitchFamily="18" charset="0"/>
-              <a:cs typeface="Aparajita" pitchFamily="34" charset="0"/>
-            </a:endParaRPr>
-          </a:p>
-        </p:txBody>
-      </p:sp>
-      <p:sp>
-        <p:nvSpPr>
-          <p:cNvPr id="84" name="Textfeld 83"/>
-          <p:cNvSpPr txBox="1"/>
-          <p:nvPr/>
-        </p:nvSpPr>
-        <p:spPr>
-          <a:xfrm>
-            <a:off x="35496" y="3528879"/>
-            <a:ext cx="6264696" cy="769441"/>
-          </a:xfrm>
-          <a:prstGeom prst="rect">
-            <a:avLst/>
-          </a:prstGeom>
-          <a:noFill/>
-        </p:spPr>
-        <p:txBody>
-          <a:bodyPr wrap="square" rtlCol="0">
-            <a:spAutoFit/>
-          </a:bodyPr>
-          <a:lstStyle/>
-          <a:p>
-            <a:r>
-              <a:rPr lang="de-DE" sz="4400" dirty="0" err="1" smtClean="0">
-                <a:solidFill>
-                  <a:schemeClr val="bg1"/>
-                </a:solidFill>
-                <a:latin typeface="Constantia" pitchFamily="18" charset="0"/>
-                <a:cs typeface="Aparajita" pitchFamily="34" charset="0"/>
-              </a:rPr>
-              <a:t>Typesystem</a:t>
-            </a:r>
-            <a:r>
-              <a:rPr lang="de-DE" sz="4400" dirty="0" smtClean="0">
-                <a:solidFill>
-                  <a:schemeClr val="bg1"/>
-                </a:solidFill>
-                <a:latin typeface="Constantia" pitchFamily="18" charset="0"/>
-                <a:cs typeface="Aparajita" pitchFamily="34" charset="0"/>
-              </a:rPr>
-              <a:t> Framework</a:t>
-            </a:r>
             <a:endParaRPr lang="de-DE" sz="4400" dirty="0">
               <a:solidFill>
                 <a:schemeClr val="bg1"/>
@@ -3832,14 +3875,14 @@
       </p:sp>
       <p:sp>
         <p:nvSpPr>
-          <p:cNvPr id="14" name="Textfeld 13"/>
+          <p:cNvPr id="15" name="Textfeld 14"/>
           <p:cNvSpPr txBox="1"/>
           <p:nvPr/>
         </p:nvSpPr>
         <p:spPr>
           <a:xfrm>
-            <a:off x="55279" y="4459759"/>
-            <a:ext cx="1798890" cy="769441"/>
+            <a:off x="35496" y="3277433"/>
+            <a:ext cx="9108504" cy="1015663"/>
           </a:xfrm>
           <a:prstGeom prst="rect">
             <a:avLst/>
@@ -3847,19 +3890,35 @@
           <a:noFill/>
         </p:spPr>
         <p:txBody>
-          <a:bodyPr wrap="none" rtlCol="0">
+          <a:bodyPr wrap="square" rtlCol="0">
             <a:spAutoFit/>
           </a:bodyPr>
           <a:lstStyle/>
           <a:p>
             <a:r>
-              <a:rPr lang="de-DE" sz="4400" b="1" dirty="0" smtClean="0">
+              <a:rPr lang="de-DE" sz="6000" dirty="0" err="1" smtClean="0">
+                <a:solidFill>
+                  <a:schemeClr val="bg1"/>
+                </a:solidFill>
                 <a:latin typeface="Constantia" pitchFamily="18" charset="0"/>
                 <a:cs typeface="Aparajita" pitchFamily="34" charset="0"/>
               </a:rPr>
-              <a:t>Demo</a:t>
-            </a:r>
-            <a:endParaRPr lang="de-DE" sz="4400" b="1" dirty="0">
+              <a:t>Typesystem</a:t>
+            </a:r>
+            <a:r>
+              <a:rPr lang="de-DE" sz="6000" dirty="0" smtClean="0">
+                <a:solidFill>
+                  <a:schemeClr val="bg1"/>
+                </a:solidFill>
+                <a:latin typeface="Constantia" pitchFamily="18" charset="0"/>
+                <a:cs typeface="Aparajita" pitchFamily="34" charset="0"/>
+              </a:rPr>
+              <a:t> Framework</a:t>
+            </a:r>
+            <a:endParaRPr lang="de-DE" sz="6000" dirty="0">
+              <a:solidFill>
+                <a:schemeClr val="bg1"/>
+              </a:solidFill>
               <a:latin typeface="Constantia" pitchFamily="18" charset="0"/>
               <a:cs typeface="Aparajita" pitchFamily="34" charset="0"/>
             </a:endParaRPr>
@@ -4266,54 +4325,6 @@
       </p:sp>
       <p:sp>
         <p:nvSpPr>
-          <p:cNvPr id="78" name="Rechteck 77"/>
-          <p:cNvSpPr/>
-          <p:nvPr/>
-        </p:nvSpPr>
-        <p:spPr>
-          <a:xfrm>
-            <a:off x="0" y="2714144"/>
-            <a:ext cx="9144000" cy="1584176"/>
-          </a:xfrm>
-          <a:prstGeom prst="rect">
-            <a:avLst/>
-          </a:prstGeom>
-          <a:solidFill>
-            <a:schemeClr val="bg1">
-              <a:lumMod val="50000"/>
-            </a:schemeClr>
-          </a:solidFill>
-          <a:ln>
-            <a:noFill/>
-          </a:ln>
-        </p:spPr>
-        <p:style>
-          <a:lnRef idx="2">
-            <a:schemeClr val="accent1">
-              <a:shade val="50000"/>
-            </a:schemeClr>
-          </a:lnRef>
-          <a:fillRef idx="1">
-            <a:schemeClr val="accent1"/>
-          </a:fillRef>
-          <a:effectRef idx="0">
-            <a:schemeClr val="accent1"/>
-          </a:effectRef>
-          <a:fontRef idx="minor">
-            <a:schemeClr val="lt1"/>
-          </a:fontRef>
-        </p:style>
-        <p:txBody>
-          <a:bodyPr rtlCol="0" anchor="ctr"/>
-          <a:lstStyle/>
-          <a:p>
-            <a:pPr algn="ctr"/>
-            <a:endParaRPr lang="de-DE"/>
-          </a:p>
-        </p:txBody>
-      </p:sp>
-      <p:sp>
-        <p:nvSpPr>
           <p:cNvPr id="81" name="Textfeld 80"/>
           <p:cNvSpPr txBox="1"/>
           <p:nvPr/>
@@ -4375,14 +4386,14 @@
       </p:sp>
       <p:sp>
         <p:nvSpPr>
-          <p:cNvPr id="84" name="Textfeld 83"/>
+          <p:cNvPr id="14" name="Textfeld 13"/>
           <p:cNvSpPr txBox="1"/>
           <p:nvPr/>
         </p:nvSpPr>
         <p:spPr>
           <a:xfrm>
-            <a:off x="35496" y="3528879"/>
-            <a:ext cx="6264696" cy="769441"/>
+            <a:off x="55279" y="4459759"/>
+            <a:ext cx="1798890" cy="769441"/>
           </a:xfrm>
           <a:prstGeom prst="rect">
             <a:avLst/>
@@ -4390,31 +4401,205 @@
           <a:noFill/>
         </p:spPr>
         <p:txBody>
-          <a:bodyPr wrap="square" rtlCol="0">
+          <a:bodyPr wrap="none" rtlCol="0">
             <a:spAutoFit/>
           </a:bodyPr>
           <a:lstStyle/>
           <a:p>
             <a:r>
-              <a:rPr lang="de-DE" sz="4400" dirty="0" err="1" smtClean="0">
-                <a:solidFill>
-                  <a:schemeClr val="bg1"/>
-                </a:solidFill>
+              <a:rPr lang="de-DE" sz="4400" b="1" dirty="0" smtClean="0">
                 <a:latin typeface="Constantia" pitchFamily="18" charset="0"/>
                 <a:cs typeface="Aparajita" pitchFamily="34" charset="0"/>
               </a:rPr>
-              <a:t>Typesystem</a:t>
-            </a:r>
-            <a:r>
-              <a:rPr lang="de-DE" sz="4400" dirty="0" smtClean="0">
-                <a:solidFill>
-                  <a:schemeClr val="bg1"/>
-                </a:solidFill>
+              <a:t>Demo</a:t>
+            </a:r>
+            <a:endParaRPr lang="de-DE" sz="4400" b="1" dirty="0">
+              <a:latin typeface="Constantia" pitchFamily="18" charset="0"/>
+              <a:cs typeface="Aparajita" pitchFamily="34" charset="0"/>
+            </a:endParaRPr>
+          </a:p>
+        </p:txBody>
+      </p:sp>
+      <p:sp>
+        <p:nvSpPr>
+          <p:cNvPr id="15" name="Textfeld 14"/>
+          <p:cNvSpPr txBox="1"/>
+          <p:nvPr/>
+        </p:nvSpPr>
+        <p:spPr>
+          <a:xfrm>
+            <a:off x="95450" y="5919663"/>
+            <a:ext cx="8436990" cy="461665"/>
+          </a:xfrm>
+          <a:prstGeom prst="rect">
+            <a:avLst/>
+          </a:prstGeom>
+          <a:noFill/>
+        </p:spPr>
+        <p:txBody>
+          <a:bodyPr wrap="none" rtlCol="0">
+            <a:spAutoFit/>
+          </a:bodyPr>
+          <a:lstStyle/>
+          <a:p>
+            <a:r>
+              <a:rPr lang="de-DE" sz="2400" dirty="0" smtClean="0">
+                <a:latin typeface="Constantia" pitchFamily="18" charset="0"/>
+              </a:rPr>
+              <a:t>http://code.google.com/a/eclipselabs.org/p/xtext-typesystem/</a:t>
+            </a:r>
+            <a:endParaRPr lang="de-DE" sz="2400" dirty="0">
+              <a:latin typeface="Constantia" pitchFamily="18" charset="0"/>
+              <a:cs typeface="Aparajita" pitchFamily="34" charset="0"/>
+            </a:endParaRPr>
+          </a:p>
+        </p:txBody>
+      </p:sp>
+      <p:sp>
+        <p:nvSpPr>
+          <p:cNvPr id="16" name="Textfeld 15"/>
+          <p:cNvSpPr txBox="1"/>
+          <p:nvPr/>
+        </p:nvSpPr>
+        <p:spPr>
+          <a:xfrm>
+            <a:off x="55279" y="5301208"/>
+            <a:ext cx="1734899" cy="769441"/>
+          </a:xfrm>
+          <a:prstGeom prst="rect">
+            <a:avLst/>
+          </a:prstGeom>
+          <a:noFill/>
+        </p:spPr>
+        <p:txBody>
+          <a:bodyPr wrap="none" rtlCol="0">
+            <a:spAutoFit/>
+          </a:bodyPr>
+          <a:lstStyle/>
+          <a:p>
+            <a:r>
+              <a:rPr lang="de-DE" sz="4400" b="1" dirty="0" smtClean="0">
                 <a:latin typeface="Constantia" pitchFamily="18" charset="0"/>
                 <a:cs typeface="Aparajita" pitchFamily="34" charset="0"/>
               </a:rPr>
-              <a:t> Framework</a:t>
-            </a:r>
+              <a:t>Try </a:t>
+            </a:r>
+            <a:r>
+              <a:rPr lang="de-DE" sz="4400" b="1" dirty="0" err="1" smtClean="0">
+                <a:latin typeface="Constantia" pitchFamily="18" charset="0"/>
+                <a:cs typeface="Aparajita" pitchFamily="34" charset="0"/>
+              </a:rPr>
+              <a:t>it</a:t>
+            </a:r>
+            <a:r>
+              <a:rPr lang="de-DE" sz="4400" b="1" dirty="0">
+                <a:latin typeface="Constantia" pitchFamily="18" charset="0"/>
+                <a:cs typeface="Aparajita" pitchFamily="34" charset="0"/>
+              </a:rPr>
+              <a:t>:</a:t>
+            </a:r>
+          </a:p>
+        </p:txBody>
+      </p:sp>
+      <p:sp>
+        <p:nvSpPr>
+          <p:cNvPr id="17" name="Rechteck 16"/>
+          <p:cNvSpPr/>
+          <p:nvPr/>
+        </p:nvSpPr>
+        <p:spPr>
+          <a:xfrm>
+            <a:off x="0" y="2701369"/>
+            <a:ext cx="9144000" cy="1584176"/>
+          </a:xfrm>
+          <a:prstGeom prst="rect">
+            <a:avLst/>
+          </a:prstGeom>
+          <a:solidFill>
+            <a:schemeClr val="bg1">
+              <a:lumMod val="50000"/>
+            </a:schemeClr>
+          </a:solidFill>
+          <a:ln>
+            <a:noFill/>
+          </a:ln>
+        </p:spPr>
+        <p:style>
+          <a:lnRef idx="2">
+            <a:schemeClr val="accent1">
+              <a:shade val="50000"/>
+            </a:schemeClr>
+          </a:lnRef>
+          <a:fillRef idx="1">
+            <a:schemeClr val="accent1"/>
+          </a:fillRef>
+          <a:effectRef idx="0">
+            <a:schemeClr val="accent1"/>
+          </a:effectRef>
+          <a:fontRef idx="minor">
+            <a:schemeClr val="lt1"/>
+          </a:fontRef>
+        </p:style>
+        <p:txBody>
+          <a:bodyPr rtlCol="0" anchor="ctr"/>
+          <a:lstStyle/>
+          <a:p>
+            <a:pPr algn="ctr"/>
+            <a:endParaRPr lang="de-DE"/>
+          </a:p>
+        </p:txBody>
+      </p:sp>
+      <p:sp>
+        <p:nvSpPr>
+          <p:cNvPr id="18" name="Textfeld 17"/>
+          <p:cNvSpPr txBox="1"/>
+          <p:nvPr/>
+        </p:nvSpPr>
+        <p:spPr>
+          <a:xfrm>
+            <a:off x="35496" y="2694979"/>
+            <a:ext cx="1486048" cy="1446550"/>
+          </a:xfrm>
+          <a:prstGeom prst="rect">
+            <a:avLst/>
+          </a:prstGeom>
+          <a:noFill/>
+        </p:spPr>
+        <p:txBody>
+          <a:bodyPr wrap="none" rtlCol="0">
+            <a:spAutoFit/>
+          </a:bodyPr>
+          <a:lstStyle/>
+          <a:p>
+            <a:r>
+              <a:rPr lang="de-DE" sz="4400" dirty="0" err="1" smtClean="0">
+                <a:solidFill>
+                  <a:schemeClr val="bg1"/>
+                </a:solidFill>
+                <a:latin typeface="Constantia" pitchFamily="18" charset="0"/>
+                <a:cs typeface="Aparajita" pitchFamily="34" charset="0"/>
+              </a:rPr>
+              <a:t>Xtext</a:t>
+            </a:r>
+            <a:r>
+              <a:rPr lang="de-DE" sz="4400" dirty="0" smtClean="0">
+                <a:solidFill>
+                  <a:schemeClr val="bg1"/>
+                </a:solidFill>
+                <a:latin typeface="Constantia" pitchFamily="18" charset="0"/>
+                <a:cs typeface="Aparajita" pitchFamily="34" charset="0"/>
+              </a:rPr>
+              <a:t/>
+            </a:r>
+            <a:br>
+              <a:rPr lang="de-DE" sz="4400" dirty="0" smtClean="0">
+                <a:solidFill>
+                  <a:schemeClr val="bg1"/>
+                </a:solidFill>
+                <a:latin typeface="Constantia" pitchFamily="18" charset="0"/>
+                <a:cs typeface="Aparajita" pitchFamily="34" charset="0"/>
+              </a:rPr>
+            </a:br>
             <a:endParaRPr lang="de-DE" sz="4400" dirty="0">
               <a:solidFill>
                 <a:schemeClr val="bg1"/>
@@ -4427,14 +4612,14 @@
       </p:sp>
       <p:sp>
         <p:nvSpPr>
-          <p:cNvPr id="14" name="Textfeld 13"/>
+          <p:cNvPr id="19" name="Textfeld 18"/>
           <p:cNvSpPr txBox="1"/>
           <p:nvPr/>
         </p:nvSpPr>
         <p:spPr>
           <a:xfrm>
-            <a:off x="55279" y="4459759"/>
-            <a:ext cx="1798890" cy="769441"/>
+            <a:off x="35496" y="3277433"/>
+            <a:ext cx="9108504" cy="1015663"/>
           </a:xfrm>
           <a:prstGeom prst="rect">
             <a:avLst/>
@@ -4442,103 +4627,38 @@
           <a:noFill/>
         </p:spPr>
         <p:txBody>
-          <a:bodyPr wrap="none" rtlCol="0">
+          <a:bodyPr wrap="square" rtlCol="0">
             <a:spAutoFit/>
           </a:bodyPr>
           <a:lstStyle/>
           <a:p>
             <a:r>
-              <a:rPr lang="de-DE" sz="4400" b="1" dirty="0" smtClean="0">
+              <a:rPr lang="de-DE" sz="6000" dirty="0" err="1" smtClean="0">
+                <a:solidFill>
+                  <a:schemeClr val="bg1"/>
+                </a:solidFill>
                 <a:latin typeface="Constantia" pitchFamily="18" charset="0"/>
                 <a:cs typeface="Aparajita" pitchFamily="34" charset="0"/>
               </a:rPr>
-              <a:t>Demo</a:t>
-            </a:r>
-            <a:endParaRPr lang="de-DE" sz="4400" b="1" dirty="0">
+              <a:t>Typesystem</a:t>
+            </a:r>
+            <a:r>
+              <a:rPr lang="de-DE" sz="6000" dirty="0" smtClean="0">
+                <a:solidFill>
+                  <a:schemeClr val="bg1"/>
+                </a:solidFill>
+                <a:latin typeface="Constantia" pitchFamily="18" charset="0"/>
+                <a:cs typeface="Aparajita" pitchFamily="34" charset="0"/>
+              </a:rPr>
+              <a:t> Framework</a:t>
+            </a:r>
+            <a:endParaRPr lang="de-DE" sz="6000" dirty="0">
+              <a:solidFill>
+                <a:schemeClr val="bg1"/>
+              </a:solidFill>
               <a:latin typeface="Constantia" pitchFamily="18" charset="0"/>
               <a:cs typeface="Aparajita" pitchFamily="34" charset="0"/>
             </a:endParaRPr>
-          </a:p>
-        </p:txBody>
-      </p:sp>
-      <p:sp>
-        <p:nvSpPr>
-          <p:cNvPr id="15" name="Textfeld 14"/>
-          <p:cNvSpPr txBox="1"/>
-          <p:nvPr/>
-        </p:nvSpPr>
-        <p:spPr>
-          <a:xfrm>
-            <a:off x="95450" y="5919663"/>
-            <a:ext cx="8436990" cy="461665"/>
-          </a:xfrm>
-          <a:prstGeom prst="rect">
-            <a:avLst/>
-          </a:prstGeom>
-          <a:noFill/>
-        </p:spPr>
-        <p:txBody>
-          <a:bodyPr wrap="none" rtlCol="0">
-            <a:spAutoFit/>
-          </a:bodyPr>
-          <a:lstStyle/>
-          <a:p>
-            <a:r>
-              <a:rPr lang="de-DE" sz="2400" dirty="0" smtClean="0">
-                <a:latin typeface="Constantia" pitchFamily="18" charset="0"/>
-              </a:rPr>
-              <a:t>http://code.google.com/a/eclipselabs.org/p/xtext-typesystem/</a:t>
-            </a:r>
-            <a:endParaRPr lang="de-DE" sz="2400" dirty="0">
-              <a:latin typeface="Constantia" pitchFamily="18" charset="0"/>
-              <a:cs typeface="Aparajita" pitchFamily="34" charset="0"/>
-            </a:endParaRPr>
-          </a:p>
-        </p:txBody>
-      </p:sp>
-      <p:sp>
-        <p:nvSpPr>
-          <p:cNvPr id="16" name="Textfeld 15"/>
-          <p:cNvSpPr txBox="1"/>
-          <p:nvPr/>
-        </p:nvSpPr>
-        <p:spPr>
-          <a:xfrm>
-            <a:off x="55279" y="5301208"/>
-            <a:ext cx="1734899" cy="769441"/>
-          </a:xfrm>
-          <a:prstGeom prst="rect">
-            <a:avLst/>
-          </a:prstGeom>
-          <a:noFill/>
-        </p:spPr>
-        <p:txBody>
-          <a:bodyPr wrap="none" rtlCol="0">
-            <a:spAutoFit/>
-          </a:bodyPr>
-          <a:lstStyle/>
-          <a:p>
-            <a:r>
-              <a:rPr lang="de-DE" sz="4400" b="1" dirty="0" smtClean="0">
-                <a:latin typeface="Constantia" pitchFamily="18" charset="0"/>
-                <a:cs typeface="Aparajita" pitchFamily="34" charset="0"/>
-              </a:rPr>
-              <a:t>Try </a:t>
-            </a:r>
-            <a:r>
-              <a:rPr lang="de-DE" sz="4400" b="1" dirty="0" err="1" smtClean="0">
-                <a:latin typeface="Constantia" pitchFamily="18" charset="0"/>
-                <a:cs typeface="Aparajita" pitchFamily="34" charset="0"/>
-              </a:rPr>
-              <a:t>it</a:t>
-            </a:r>
-            <a:r>
-              <a:rPr lang="de-DE" sz="4400" b="1" dirty="0">
-                <a:latin typeface="Constantia" pitchFamily="18" charset="0"/>
-                <a:cs typeface="Aparajita" pitchFamily="34" charset="0"/>
-              </a:rPr>
-              <a:t>:</a:t>
-            </a:r>
           </a:p>
         </p:txBody>
       </p:sp>
@@ -15979,13 +16099,13 @@
       </p:sp>
       <p:sp>
         <p:nvSpPr>
-          <p:cNvPr id="78" name="Rechteck 77"/>
+          <p:cNvPr id="11" name="Rechteck 10"/>
           <p:cNvSpPr/>
           <p:nvPr/>
         </p:nvSpPr>
         <p:spPr>
           <a:xfrm>
-            <a:off x="0" y="2714144"/>
+            <a:off x="0" y="2701369"/>
             <a:ext cx="9144000" cy="1584176"/>
           </a:xfrm>
           <a:prstGeom prst="rect">
@@ -16027,14 +16147,14 @@
       </p:sp>
       <p:sp>
         <p:nvSpPr>
-          <p:cNvPr id="81" name="Textfeld 80"/>
+          <p:cNvPr id="12" name="Textfeld 11"/>
           <p:cNvSpPr txBox="1"/>
           <p:nvPr/>
         </p:nvSpPr>
         <p:spPr>
           <a:xfrm>
-            <a:off x="35496" y="2642136"/>
-            <a:ext cx="1959126" cy="1938992"/>
+            <a:off x="35496" y="2694979"/>
+            <a:ext cx="1486048" cy="1446550"/>
           </a:xfrm>
           <a:prstGeom prst="rect">
             <a:avLst/>
@@ -16048,7 +16168,7 @@
           <a:lstStyle/>
           <a:p>
             <a:r>
-              <a:rPr lang="de-DE" sz="6000" dirty="0" err="1" smtClean="0">
+              <a:rPr lang="de-DE" sz="4400" dirty="0" err="1" smtClean="0">
                 <a:solidFill>
                   <a:schemeClr val="bg1"/>
                 </a:solidFill>
@@ -16058,7 +16178,7 @@
               <a:t>Xtext</a:t>
             </a:r>
             <a:r>
-              <a:rPr lang="de-DE" sz="6000" dirty="0" smtClean="0">
+              <a:rPr lang="de-DE" sz="4400" dirty="0" smtClean="0">
                 <a:solidFill>
                   <a:schemeClr val="bg1"/>
                 </a:solidFill>
@@ -16068,7 +16188,7 @@
               <a:t/>
             </a:r>
             <a:br>
-              <a:rPr lang="de-DE" sz="6000" dirty="0" smtClean="0">
+              <a:rPr lang="de-DE" sz="4400" dirty="0" smtClean="0">
                 <a:solidFill>
                   <a:schemeClr val="bg1"/>
                 </a:solidFill>
@@ -16076,7 +16196,7 @@
                 <a:cs typeface="Aparajita" pitchFamily="34" charset="0"/>
               </a:rPr>
             </a:br>
-            <a:endParaRPr lang="de-DE" sz="6000" dirty="0">
+            <a:endParaRPr lang="de-DE" sz="4400" dirty="0">
               <a:solidFill>
                 <a:schemeClr val="bg1"/>
               </a:solidFill>
@@ -16088,14 +16208,14 @@
       </p:sp>
       <p:sp>
         <p:nvSpPr>
-          <p:cNvPr id="84" name="Textfeld 83"/>
+          <p:cNvPr id="13" name="Textfeld 12"/>
           <p:cNvSpPr txBox="1"/>
           <p:nvPr/>
         </p:nvSpPr>
         <p:spPr>
           <a:xfrm>
-            <a:off x="35496" y="3528879"/>
-            <a:ext cx="6264696" cy="769441"/>
+            <a:off x="35496" y="3277433"/>
+            <a:ext cx="9108504" cy="1015663"/>
           </a:xfrm>
           <a:prstGeom prst="rect">
             <a:avLst/>
@@ -16109,7 +16229,7 @@
           <a:lstStyle/>
           <a:p>
             <a:r>
-              <a:rPr lang="de-DE" sz="4400" dirty="0" err="1" smtClean="0">
+              <a:rPr lang="de-DE" sz="6000" dirty="0" err="1" smtClean="0">
                 <a:solidFill>
                   <a:schemeClr val="bg1"/>
                 </a:solidFill>
@@ -16119,7 +16239,7 @@
               <a:t>Typesystem</a:t>
             </a:r>
             <a:r>
-              <a:rPr lang="de-DE" sz="4400" dirty="0" smtClean="0">
+              <a:rPr lang="de-DE" sz="6000" dirty="0" smtClean="0">
                 <a:solidFill>
                   <a:schemeClr val="bg1"/>
                 </a:solidFill>
@@ -16128,7 +16248,7 @@
               </a:rPr>
               <a:t> Framework</a:t>
             </a:r>
-            <a:endParaRPr lang="de-DE" sz="4400" dirty="0">
+            <a:endParaRPr lang="de-DE" sz="6000" dirty="0">
               <a:solidFill>
                 <a:schemeClr val="bg1"/>
               </a:solidFill>

--- a/trunk/de.itemis.xtext.typesystem/doc/XtextTypesystem.pptx
+++ b/trunk/de.itemis.xtext.typesystem/doc/XtextTypesystem.pptx
@@ -7,18 +7,17 @@
   <p:sldIdLst>
     <p:sldId id="256" r:id="rId2"/>
     <p:sldId id="257" r:id="rId3"/>
-    <p:sldId id="269" r:id="rId4"/>
-    <p:sldId id="270" r:id="rId5"/>
-    <p:sldId id="271" r:id="rId6"/>
-    <p:sldId id="272" r:id="rId7"/>
-    <p:sldId id="264" r:id="rId8"/>
-    <p:sldId id="263" r:id="rId9"/>
-    <p:sldId id="258" r:id="rId10"/>
-    <p:sldId id="261" r:id="rId11"/>
-    <p:sldId id="262" r:id="rId12"/>
-    <p:sldId id="266" r:id="rId13"/>
-    <p:sldId id="268" r:id="rId14"/>
-    <p:sldId id="267" r:id="rId15"/>
+    <p:sldId id="270" r:id="rId4"/>
+    <p:sldId id="271" r:id="rId5"/>
+    <p:sldId id="272" r:id="rId6"/>
+    <p:sldId id="264" r:id="rId7"/>
+    <p:sldId id="263" r:id="rId8"/>
+    <p:sldId id="258" r:id="rId9"/>
+    <p:sldId id="261" r:id="rId10"/>
+    <p:sldId id="262" r:id="rId11"/>
+    <p:sldId id="266" r:id="rId12"/>
+    <p:sldId id="268" r:id="rId13"/>
+    <p:sldId id="267" r:id="rId14"/>
   </p:sldIdLst>
   <p:sldSz cx="9144000" cy="6858000" type="screen4x3"/>
   <p:notesSz cx="6858000" cy="9144000"/>
@@ -302,7 +301,7 @@
             <a:fld id="{E3912FC8-62EF-4019-BC91-6E85A94E7759}" type="datetimeFigureOut">
               <a:rPr lang="de-DE" smtClean="0"/>
               <a:pPr/>
-              <a:t>01.11.2010</a:t>
+              <a:t>02.11.2010</a:t>
             </a:fld>
             <a:endParaRPr lang="de-DE"/>
           </a:p>
@@ -469,7 +468,7 @@
             <a:fld id="{E3912FC8-62EF-4019-BC91-6E85A94E7759}" type="datetimeFigureOut">
               <a:rPr lang="de-DE" smtClean="0"/>
               <a:pPr/>
-              <a:t>01.11.2010</a:t>
+              <a:t>02.11.2010</a:t>
             </a:fld>
             <a:endParaRPr lang="de-DE"/>
           </a:p>
@@ -646,7 +645,7 @@
             <a:fld id="{E3912FC8-62EF-4019-BC91-6E85A94E7759}" type="datetimeFigureOut">
               <a:rPr lang="de-DE" smtClean="0"/>
               <a:pPr/>
-              <a:t>01.11.2010</a:t>
+              <a:t>02.11.2010</a:t>
             </a:fld>
             <a:endParaRPr lang="de-DE"/>
           </a:p>
@@ -813,7 +812,7 @@
             <a:fld id="{E3912FC8-62EF-4019-BC91-6E85A94E7759}" type="datetimeFigureOut">
               <a:rPr lang="de-DE" smtClean="0"/>
               <a:pPr/>
-              <a:t>01.11.2010</a:t>
+              <a:t>02.11.2010</a:t>
             </a:fld>
             <a:endParaRPr lang="de-DE"/>
           </a:p>
@@ -1056,7 +1055,7 @@
             <a:fld id="{E3912FC8-62EF-4019-BC91-6E85A94E7759}" type="datetimeFigureOut">
               <a:rPr lang="de-DE" smtClean="0"/>
               <a:pPr/>
-              <a:t>01.11.2010</a:t>
+              <a:t>02.11.2010</a:t>
             </a:fld>
             <a:endParaRPr lang="de-DE"/>
           </a:p>
@@ -1341,7 +1340,7 @@
             <a:fld id="{E3912FC8-62EF-4019-BC91-6E85A94E7759}" type="datetimeFigureOut">
               <a:rPr lang="de-DE" smtClean="0"/>
               <a:pPr/>
-              <a:t>01.11.2010</a:t>
+              <a:t>02.11.2010</a:t>
             </a:fld>
             <a:endParaRPr lang="de-DE"/>
           </a:p>
@@ -1760,7 +1759,7 @@
             <a:fld id="{E3912FC8-62EF-4019-BC91-6E85A94E7759}" type="datetimeFigureOut">
               <a:rPr lang="de-DE" smtClean="0"/>
               <a:pPr/>
-              <a:t>01.11.2010</a:t>
+              <a:t>02.11.2010</a:t>
             </a:fld>
             <a:endParaRPr lang="de-DE"/>
           </a:p>
@@ -1875,7 +1874,7 @@
             <a:fld id="{E3912FC8-62EF-4019-BC91-6E85A94E7759}" type="datetimeFigureOut">
               <a:rPr lang="de-DE" smtClean="0"/>
               <a:pPr/>
-              <a:t>01.11.2010</a:t>
+              <a:t>02.11.2010</a:t>
             </a:fld>
             <a:endParaRPr lang="de-DE"/>
           </a:p>
@@ -1967,7 +1966,7 @@
             <a:fld id="{E3912FC8-62EF-4019-BC91-6E85A94E7759}" type="datetimeFigureOut">
               <a:rPr lang="de-DE" smtClean="0"/>
               <a:pPr/>
-              <a:t>01.11.2010</a:t>
+              <a:t>02.11.2010</a:t>
             </a:fld>
             <a:endParaRPr lang="de-DE"/>
           </a:p>
@@ -2241,7 +2240,7 @@
             <a:fld id="{E3912FC8-62EF-4019-BC91-6E85A94E7759}" type="datetimeFigureOut">
               <a:rPr lang="de-DE" smtClean="0"/>
               <a:pPr/>
-              <a:t>01.11.2010</a:t>
+              <a:t>02.11.2010</a:t>
             </a:fld>
             <a:endParaRPr lang="de-DE"/>
           </a:p>
@@ -2491,7 +2490,7 @@
             <a:fld id="{E3912FC8-62EF-4019-BC91-6E85A94E7759}" type="datetimeFigureOut">
               <a:rPr lang="de-DE" smtClean="0"/>
               <a:pPr/>
-              <a:t>01.11.2010</a:t>
+              <a:t>02.11.2010</a:t>
             </a:fld>
             <a:endParaRPr lang="de-DE"/>
           </a:p>
@@ -2701,7 +2700,7 @@
             <a:fld id="{E3912FC8-62EF-4019-BC91-6E85A94E7759}" type="datetimeFigureOut">
               <a:rPr lang="de-DE" smtClean="0"/>
               <a:pPr/>
-              <a:t>01.11.2010</a:t>
+              <a:t>02.11.2010</a:t>
             </a:fld>
             <a:endParaRPr lang="de-DE"/>
           </a:p>
@@ -3379,2291 +3378,6 @@
         </p:xfrm>
         <a:graphic>
           <a:graphicData uri="http://schemas.openxmlformats.org/presentationml/2006/ole">
-            <p:oleObj spid="_x0000_s7170" name="Formel" r:id="rId3" imgW="1371600" imgH="457200" progId="Equation.3">
-              <p:embed/>
-            </p:oleObj>
-          </a:graphicData>
-        </a:graphic>
-      </p:graphicFrame>
-      <p:sp>
-        <p:nvSpPr>
-          <p:cNvPr id="17" name="Rechteck 16"/>
-          <p:cNvSpPr/>
-          <p:nvPr/>
-        </p:nvSpPr>
-        <p:spPr>
-          <a:xfrm>
-            <a:off x="590224" y="1628800"/>
-            <a:ext cx="1053117" cy="432048"/>
-          </a:xfrm>
-          <a:prstGeom prst="rect">
-            <a:avLst/>
-          </a:prstGeom>
-          <a:solidFill>
-            <a:schemeClr val="bg1">
-              <a:lumMod val="85000"/>
-            </a:schemeClr>
-          </a:solidFill>
-          <a:ln>
-            <a:noFill/>
-          </a:ln>
-          <a:effectLst>
-            <a:outerShdw blurRad="50800" dist="38100" dir="2700000" algn="tl" rotWithShape="0">
-              <a:prstClr val="black">
-                <a:alpha val="40000"/>
-              </a:prstClr>
-            </a:outerShdw>
-          </a:effectLst>
-        </p:spPr>
-        <p:style>
-          <a:lnRef idx="2">
-            <a:schemeClr val="accent1">
-              <a:shade val="50000"/>
-            </a:schemeClr>
-          </a:lnRef>
-          <a:fillRef idx="1">
-            <a:schemeClr val="accent1"/>
-          </a:fillRef>
-          <a:effectRef idx="0">
-            <a:schemeClr val="accent1"/>
-          </a:effectRef>
-          <a:fontRef idx="minor">
-            <a:schemeClr val="lt1"/>
-          </a:fontRef>
-        </p:style>
-        <p:txBody>
-          <a:bodyPr rtlCol="0" anchor="ctr"/>
-          <a:lstStyle/>
-          <a:p>
-            <a:pPr algn="ctr"/>
-            <a:r>
-              <a:rPr lang="de-DE" b="1" dirty="0" smtClean="0">
-                <a:solidFill>
-                  <a:schemeClr val="tx1"/>
-                </a:solidFill>
-                <a:latin typeface="Constantia" pitchFamily="18" charset="0"/>
-              </a:rPr>
-              <a:t>x: </a:t>
-            </a:r>
-            <a:r>
-              <a:rPr lang="de-DE" b="1" dirty="0" err="1" smtClean="0">
-                <a:solidFill>
-                  <a:schemeClr val="tx1"/>
-                </a:solidFill>
-                <a:latin typeface="Constantia" pitchFamily="18" charset="0"/>
-              </a:rPr>
-              <a:t>Var</a:t>
-            </a:r>
-            <a:endParaRPr lang="de-DE" b="1" dirty="0">
-              <a:solidFill>
-                <a:schemeClr val="tx1"/>
-              </a:solidFill>
-              <a:latin typeface="Constantia" pitchFamily="18" charset="0"/>
-            </a:endParaRPr>
-          </a:p>
-        </p:txBody>
-      </p:sp>
-      <p:sp>
-        <p:nvSpPr>
-          <p:cNvPr id="18" name="Rechteck 17"/>
-          <p:cNvSpPr/>
-          <p:nvPr/>
-        </p:nvSpPr>
-        <p:spPr>
-          <a:xfrm>
-            <a:off x="467544" y="2634640"/>
-            <a:ext cx="1296144" cy="432048"/>
-          </a:xfrm>
-          <a:prstGeom prst="rect">
-            <a:avLst/>
-          </a:prstGeom>
-          <a:solidFill>
-            <a:schemeClr val="bg1">
-              <a:lumMod val="85000"/>
-            </a:schemeClr>
-          </a:solidFill>
-          <a:ln>
-            <a:noFill/>
-          </a:ln>
-          <a:effectLst>
-            <a:outerShdw blurRad="50800" dist="38100" dir="2700000" algn="tl" rotWithShape="0">
-              <a:prstClr val="black">
-                <a:alpha val="40000"/>
-              </a:prstClr>
-            </a:outerShdw>
-          </a:effectLst>
-        </p:spPr>
-        <p:style>
-          <a:lnRef idx="2">
-            <a:schemeClr val="accent1">
-              <a:shade val="50000"/>
-            </a:schemeClr>
-          </a:lnRef>
-          <a:fillRef idx="1">
-            <a:schemeClr val="accent1"/>
-          </a:fillRef>
-          <a:effectRef idx="0">
-            <a:schemeClr val="accent1"/>
-          </a:effectRef>
-          <a:fontRef idx="minor">
-            <a:schemeClr val="lt1"/>
-          </a:fontRef>
-        </p:style>
-        <p:txBody>
-          <a:bodyPr rtlCol="0" anchor="ctr"/>
-          <a:lstStyle/>
-          <a:p>
-            <a:pPr algn="ctr"/>
-            <a:r>
-              <a:rPr lang="de-DE" b="1" dirty="0" err="1" smtClean="0">
-                <a:solidFill>
-                  <a:schemeClr val="tx1"/>
-                </a:solidFill>
-                <a:latin typeface="Constantia" pitchFamily="18" charset="0"/>
-              </a:rPr>
-              <a:t>IntType</a:t>
-            </a:r>
-            <a:endParaRPr lang="de-DE" b="1" dirty="0">
-              <a:solidFill>
-                <a:schemeClr val="tx1"/>
-              </a:solidFill>
-              <a:latin typeface="Constantia" pitchFamily="18" charset="0"/>
-            </a:endParaRPr>
-          </a:p>
-        </p:txBody>
-      </p:sp>
-      <p:cxnSp>
-        <p:nvCxnSpPr>
-          <p:cNvPr id="20" name="Gerade Verbindung mit Pfeil 19"/>
-          <p:cNvCxnSpPr>
-            <a:stCxn id="17" idx="2"/>
-            <a:endCxn id="18" idx="0"/>
-          </p:cNvCxnSpPr>
-          <p:nvPr/>
-        </p:nvCxnSpPr>
-        <p:spPr>
-          <a:xfrm rot="5400000">
-            <a:off x="829304" y="2347161"/>
-            <a:ext cx="573792" cy="1167"/>
-          </a:xfrm>
-          <a:prstGeom prst="straightConnector1">
-            <a:avLst/>
-          </a:prstGeom>
-          <a:ln w="15875">
-            <a:solidFill>
-              <a:schemeClr val="tx1"/>
-            </a:solidFill>
-            <a:tailEnd type="arrow"/>
-          </a:ln>
-        </p:spPr>
-        <p:style>
-          <a:lnRef idx="1">
-            <a:schemeClr val="accent1"/>
-          </a:lnRef>
-          <a:fillRef idx="0">
-            <a:schemeClr val="accent1"/>
-          </a:fillRef>
-          <a:effectRef idx="0">
-            <a:schemeClr val="accent1"/>
-          </a:effectRef>
-          <a:fontRef idx="minor">
-            <a:schemeClr val="tx1"/>
-          </a:fontRef>
-        </p:style>
-      </p:cxnSp>
-      <p:sp>
-        <p:nvSpPr>
-          <p:cNvPr id="26" name="Textfeld 25"/>
-          <p:cNvSpPr txBox="1"/>
-          <p:nvPr/>
-        </p:nvSpPr>
-        <p:spPr>
-          <a:xfrm>
-            <a:off x="1115616" y="2326863"/>
-            <a:ext cx="694662" cy="307777"/>
-          </a:xfrm>
-          <a:prstGeom prst="rect">
-            <a:avLst/>
-          </a:prstGeom>
-          <a:noFill/>
-        </p:spPr>
-        <p:txBody>
-          <a:bodyPr wrap="square" rtlCol="0">
-            <a:spAutoFit/>
-          </a:bodyPr>
-          <a:lstStyle/>
-          <a:p>
-            <a:r>
-              <a:rPr lang="de-DE" sz="1400" dirty="0" smtClean="0">
-                <a:latin typeface="Constantia" pitchFamily="18" charset="0"/>
-              </a:rPr>
-              <a:t>type</a:t>
-            </a:r>
-            <a:endParaRPr lang="de-DE" sz="1400" dirty="0">
-              <a:latin typeface="Constantia" pitchFamily="18" charset="0"/>
-            </a:endParaRPr>
-          </a:p>
-        </p:txBody>
-      </p:sp>
-      <p:sp>
-        <p:nvSpPr>
-          <p:cNvPr id="29" name="Rechteck 28"/>
-          <p:cNvSpPr/>
-          <p:nvPr/>
-        </p:nvSpPr>
-        <p:spPr>
-          <a:xfrm>
-            <a:off x="2534440" y="1628800"/>
-            <a:ext cx="1053117" cy="432048"/>
-          </a:xfrm>
-          <a:prstGeom prst="rect">
-            <a:avLst/>
-          </a:prstGeom>
-          <a:solidFill>
-            <a:schemeClr val="bg1">
-              <a:lumMod val="85000"/>
-            </a:schemeClr>
-          </a:solidFill>
-          <a:ln>
-            <a:noFill/>
-          </a:ln>
-          <a:effectLst>
-            <a:outerShdw blurRad="50800" dist="38100" dir="2700000" algn="tl" rotWithShape="0">
-              <a:prstClr val="black">
-                <a:alpha val="40000"/>
-              </a:prstClr>
-            </a:outerShdw>
-          </a:effectLst>
-        </p:spPr>
-        <p:style>
-          <a:lnRef idx="2">
-            <a:schemeClr val="accent1">
-              <a:shade val="50000"/>
-            </a:schemeClr>
-          </a:lnRef>
-          <a:fillRef idx="1">
-            <a:schemeClr val="accent1"/>
-          </a:fillRef>
-          <a:effectRef idx="0">
-            <a:schemeClr val="accent1"/>
-          </a:effectRef>
-          <a:fontRef idx="minor">
-            <a:schemeClr val="lt1"/>
-          </a:fontRef>
-        </p:style>
-        <p:txBody>
-          <a:bodyPr rtlCol="0" anchor="ctr"/>
-          <a:lstStyle/>
-          <a:p>
-            <a:pPr algn="ctr"/>
-            <a:r>
-              <a:rPr lang="de-DE" b="1" dirty="0" smtClean="0">
-                <a:solidFill>
-                  <a:schemeClr val="tx1"/>
-                </a:solidFill>
-                <a:latin typeface="Constantia" pitchFamily="18" charset="0"/>
-              </a:rPr>
-              <a:t>y: </a:t>
-            </a:r>
-            <a:r>
-              <a:rPr lang="de-DE" b="1" dirty="0" err="1" smtClean="0">
-                <a:solidFill>
-                  <a:schemeClr val="tx1"/>
-                </a:solidFill>
-                <a:latin typeface="Constantia" pitchFamily="18" charset="0"/>
-              </a:rPr>
-              <a:t>Calc</a:t>
-            </a:r>
-            <a:endParaRPr lang="de-DE" b="1" dirty="0">
-              <a:solidFill>
-                <a:schemeClr val="tx1"/>
-              </a:solidFill>
-              <a:latin typeface="Constantia" pitchFamily="18" charset="0"/>
-            </a:endParaRPr>
-          </a:p>
-        </p:txBody>
-      </p:sp>
-      <p:sp>
-        <p:nvSpPr>
-          <p:cNvPr id="30" name="Rechteck 29"/>
-          <p:cNvSpPr/>
-          <p:nvPr/>
-        </p:nvSpPr>
-        <p:spPr>
-          <a:xfrm>
-            <a:off x="2411760" y="2634640"/>
-            <a:ext cx="1296144" cy="432048"/>
-          </a:xfrm>
-          <a:prstGeom prst="rect">
-            <a:avLst/>
-          </a:prstGeom>
-          <a:solidFill>
-            <a:schemeClr val="bg1">
-              <a:lumMod val="85000"/>
-            </a:schemeClr>
-          </a:solidFill>
-          <a:ln>
-            <a:noFill/>
-          </a:ln>
-          <a:effectLst>
-            <a:outerShdw blurRad="50800" dist="38100" dir="2700000" algn="tl" rotWithShape="0">
-              <a:prstClr val="black">
-                <a:alpha val="40000"/>
-              </a:prstClr>
-            </a:outerShdw>
-          </a:effectLst>
-        </p:spPr>
-        <p:style>
-          <a:lnRef idx="2">
-            <a:schemeClr val="accent1">
-              <a:shade val="50000"/>
-            </a:schemeClr>
-          </a:lnRef>
-          <a:fillRef idx="1">
-            <a:schemeClr val="accent1"/>
-          </a:fillRef>
-          <a:effectRef idx="0">
-            <a:schemeClr val="accent1"/>
-          </a:effectRef>
-          <a:fontRef idx="minor">
-            <a:schemeClr val="lt1"/>
-          </a:fontRef>
-        </p:style>
-        <p:txBody>
-          <a:bodyPr rtlCol="0" anchor="ctr"/>
-          <a:lstStyle/>
-          <a:p>
-            <a:pPr algn="ctr"/>
-            <a:r>
-              <a:rPr lang="de-DE" b="1" dirty="0" err="1" smtClean="0">
-                <a:solidFill>
-                  <a:schemeClr val="tx1"/>
-                </a:solidFill>
-                <a:latin typeface="Constantia" pitchFamily="18" charset="0"/>
-              </a:rPr>
-              <a:t>IntType</a:t>
-            </a:r>
-            <a:endParaRPr lang="de-DE" b="1" dirty="0">
-              <a:solidFill>
-                <a:schemeClr val="tx1"/>
-              </a:solidFill>
-              <a:latin typeface="Constantia" pitchFamily="18" charset="0"/>
-            </a:endParaRPr>
-          </a:p>
-        </p:txBody>
-      </p:sp>
-      <p:cxnSp>
-        <p:nvCxnSpPr>
-          <p:cNvPr id="31" name="Gerade Verbindung mit Pfeil 30"/>
-          <p:cNvCxnSpPr>
-            <a:stCxn id="29" idx="2"/>
-            <a:endCxn id="30" idx="0"/>
-          </p:cNvCxnSpPr>
-          <p:nvPr/>
-        </p:nvCxnSpPr>
-        <p:spPr>
-          <a:xfrm rot="5400000">
-            <a:off x="2773520" y="2347161"/>
-            <a:ext cx="573792" cy="1167"/>
-          </a:xfrm>
-          <a:prstGeom prst="straightConnector1">
-            <a:avLst/>
-          </a:prstGeom>
-          <a:ln w="15875">
-            <a:solidFill>
-              <a:schemeClr val="tx1"/>
-            </a:solidFill>
-            <a:tailEnd type="arrow"/>
-          </a:ln>
-        </p:spPr>
-        <p:style>
-          <a:lnRef idx="1">
-            <a:schemeClr val="accent1"/>
-          </a:lnRef>
-          <a:fillRef idx="0">
-            <a:schemeClr val="accent1"/>
-          </a:fillRef>
-          <a:effectRef idx="0">
-            <a:schemeClr val="accent1"/>
-          </a:effectRef>
-          <a:fontRef idx="minor">
-            <a:schemeClr val="tx1"/>
-          </a:fontRef>
-        </p:style>
-      </p:cxnSp>
-      <p:sp>
-        <p:nvSpPr>
-          <p:cNvPr id="32" name="Textfeld 31"/>
-          <p:cNvSpPr txBox="1"/>
-          <p:nvPr/>
-        </p:nvSpPr>
-        <p:spPr>
-          <a:xfrm>
-            <a:off x="3059832" y="2326863"/>
-            <a:ext cx="694662" cy="307777"/>
-          </a:xfrm>
-          <a:prstGeom prst="rect">
-            <a:avLst/>
-          </a:prstGeom>
-          <a:noFill/>
-        </p:spPr>
-        <p:txBody>
-          <a:bodyPr wrap="square" rtlCol="0">
-            <a:spAutoFit/>
-          </a:bodyPr>
-          <a:lstStyle/>
-          <a:p>
-            <a:r>
-              <a:rPr lang="de-DE" sz="1400" dirty="0" smtClean="0">
-                <a:latin typeface="Constantia" pitchFamily="18" charset="0"/>
-              </a:rPr>
-              <a:t>type</a:t>
-            </a:r>
-            <a:endParaRPr lang="de-DE" sz="1400" dirty="0">
-              <a:latin typeface="Constantia" pitchFamily="18" charset="0"/>
-            </a:endParaRPr>
-          </a:p>
-        </p:txBody>
-      </p:sp>
-      <p:sp>
-        <p:nvSpPr>
-          <p:cNvPr id="34" name="Rechteck 33"/>
-          <p:cNvSpPr/>
-          <p:nvPr/>
-        </p:nvSpPr>
-        <p:spPr>
-          <a:xfrm>
-            <a:off x="3995936" y="2634640"/>
-            <a:ext cx="1296144" cy="432048"/>
-          </a:xfrm>
-          <a:prstGeom prst="rect">
-            <a:avLst/>
-          </a:prstGeom>
-          <a:solidFill>
-            <a:schemeClr val="bg1">
-              <a:lumMod val="85000"/>
-            </a:schemeClr>
-          </a:solidFill>
-          <a:ln>
-            <a:noFill/>
-          </a:ln>
-          <a:effectLst>
-            <a:outerShdw blurRad="50800" dist="38100" dir="2700000" algn="tl" rotWithShape="0">
-              <a:prstClr val="black">
-                <a:alpha val="40000"/>
-              </a:prstClr>
-            </a:outerShdw>
-          </a:effectLst>
-        </p:spPr>
-        <p:style>
-          <a:lnRef idx="2">
-            <a:schemeClr val="accent1">
-              <a:shade val="50000"/>
-            </a:schemeClr>
-          </a:lnRef>
-          <a:fillRef idx="1">
-            <a:schemeClr val="accent1"/>
-          </a:fillRef>
-          <a:effectRef idx="0">
-            <a:schemeClr val="accent1"/>
-          </a:effectRef>
-          <a:fontRef idx="minor">
-            <a:schemeClr val="lt1"/>
-          </a:fontRef>
-        </p:style>
-        <p:txBody>
-          <a:bodyPr rtlCol="0" anchor="ctr"/>
-          <a:lstStyle/>
-          <a:p>
-            <a:pPr algn="ctr"/>
-            <a:r>
-              <a:rPr lang="de-DE" b="1" dirty="0" smtClean="0">
-                <a:solidFill>
-                  <a:schemeClr val="tx1"/>
-                </a:solidFill>
-                <a:latin typeface="Constantia" pitchFamily="18" charset="0"/>
-              </a:rPr>
-              <a:t>Plus</a:t>
-            </a:r>
-            <a:endParaRPr lang="de-DE" b="1" dirty="0">
-              <a:solidFill>
-                <a:schemeClr val="tx1"/>
-              </a:solidFill>
-              <a:latin typeface="Constantia" pitchFamily="18" charset="0"/>
-            </a:endParaRPr>
-          </a:p>
-        </p:txBody>
-      </p:sp>
-      <p:cxnSp>
-        <p:nvCxnSpPr>
-          <p:cNvPr id="35" name="Gerade Verbindung mit Pfeil 34"/>
-          <p:cNvCxnSpPr>
-            <a:stCxn id="29" idx="2"/>
-            <a:endCxn id="34" idx="0"/>
-          </p:cNvCxnSpPr>
-          <p:nvPr/>
-        </p:nvCxnSpPr>
-        <p:spPr>
-          <a:xfrm rot="16200000" flipH="1">
-            <a:off x="3565607" y="1556239"/>
-            <a:ext cx="573792" cy="1583009"/>
-          </a:xfrm>
-          <a:prstGeom prst="straightConnector1">
-            <a:avLst/>
-          </a:prstGeom>
-          <a:ln w="15875">
-            <a:solidFill>
-              <a:schemeClr val="tx1"/>
-            </a:solidFill>
-            <a:tailEnd type="arrow"/>
-          </a:ln>
-        </p:spPr>
-        <p:style>
-          <a:lnRef idx="1">
-            <a:schemeClr val="accent1"/>
-          </a:lnRef>
-          <a:fillRef idx="0">
-            <a:schemeClr val="accent1"/>
-          </a:fillRef>
-          <a:effectRef idx="0">
-            <a:schemeClr val="accent1"/>
-          </a:effectRef>
-          <a:fontRef idx="minor">
-            <a:schemeClr val="tx1"/>
-          </a:fontRef>
-        </p:style>
-      </p:cxnSp>
-      <p:sp>
-        <p:nvSpPr>
-          <p:cNvPr id="38" name="Textfeld 37"/>
-          <p:cNvSpPr txBox="1"/>
-          <p:nvPr/>
-        </p:nvSpPr>
-        <p:spPr>
-          <a:xfrm>
-            <a:off x="4597418" y="2346608"/>
-            <a:ext cx="694662" cy="307777"/>
-          </a:xfrm>
-          <a:prstGeom prst="rect">
-            <a:avLst/>
-          </a:prstGeom>
-          <a:noFill/>
-        </p:spPr>
-        <p:txBody>
-          <a:bodyPr wrap="square" rtlCol="0">
-            <a:spAutoFit/>
-          </a:bodyPr>
-          <a:lstStyle/>
-          <a:p>
-            <a:r>
-              <a:rPr lang="de-DE" sz="1400" dirty="0" err="1" smtClean="0">
-                <a:latin typeface="Constantia" pitchFamily="18" charset="0"/>
-              </a:rPr>
-              <a:t>expr</a:t>
-            </a:r>
-            <a:endParaRPr lang="de-DE" sz="1400" dirty="0">
-              <a:latin typeface="Constantia" pitchFamily="18" charset="0"/>
-            </a:endParaRPr>
-          </a:p>
-        </p:txBody>
-      </p:sp>
-      <p:sp>
-        <p:nvSpPr>
-          <p:cNvPr id="40" name="Rechteck 39"/>
-          <p:cNvSpPr/>
-          <p:nvPr/>
-        </p:nvSpPr>
-        <p:spPr>
-          <a:xfrm>
-            <a:off x="3203848" y="3714760"/>
-            <a:ext cx="1296144" cy="432048"/>
-          </a:xfrm>
-          <a:prstGeom prst="rect">
-            <a:avLst/>
-          </a:prstGeom>
-          <a:solidFill>
-            <a:schemeClr val="bg1">
-              <a:lumMod val="85000"/>
-            </a:schemeClr>
-          </a:solidFill>
-          <a:ln>
-            <a:noFill/>
-          </a:ln>
-          <a:effectLst>
-            <a:outerShdw blurRad="50800" dist="38100" dir="2700000" algn="tl" rotWithShape="0">
-              <a:prstClr val="black">
-                <a:alpha val="40000"/>
-              </a:prstClr>
-            </a:outerShdw>
-          </a:effectLst>
-        </p:spPr>
-        <p:style>
-          <a:lnRef idx="2">
-            <a:schemeClr val="accent1">
-              <a:shade val="50000"/>
-            </a:schemeClr>
-          </a:lnRef>
-          <a:fillRef idx="1">
-            <a:schemeClr val="accent1"/>
-          </a:fillRef>
-          <a:effectRef idx="0">
-            <a:schemeClr val="accent1"/>
-          </a:effectRef>
-          <a:fontRef idx="minor">
-            <a:schemeClr val="lt1"/>
-          </a:fontRef>
-        </p:style>
-        <p:txBody>
-          <a:bodyPr rtlCol="0" anchor="ctr"/>
-          <a:lstStyle/>
-          <a:p>
-            <a:pPr algn="ctr"/>
-            <a:r>
-              <a:rPr lang="de-DE" b="1" dirty="0" err="1" smtClean="0">
-                <a:solidFill>
-                  <a:schemeClr val="tx1"/>
-                </a:solidFill>
-                <a:latin typeface="Constantia" pitchFamily="18" charset="0"/>
-              </a:rPr>
-              <a:t>IntConst</a:t>
-            </a:r>
-            <a:endParaRPr lang="de-DE" b="1" dirty="0">
-              <a:solidFill>
-                <a:schemeClr val="tx1"/>
-              </a:solidFill>
-              <a:latin typeface="Constantia" pitchFamily="18" charset="0"/>
-            </a:endParaRPr>
-          </a:p>
-        </p:txBody>
-      </p:sp>
-      <p:cxnSp>
-        <p:nvCxnSpPr>
-          <p:cNvPr id="41" name="Gerade Verbindung mit Pfeil 40"/>
-          <p:cNvCxnSpPr>
-            <a:stCxn id="34" idx="2"/>
-            <a:endCxn id="40" idx="0"/>
-          </p:cNvCxnSpPr>
-          <p:nvPr/>
-        </p:nvCxnSpPr>
-        <p:spPr>
-          <a:xfrm rot="5400000">
-            <a:off x="3923928" y="2994680"/>
-            <a:ext cx="648072" cy="792088"/>
-          </a:xfrm>
-          <a:prstGeom prst="straightConnector1">
-            <a:avLst/>
-          </a:prstGeom>
-          <a:ln w="15875">
-            <a:solidFill>
-              <a:schemeClr val="tx1"/>
-            </a:solidFill>
-            <a:tailEnd type="arrow"/>
-          </a:ln>
-        </p:spPr>
-        <p:style>
-          <a:lnRef idx="1">
-            <a:schemeClr val="accent1"/>
-          </a:lnRef>
-          <a:fillRef idx="0">
-            <a:schemeClr val="accent1"/>
-          </a:fillRef>
-          <a:effectRef idx="0">
-            <a:schemeClr val="accent1"/>
-          </a:effectRef>
-          <a:fontRef idx="minor">
-            <a:schemeClr val="tx1"/>
-          </a:fontRef>
-        </p:style>
-      </p:cxnSp>
-      <p:sp>
-        <p:nvSpPr>
-          <p:cNvPr id="44" name="Textfeld 43"/>
-          <p:cNvSpPr txBox="1"/>
-          <p:nvPr/>
-        </p:nvSpPr>
-        <p:spPr>
-          <a:xfrm>
-            <a:off x="3517298" y="3354720"/>
-            <a:ext cx="694662" cy="307777"/>
-          </a:xfrm>
-          <a:prstGeom prst="rect">
-            <a:avLst/>
-          </a:prstGeom>
-          <a:noFill/>
-        </p:spPr>
-        <p:txBody>
-          <a:bodyPr wrap="square" rtlCol="0">
-            <a:spAutoFit/>
-          </a:bodyPr>
-          <a:lstStyle/>
-          <a:p>
-            <a:r>
-              <a:rPr lang="de-DE" sz="1400" dirty="0" err="1" smtClean="0">
-                <a:latin typeface="Constantia" pitchFamily="18" charset="0"/>
-              </a:rPr>
-              <a:t>left</a:t>
-            </a:r>
-            <a:endParaRPr lang="de-DE" sz="1400" dirty="0">
-              <a:latin typeface="Constantia" pitchFamily="18" charset="0"/>
-            </a:endParaRPr>
-          </a:p>
-        </p:txBody>
-      </p:sp>
-      <p:sp>
-        <p:nvSpPr>
-          <p:cNvPr id="46" name="Rechteck 45"/>
-          <p:cNvSpPr/>
-          <p:nvPr/>
-        </p:nvSpPr>
-        <p:spPr>
-          <a:xfrm>
-            <a:off x="4716016" y="3714760"/>
-            <a:ext cx="1296144" cy="432048"/>
-          </a:xfrm>
-          <a:prstGeom prst="rect">
-            <a:avLst/>
-          </a:prstGeom>
-          <a:solidFill>
-            <a:schemeClr val="bg1">
-              <a:lumMod val="85000"/>
-            </a:schemeClr>
-          </a:solidFill>
-          <a:ln>
-            <a:noFill/>
-          </a:ln>
-          <a:effectLst>
-            <a:outerShdw blurRad="50800" dist="38100" dir="2700000" algn="tl" rotWithShape="0">
-              <a:prstClr val="black">
-                <a:alpha val="40000"/>
-              </a:prstClr>
-            </a:outerShdw>
-          </a:effectLst>
-        </p:spPr>
-        <p:style>
-          <a:lnRef idx="2">
-            <a:schemeClr val="accent1">
-              <a:shade val="50000"/>
-            </a:schemeClr>
-          </a:lnRef>
-          <a:fillRef idx="1">
-            <a:schemeClr val="accent1"/>
-          </a:fillRef>
-          <a:effectRef idx="0">
-            <a:schemeClr val="accent1"/>
-          </a:effectRef>
-          <a:fontRef idx="minor">
-            <a:schemeClr val="lt1"/>
-          </a:fontRef>
-        </p:style>
-        <p:txBody>
-          <a:bodyPr rtlCol="0" anchor="ctr"/>
-          <a:lstStyle/>
-          <a:p>
-            <a:pPr algn="ctr"/>
-            <a:r>
-              <a:rPr lang="de-DE" b="1" dirty="0" smtClean="0">
-                <a:solidFill>
-                  <a:schemeClr val="tx1"/>
-                </a:solidFill>
-                <a:latin typeface="Constantia" pitchFamily="18" charset="0"/>
-              </a:rPr>
-              <a:t>Multi</a:t>
-            </a:r>
-            <a:endParaRPr lang="de-DE" b="1" dirty="0">
-              <a:solidFill>
-                <a:schemeClr val="tx1"/>
-              </a:solidFill>
-              <a:latin typeface="Constantia" pitchFamily="18" charset="0"/>
-            </a:endParaRPr>
-          </a:p>
-        </p:txBody>
-      </p:sp>
-      <p:cxnSp>
-        <p:nvCxnSpPr>
-          <p:cNvPr id="47" name="Gerade Verbindung mit Pfeil 46"/>
-          <p:cNvCxnSpPr>
-            <a:stCxn id="34" idx="2"/>
-            <a:endCxn id="46" idx="0"/>
-          </p:cNvCxnSpPr>
-          <p:nvPr/>
-        </p:nvCxnSpPr>
-        <p:spPr>
-          <a:xfrm rot="16200000" flipH="1">
-            <a:off x="4680012" y="3030684"/>
-            <a:ext cx="648072" cy="720080"/>
-          </a:xfrm>
-          <a:prstGeom prst="straightConnector1">
-            <a:avLst/>
-          </a:prstGeom>
-          <a:ln w="15875">
-            <a:solidFill>
-              <a:schemeClr val="tx1"/>
-            </a:solidFill>
-            <a:tailEnd type="arrow"/>
-          </a:ln>
-        </p:spPr>
-        <p:style>
-          <a:lnRef idx="1">
-            <a:schemeClr val="accent1"/>
-          </a:lnRef>
-          <a:fillRef idx="0">
-            <a:schemeClr val="accent1"/>
-          </a:fillRef>
-          <a:effectRef idx="0">
-            <a:schemeClr val="accent1"/>
-          </a:effectRef>
-          <a:fontRef idx="minor">
-            <a:schemeClr val="tx1"/>
-          </a:fontRef>
-        </p:style>
-      </p:cxnSp>
-      <p:sp>
-        <p:nvSpPr>
-          <p:cNvPr id="50" name="Textfeld 49"/>
-          <p:cNvSpPr txBox="1"/>
-          <p:nvPr/>
-        </p:nvSpPr>
-        <p:spPr>
-          <a:xfrm>
-            <a:off x="5292080" y="3354720"/>
-            <a:ext cx="694662" cy="307777"/>
-          </a:xfrm>
-          <a:prstGeom prst="rect">
-            <a:avLst/>
-          </a:prstGeom>
-          <a:noFill/>
-        </p:spPr>
-        <p:txBody>
-          <a:bodyPr wrap="square" rtlCol="0">
-            <a:spAutoFit/>
-          </a:bodyPr>
-          <a:lstStyle/>
-          <a:p>
-            <a:r>
-              <a:rPr lang="de-DE" sz="1400" dirty="0" err="1" smtClean="0">
-                <a:latin typeface="Constantia" pitchFamily="18" charset="0"/>
-              </a:rPr>
-              <a:t>right</a:t>
-            </a:r>
-            <a:endParaRPr lang="de-DE" sz="1400" dirty="0">
-              <a:latin typeface="Constantia" pitchFamily="18" charset="0"/>
-            </a:endParaRPr>
-          </a:p>
-        </p:txBody>
-      </p:sp>
-      <p:sp>
-        <p:nvSpPr>
-          <p:cNvPr id="52" name="Rechteck 51"/>
-          <p:cNvSpPr/>
-          <p:nvPr/>
-        </p:nvSpPr>
-        <p:spPr>
-          <a:xfrm>
-            <a:off x="3923928" y="4794880"/>
-            <a:ext cx="1296144" cy="432048"/>
-          </a:xfrm>
-          <a:prstGeom prst="rect">
-            <a:avLst/>
-          </a:prstGeom>
-          <a:solidFill>
-            <a:schemeClr val="bg1">
-              <a:lumMod val="85000"/>
-            </a:schemeClr>
-          </a:solidFill>
-          <a:ln>
-            <a:noFill/>
-          </a:ln>
-          <a:effectLst>
-            <a:outerShdw blurRad="50800" dist="38100" dir="2700000" algn="tl" rotWithShape="0">
-              <a:prstClr val="black">
-                <a:alpha val="40000"/>
-              </a:prstClr>
-            </a:outerShdw>
-          </a:effectLst>
-        </p:spPr>
-        <p:style>
-          <a:lnRef idx="2">
-            <a:schemeClr val="accent1">
-              <a:shade val="50000"/>
-            </a:schemeClr>
-          </a:lnRef>
-          <a:fillRef idx="1">
-            <a:schemeClr val="accent1"/>
-          </a:fillRef>
-          <a:effectRef idx="0">
-            <a:schemeClr val="accent1"/>
-          </a:effectRef>
-          <a:fontRef idx="minor">
-            <a:schemeClr val="lt1"/>
-          </a:fontRef>
-        </p:style>
-        <p:txBody>
-          <a:bodyPr rtlCol="0" anchor="ctr"/>
-          <a:lstStyle/>
-          <a:p>
-            <a:pPr algn="ctr"/>
-            <a:r>
-              <a:rPr lang="de-DE" b="1" dirty="0" err="1" smtClean="0">
-                <a:solidFill>
-                  <a:schemeClr val="tx1"/>
-                </a:solidFill>
-                <a:latin typeface="Constantia" pitchFamily="18" charset="0"/>
-              </a:rPr>
-              <a:t>IntConst</a:t>
-            </a:r>
-            <a:endParaRPr lang="de-DE" b="1" dirty="0">
-              <a:solidFill>
-                <a:schemeClr val="tx1"/>
-              </a:solidFill>
-              <a:latin typeface="Constantia" pitchFamily="18" charset="0"/>
-            </a:endParaRPr>
-          </a:p>
-        </p:txBody>
-      </p:sp>
-      <p:cxnSp>
-        <p:nvCxnSpPr>
-          <p:cNvPr id="53" name="Gerade Verbindung mit Pfeil 52"/>
-          <p:cNvCxnSpPr/>
-          <p:nvPr/>
-        </p:nvCxnSpPr>
-        <p:spPr>
-          <a:xfrm rot="5400000">
-            <a:off x="4644008" y="4074800"/>
-            <a:ext cx="648072" cy="792088"/>
-          </a:xfrm>
-          <a:prstGeom prst="straightConnector1">
-            <a:avLst/>
-          </a:prstGeom>
-          <a:ln w="15875">
-            <a:solidFill>
-              <a:schemeClr val="tx1"/>
-            </a:solidFill>
-            <a:tailEnd type="arrow"/>
-          </a:ln>
-        </p:spPr>
-        <p:style>
-          <a:lnRef idx="1">
-            <a:schemeClr val="accent1"/>
-          </a:lnRef>
-          <a:fillRef idx="0">
-            <a:schemeClr val="accent1"/>
-          </a:fillRef>
-          <a:effectRef idx="0">
-            <a:schemeClr val="accent1"/>
-          </a:effectRef>
-          <a:fontRef idx="minor">
-            <a:schemeClr val="tx1"/>
-          </a:fontRef>
-        </p:style>
-      </p:cxnSp>
-      <p:sp>
-        <p:nvSpPr>
-          <p:cNvPr id="54" name="Textfeld 53"/>
-          <p:cNvSpPr txBox="1"/>
-          <p:nvPr/>
-        </p:nvSpPr>
-        <p:spPr>
-          <a:xfrm>
-            <a:off x="4237378" y="4434840"/>
-            <a:ext cx="694662" cy="307777"/>
-          </a:xfrm>
-          <a:prstGeom prst="rect">
-            <a:avLst/>
-          </a:prstGeom>
-          <a:noFill/>
-        </p:spPr>
-        <p:txBody>
-          <a:bodyPr wrap="square" rtlCol="0">
-            <a:spAutoFit/>
-          </a:bodyPr>
-          <a:lstStyle/>
-          <a:p>
-            <a:r>
-              <a:rPr lang="de-DE" sz="1400" dirty="0" err="1" smtClean="0">
-                <a:latin typeface="Constantia" pitchFamily="18" charset="0"/>
-              </a:rPr>
-              <a:t>left</a:t>
-            </a:r>
-            <a:endParaRPr lang="de-DE" sz="1400" dirty="0">
-              <a:latin typeface="Constantia" pitchFamily="18" charset="0"/>
-            </a:endParaRPr>
-          </a:p>
-        </p:txBody>
-      </p:sp>
-      <p:sp>
-        <p:nvSpPr>
-          <p:cNvPr id="55" name="Rechteck 54"/>
-          <p:cNvSpPr/>
-          <p:nvPr/>
-        </p:nvSpPr>
-        <p:spPr>
-          <a:xfrm>
-            <a:off x="5436096" y="4794880"/>
-            <a:ext cx="1296144" cy="432048"/>
-          </a:xfrm>
-          <a:prstGeom prst="rect">
-            <a:avLst/>
-          </a:prstGeom>
-          <a:solidFill>
-            <a:schemeClr val="bg1">
-              <a:lumMod val="85000"/>
-            </a:schemeClr>
-          </a:solidFill>
-          <a:ln>
-            <a:noFill/>
-          </a:ln>
-          <a:effectLst>
-            <a:outerShdw blurRad="50800" dist="38100" dir="2700000" algn="tl" rotWithShape="0">
-              <a:prstClr val="black">
-                <a:alpha val="40000"/>
-              </a:prstClr>
-            </a:outerShdw>
-          </a:effectLst>
-        </p:spPr>
-        <p:style>
-          <a:lnRef idx="2">
-            <a:schemeClr val="accent1">
-              <a:shade val="50000"/>
-            </a:schemeClr>
-          </a:lnRef>
-          <a:fillRef idx="1">
-            <a:schemeClr val="accent1"/>
-          </a:fillRef>
-          <a:effectRef idx="0">
-            <a:schemeClr val="accent1"/>
-          </a:effectRef>
-          <a:fontRef idx="minor">
-            <a:schemeClr val="lt1"/>
-          </a:fontRef>
-        </p:style>
-        <p:txBody>
-          <a:bodyPr rtlCol="0" anchor="ctr"/>
-          <a:lstStyle/>
-          <a:p>
-            <a:pPr algn="ctr"/>
-            <a:r>
-              <a:rPr lang="de-DE" b="1" dirty="0" err="1" smtClean="0">
-                <a:solidFill>
-                  <a:schemeClr val="tx1"/>
-                </a:solidFill>
-                <a:latin typeface="Constantia" pitchFamily="18" charset="0"/>
-              </a:rPr>
-              <a:t>Sqrt</a:t>
-            </a:r>
-            <a:endParaRPr lang="de-DE" b="1" dirty="0">
-              <a:solidFill>
-                <a:schemeClr val="tx1"/>
-              </a:solidFill>
-              <a:latin typeface="Constantia" pitchFamily="18" charset="0"/>
-            </a:endParaRPr>
-          </a:p>
-        </p:txBody>
-      </p:sp>
-      <p:cxnSp>
-        <p:nvCxnSpPr>
-          <p:cNvPr id="56" name="Gerade Verbindung mit Pfeil 55"/>
-          <p:cNvCxnSpPr>
-            <a:endCxn id="55" idx="0"/>
-          </p:cNvCxnSpPr>
-          <p:nvPr/>
-        </p:nvCxnSpPr>
-        <p:spPr>
-          <a:xfrm rot="16200000" flipH="1">
-            <a:off x="5400092" y="4110804"/>
-            <a:ext cx="648072" cy="720080"/>
-          </a:xfrm>
-          <a:prstGeom prst="straightConnector1">
-            <a:avLst/>
-          </a:prstGeom>
-          <a:ln w="15875">
-            <a:solidFill>
-              <a:schemeClr val="tx1"/>
-            </a:solidFill>
-            <a:tailEnd type="arrow"/>
-          </a:ln>
-        </p:spPr>
-        <p:style>
-          <a:lnRef idx="1">
-            <a:schemeClr val="accent1"/>
-          </a:lnRef>
-          <a:fillRef idx="0">
-            <a:schemeClr val="accent1"/>
-          </a:fillRef>
-          <a:effectRef idx="0">
-            <a:schemeClr val="accent1"/>
-          </a:effectRef>
-          <a:fontRef idx="minor">
-            <a:schemeClr val="tx1"/>
-          </a:fontRef>
-        </p:style>
-      </p:cxnSp>
-      <p:sp>
-        <p:nvSpPr>
-          <p:cNvPr id="57" name="Textfeld 56"/>
-          <p:cNvSpPr txBox="1"/>
-          <p:nvPr/>
-        </p:nvSpPr>
-        <p:spPr>
-          <a:xfrm>
-            <a:off x="6012160" y="4434840"/>
-            <a:ext cx="694662" cy="307777"/>
-          </a:xfrm>
-          <a:prstGeom prst="rect">
-            <a:avLst/>
-          </a:prstGeom>
-          <a:noFill/>
-        </p:spPr>
-        <p:txBody>
-          <a:bodyPr wrap="square" rtlCol="0">
-            <a:spAutoFit/>
-          </a:bodyPr>
-          <a:lstStyle/>
-          <a:p>
-            <a:r>
-              <a:rPr lang="de-DE" sz="1400" dirty="0" err="1" smtClean="0">
-                <a:latin typeface="Constantia" pitchFamily="18" charset="0"/>
-              </a:rPr>
-              <a:t>right</a:t>
-            </a:r>
-            <a:endParaRPr lang="de-DE" sz="1400" dirty="0">
-              <a:latin typeface="Constantia" pitchFamily="18" charset="0"/>
-            </a:endParaRPr>
-          </a:p>
-        </p:txBody>
-      </p:sp>
-      <p:sp>
-        <p:nvSpPr>
-          <p:cNvPr id="58" name="Rechteck 57"/>
-          <p:cNvSpPr/>
-          <p:nvPr/>
-        </p:nvSpPr>
-        <p:spPr>
-          <a:xfrm>
-            <a:off x="5436096" y="5805264"/>
-            <a:ext cx="1296144" cy="432048"/>
-          </a:xfrm>
-          <a:prstGeom prst="rect">
-            <a:avLst/>
-          </a:prstGeom>
-          <a:solidFill>
-            <a:schemeClr val="bg1">
-              <a:lumMod val="85000"/>
-            </a:schemeClr>
-          </a:solidFill>
-          <a:ln>
-            <a:noFill/>
-          </a:ln>
-          <a:effectLst>
-            <a:outerShdw blurRad="50800" dist="38100" dir="2700000" algn="tl" rotWithShape="0">
-              <a:prstClr val="black">
-                <a:alpha val="40000"/>
-              </a:prstClr>
-            </a:outerShdw>
-          </a:effectLst>
-        </p:spPr>
-        <p:style>
-          <a:lnRef idx="2">
-            <a:schemeClr val="accent1">
-              <a:shade val="50000"/>
-            </a:schemeClr>
-          </a:lnRef>
-          <a:fillRef idx="1">
-            <a:schemeClr val="accent1"/>
-          </a:fillRef>
-          <a:effectRef idx="0">
-            <a:schemeClr val="accent1"/>
-          </a:effectRef>
-          <a:fontRef idx="minor">
-            <a:schemeClr val="lt1"/>
-          </a:fontRef>
-        </p:style>
-        <p:txBody>
-          <a:bodyPr rtlCol="0" anchor="ctr"/>
-          <a:lstStyle/>
-          <a:p>
-            <a:pPr algn="ctr"/>
-            <a:r>
-              <a:rPr lang="de-DE" b="1" dirty="0" err="1" smtClean="0">
-                <a:solidFill>
-                  <a:schemeClr val="tx1"/>
-                </a:solidFill>
-                <a:latin typeface="Constantia" pitchFamily="18" charset="0"/>
-              </a:rPr>
-              <a:t>VarRef</a:t>
-            </a:r>
-            <a:endParaRPr lang="de-DE" b="1" dirty="0">
-              <a:solidFill>
-                <a:schemeClr val="tx1"/>
-              </a:solidFill>
-              <a:latin typeface="Constantia" pitchFamily="18" charset="0"/>
-            </a:endParaRPr>
-          </a:p>
-        </p:txBody>
-      </p:sp>
-      <p:cxnSp>
-        <p:nvCxnSpPr>
-          <p:cNvPr id="59" name="Gerade Verbindung mit Pfeil 58"/>
-          <p:cNvCxnSpPr>
-            <a:stCxn id="55" idx="2"/>
-            <a:endCxn id="58" idx="0"/>
-          </p:cNvCxnSpPr>
-          <p:nvPr/>
-        </p:nvCxnSpPr>
-        <p:spPr>
-          <a:xfrm rot="5400000">
-            <a:off x="5795000" y="5516096"/>
-            <a:ext cx="578336" cy="1588"/>
-          </a:xfrm>
-          <a:prstGeom prst="straightConnector1">
-            <a:avLst/>
-          </a:prstGeom>
-          <a:ln w="15875">
-            <a:solidFill>
-              <a:schemeClr val="tx1"/>
-            </a:solidFill>
-            <a:tailEnd type="arrow"/>
-          </a:ln>
-        </p:spPr>
-        <p:style>
-          <a:lnRef idx="1">
-            <a:schemeClr val="accent1"/>
-          </a:lnRef>
-          <a:fillRef idx="0">
-            <a:schemeClr val="accent1"/>
-          </a:fillRef>
-          <a:effectRef idx="0">
-            <a:schemeClr val="accent1"/>
-          </a:effectRef>
-          <a:fontRef idx="minor">
-            <a:schemeClr val="tx1"/>
-          </a:fontRef>
-        </p:style>
-      </p:cxnSp>
-      <p:sp>
-        <p:nvSpPr>
-          <p:cNvPr id="62" name="Textfeld 61"/>
-          <p:cNvSpPr txBox="1"/>
-          <p:nvPr/>
-        </p:nvSpPr>
-        <p:spPr>
-          <a:xfrm>
-            <a:off x="6084168" y="5517232"/>
-            <a:ext cx="694662" cy="307777"/>
-          </a:xfrm>
-          <a:prstGeom prst="rect">
-            <a:avLst/>
-          </a:prstGeom>
-          <a:noFill/>
-        </p:spPr>
-        <p:txBody>
-          <a:bodyPr wrap="square" rtlCol="0">
-            <a:spAutoFit/>
-          </a:bodyPr>
-          <a:lstStyle/>
-          <a:p>
-            <a:r>
-              <a:rPr lang="de-DE" sz="1400" dirty="0" err="1" smtClean="0">
-                <a:latin typeface="Constantia" pitchFamily="18" charset="0"/>
-              </a:rPr>
-              <a:t>expr</a:t>
-            </a:r>
-            <a:endParaRPr lang="de-DE" sz="1400" dirty="0">
-              <a:latin typeface="Constantia" pitchFamily="18" charset="0"/>
-            </a:endParaRPr>
-          </a:p>
-        </p:txBody>
-      </p:sp>
-      <p:cxnSp>
-        <p:nvCxnSpPr>
-          <p:cNvPr id="67" name="Gerade Verbindung mit Pfeil 66"/>
-          <p:cNvCxnSpPr>
-            <a:endCxn id="17" idx="1"/>
-          </p:cNvCxnSpPr>
-          <p:nvPr/>
-        </p:nvCxnSpPr>
-        <p:spPr>
-          <a:xfrm>
-            <a:off x="323528" y="1844824"/>
-            <a:ext cx="266696" cy="1588"/>
-          </a:xfrm>
-          <a:prstGeom prst="straightConnector1">
-            <a:avLst/>
-          </a:prstGeom>
-          <a:ln w="15875">
-            <a:solidFill>
-              <a:schemeClr val="tx1"/>
-            </a:solidFill>
-            <a:tailEnd type="arrow"/>
-          </a:ln>
-        </p:spPr>
-        <p:style>
-          <a:lnRef idx="1">
-            <a:schemeClr val="accent1"/>
-          </a:lnRef>
-          <a:fillRef idx="0">
-            <a:schemeClr val="accent1"/>
-          </a:fillRef>
-          <a:effectRef idx="0">
-            <a:schemeClr val="accent1"/>
-          </a:effectRef>
-          <a:fontRef idx="minor">
-            <a:schemeClr val="tx1"/>
-          </a:fontRef>
-        </p:style>
-      </p:cxnSp>
-      <p:cxnSp>
-        <p:nvCxnSpPr>
-          <p:cNvPr id="75" name="Gerade Verbindung 74"/>
-          <p:cNvCxnSpPr>
-            <a:stCxn id="58" idx="1"/>
-          </p:cNvCxnSpPr>
-          <p:nvPr/>
-        </p:nvCxnSpPr>
-        <p:spPr>
-          <a:xfrm rot="10800000">
-            <a:off x="323528" y="6021288"/>
-            <a:ext cx="5112568" cy="0"/>
-          </a:xfrm>
-          <a:prstGeom prst="line">
-            <a:avLst/>
-          </a:prstGeom>
-          <a:ln w="15875">
-            <a:solidFill>
-              <a:schemeClr val="tx1"/>
-            </a:solidFill>
-          </a:ln>
-        </p:spPr>
-        <p:style>
-          <a:lnRef idx="1">
-            <a:schemeClr val="accent1"/>
-          </a:lnRef>
-          <a:fillRef idx="0">
-            <a:schemeClr val="accent1"/>
-          </a:fillRef>
-          <a:effectRef idx="0">
-            <a:schemeClr val="accent1"/>
-          </a:effectRef>
-          <a:fontRef idx="minor">
-            <a:schemeClr val="tx1"/>
-          </a:fontRef>
-        </p:style>
-      </p:cxnSp>
-      <p:cxnSp>
-        <p:nvCxnSpPr>
-          <p:cNvPr id="76" name="Gerade Verbindung 75"/>
-          <p:cNvCxnSpPr/>
-          <p:nvPr/>
-        </p:nvCxnSpPr>
-        <p:spPr>
-          <a:xfrm rot="5400000">
-            <a:off x="-1764704" y="3933056"/>
-            <a:ext cx="4176464" cy="0"/>
-          </a:xfrm>
-          <a:prstGeom prst="line">
-            <a:avLst/>
-          </a:prstGeom>
-          <a:ln w="15875">
-            <a:solidFill>
-              <a:schemeClr val="tx1"/>
-            </a:solidFill>
-          </a:ln>
-        </p:spPr>
-        <p:style>
-          <a:lnRef idx="1">
-            <a:schemeClr val="accent1"/>
-          </a:lnRef>
-          <a:fillRef idx="0">
-            <a:schemeClr val="accent1"/>
-          </a:fillRef>
-          <a:effectRef idx="0">
-            <a:schemeClr val="accent1"/>
-          </a:effectRef>
-          <a:fontRef idx="minor">
-            <a:schemeClr val="tx1"/>
-          </a:fontRef>
-        </p:style>
-      </p:cxnSp>
-      <p:sp>
-        <p:nvSpPr>
-          <p:cNvPr id="129" name="Ellipse 128"/>
-          <p:cNvSpPr/>
-          <p:nvPr/>
-        </p:nvSpPr>
-        <p:spPr>
-          <a:xfrm>
-            <a:off x="1547664" y="2924944"/>
-            <a:ext cx="576064" cy="288032"/>
-          </a:xfrm>
-          <a:prstGeom prst="ellipse">
-            <a:avLst/>
-          </a:prstGeom>
-          <a:solidFill>
-            <a:schemeClr val="tx2">
-              <a:lumMod val="40000"/>
-              <a:lumOff val="60000"/>
-            </a:schemeClr>
-          </a:solidFill>
-          <a:ln>
-            <a:noFill/>
-          </a:ln>
-        </p:spPr>
-        <p:style>
-          <a:lnRef idx="2">
-            <a:schemeClr val="accent1">
-              <a:shade val="50000"/>
-            </a:schemeClr>
-          </a:lnRef>
-          <a:fillRef idx="1">
-            <a:schemeClr val="accent1"/>
-          </a:fillRef>
-          <a:effectRef idx="0">
-            <a:schemeClr val="accent1"/>
-          </a:effectRef>
-          <a:fontRef idx="minor">
-            <a:schemeClr val="lt1"/>
-          </a:fontRef>
-        </p:style>
-        <p:txBody>
-          <a:bodyPr rtlCol="0" anchor="ctr"/>
-          <a:lstStyle/>
-          <a:p>
-            <a:pPr algn="ctr"/>
-            <a:r>
-              <a:rPr lang="de-DE" sz="1400" b="1" dirty="0" err="1" smtClean="0">
-                <a:solidFill>
-                  <a:schemeClr val="tx1"/>
-                </a:solidFill>
-              </a:rPr>
-              <a:t>int</a:t>
-            </a:r>
-            <a:endParaRPr lang="de-DE" sz="1400" b="1" dirty="0">
-              <a:solidFill>
-                <a:schemeClr val="tx1"/>
-              </a:solidFill>
-            </a:endParaRPr>
-          </a:p>
-        </p:txBody>
-      </p:sp>
-      <p:sp>
-        <p:nvSpPr>
-          <p:cNvPr id="130" name="Ellipse 129"/>
-          <p:cNvSpPr/>
-          <p:nvPr/>
-        </p:nvSpPr>
-        <p:spPr>
-          <a:xfrm>
-            <a:off x="2771800" y="3933056"/>
-            <a:ext cx="576064" cy="288032"/>
-          </a:xfrm>
-          <a:prstGeom prst="ellipse">
-            <a:avLst/>
-          </a:prstGeom>
-          <a:solidFill>
-            <a:schemeClr val="tx2">
-              <a:lumMod val="40000"/>
-              <a:lumOff val="60000"/>
-            </a:schemeClr>
-          </a:solidFill>
-          <a:ln>
-            <a:noFill/>
-          </a:ln>
-        </p:spPr>
-        <p:style>
-          <a:lnRef idx="2">
-            <a:schemeClr val="accent1">
-              <a:shade val="50000"/>
-            </a:schemeClr>
-          </a:lnRef>
-          <a:fillRef idx="1">
-            <a:schemeClr val="accent1"/>
-          </a:fillRef>
-          <a:effectRef idx="0">
-            <a:schemeClr val="accent1"/>
-          </a:effectRef>
-          <a:fontRef idx="minor">
-            <a:schemeClr val="lt1"/>
-          </a:fontRef>
-        </p:style>
-        <p:txBody>
-          <a:bodyPr rtlCol="0" anchor="ctr"/>
-          <a:lstStyle/>
-          <a:p>
-            <a:pPr algn="ctr"/>
-            <a:r>
-              <a:rPr lang="de-DE" sz="1400" b="1" dirty="0" err="1" smtClean="0">
-                <a:solidFill>
-                  <a:schemeClr val="tx1"/>
-                </a:solidFill>
-              </a:rPr>
-              <a:t>int</a:t>
-            </a:r>
-            <a:endParaRPr lang="de-DE" sz="1400" b="1" dirty="0">
-              <a:solidFill>
-                <a:schemeClr val="tx1"/>
-              </a:solidFill>
-            </a:endParaRPr>
-          </a:p>
-        </p:txBody>
-      </p:sp>
-      <p:sp>
-        <p:nvSpPr>
-          <p:cNvPr id="131" name="Ellipse 130"/>
-          <p:cNvSpPr/>
-          <p:nvPr/>
-        </p:nvSpPr>
-        <p:spPr>
-          <a:xfrm>
-            <a:off x="3491880" y="5013176"/>
-            <a:ext cx="576064" cy="288032"/>
-          </a:xfrm>
-          <a:prstGeom prst="ellipse">
-            <a:avLst/>
-          </a:prstGeom>
-          <a:solidFill>
-            <a:schemeClr val="tx2">
-              <a:lumMod val="40000"/>
-              <a:lumOff val="60000"/>
-            </a:schemeClr>
-          </a:solidFill>
-          <a:ln>
-            <a:noFill/>
-          </a:ln>
-        </p:spPr>
-        <p:style>
-          <a:lnRef idx="2">
-            <a:schemeClr val="accent1">
-              <a:shade val="50000"/>
-            </a:schemeClr>
-          </a:lnRef>
-          <a:fillRef idx="1">
-            <a:schemeClr val="accent1"/>
-          </a:fillRef>
-          <a:effectRef idx="0">
-            <a:schemeClr val="accent1"/>
-          </a:effectRef>
-          <a:fontRef idx="minor">
-            <a:schemeClr val="lt1"/>
-          </a:fontRef>
-        </p:style>
-        <p:txBody>
-          <a:bodyPr rtlCol="0" anchor="ctr"/>
-          <a:lstStyle/>
-          <a:p>
-            <a:pPr algn="ctr"/>
-            <a:r>
-              <a:rPr lang="de-DE" sz="1400" b="1" dirty="0" err="1" smtClean="0">
-                <a:solidFill>
-                  <a:schemeClr val="tx1"/>
-                </a:solidFill>
-              </a:rPr>
-              <a:t>int</a:t>
-            </a:r>
-            <a:endParaRPr lang="de-DE" sz="1400" b="1" dirty="0">
-              <a:solidFill>
-                <a:schemeClr val="tx1"/>
-              </a:solidFill>
-            </a:endParaRPr>
-          </a:p>
-        </p:txBody>
-      </p:sp>
-      <p:sp>
-        <p:nvSpPr>
-          <p:cNvPr id="132" name="Ellipse 131"/>
-          <p:cNvSpPr/>
-          <p:nvPr/>
-        </p:nvSpPr>
-        <p:spPr>
-          <a:xfrm>
-            <a:off x="6516216" y="4653136"/>
-            <a:ext cx="1008112" cy="288032"/>
-          </a:xfrm>
-          <a:prstGeom prst="ellipse">
-            <a:avLst/>
-          </a:prstGeom>
-          <a:solidFill>
-            <a:schemeClr val="tx2">
-              <a:lumMod val="40000"/>
-              <a:lumOff val="60000"/>
-            </a:schemeClr>
-          </a:solidFill>
-          <a:ln>
-            <a:noFill/>
-          </a:ln>
-        </p:spPr>
-        <p:style>
-          <a:lnRef idx="2">
-            <a:schemeClr val="accent1">
-              <a:shade val="50000"/>
-            </a:schemeClr>
-          </a:lnRef>
-          <a:fillRef idx="1">
-            <a:schemeClr val="accent1"/>
-          </a:fillRef>
-          <a:effectRef idx="0">
-            <a:schemeClr val="accent1"/>
-          </a:effectRef>
-          <a:fontRef idx="minor">
-            <a:schemeClr val="lt1"/>
-          </a:fontRef>
-        </p:style>
-        <p:txBody>
-          <a:bodyPr rtlCol="0" anchor="ctr"/>
-          <a:lstStyle/>
-          <a:p>
-            <a:pPr algn="ctr"/>
-            <a:r>
-              <a:rPr lang="de-DE" sz="1400" b="1" dirty="0" smtClean="0">
-                <a:solidFill>
-                  <a:schemeClr val="tx1"/>
-                </a:solidFill>
-              </a:rPr>
-              <a:t>double</a:t>
-            </a:r>
-            <a:endParaRPr lang="de-DE" sz="1400" b="1" dirty="0">
-              <a:solidFill>
-                <a:schemeClr val="tx1"/>
-              </a:solidFill>
-            </a:endParaRPr>
-          </a:p>
-        </p:txBody>
-      </p:sp>
-      <p:sp>
-        <p:nvSpPr>
-          <p:cNvPr id="133" name="Ellipse 132"/>
-          <p:cNvSpPr/>
-          <p:nvPr/>
-        </p:nvSpPr>
-        <p:spPr>
-          <a:xfrm>
-            <a:off x="3347864" y="2924944"/>
-            <a:ext cx="576064" cy="288032"/>
-          </a:xfrm>
-          <a:prstGeom prst="ellipse">
-            <a:avLst/>
-          </a:prstGeom>
-          <a:solidFill>
-            <a:schemeClr val="tx2">
-              <a:lumMod val="40000"/>
-              <a:lumOff val="60000"/>
-            </a:schemeClr>
-          </a:solidFill>
-          <a:ln>
-            <a:noFill/>
-          </a:ln>
-        </p:spPr>
-        <p:style>
-          <a:lnRef idx="2">
-            <a:schemeClr val="accent1">
-              <a:shade val="50000"/>
-            </a:schemeClr>
-          </a:lnRef>
-          <a:fillRef idx="1">
-            <a:schemeClr val="accent1"/>
-          </a:fillRef>
-          <a:effectRef idx="0">
-            <a:schemeClr val="accent1"/>
-          </a:effectRef>
-          <a:fontRef idx="minor">
-            <a:schemeClr val="lt1"/>
-          </a:fontRef>
-        </p:style>
-        <p:txBody>
-          <a:bodyPr rtlCol="0" anchor="ctr"/>
-          <a:lstStyle/>
-          <a:p>
-            <a:pPr algn="ctr"/>
-            <a:r>
-              <a:rPr lang="de-DE" sz="1400" b="1" dirty="0" err="1" smtClean="0">
-                <a:solidFill>
-                  <a:schemeClr val="tx1"/>
-                </a:solidFill>
-              </a:rPr>
-              <a:t>int</a:t>
-            </a:r>
-            <a:endParaRPr lang="de-DE" sz="1400" b="1" dirty="0">
-              <a:solidFill>
-                <a:schemeClr val="tx1"/>
-              </a:solidFill>
-            </a:endParaRPr>
-          </a:p>
-        </p:txBody>
-      </p:sp>
-      <p:sp>
-        <p:nvSpPr>
-          <p:cNvPr id="134" name="Ellipse 133"/>
-          <p:cNvSpPr/>
-          <p:nvPr/>
-        </p:nvSpPr>
-        <p:spPr>
-          <a:xfrm>
-            <a:off x="1403648" y="1916832"/>
-            <a:ext cx="576064" cy="288032"/>
-          </a:xfrm>
-          <a:prstGeom prst="ellipse">
-            <a:avLst/>
-          </a:prstGeom>
-          <a:solidFill>
-            <a:schemeClr val="accent3">
-              <a:lumMod val="60000"/>
-              <a:lumOff val="40000"/>
-            </a:schemeClr>
-          </a:solidFill>
-          <a:ln>
-            <a:noFill/>
-          </a:ln>
-        </p:spPr>
-        <p:style>
-          <a:lnRef idx="2">
-            <a:schemeClr val="accent1">
-              <a:shade val="50000"/>
-            </a:schemeClr>
-          </a:lnRef>
-          <a:fillRef idx="1">
-            <a:schemeClr val="accent1"/>
-          </a:fillRef>
-          <a:effectRef idx="0">
-            <a:schemeClr val="accent1"/>
-          </a:effectRef>
-          <a:fontRef idx="minor">
-            <a:schemeClr val="lt1"/>
-          </a:fontRef>
-        </p:style>
-        <p:txBody>
-          <a:bodyPr rtlCol="0" anchor="ctr"/>
-          <a:lstStyle/>
-          <a:p>
-            <a:pPr algn="ctr"/>
-            <a:r>
-              <a:rPr lang="de-DE" sz="1400" b="1" dirty="0" err="1" smtClean="0">
-                <a:solidFill>
-                  <a:schemeClr val="tx1"/>
-                </a:solidFill>
-              </a:rPr>
-              <a:t>int</a:t>
-            </a:r>
-            <a:endParaRPr lang="de-DE" sz="1400" b="1" dirty="0">
-              <a:solidFill>
-                <a:schemeClr val="tx1"/>
-              </a:solidFill>
-            </a:endParaRPr>
-          </a:p>
-        </p:txBody>
-      </p:sp>
-      <p:sp>
-        <p:nvSpPr>
-          <p:cNvPr id="135" name="Ellipse 134"/>
-          <p:cNvSpPr/>
-          <p:nvPr/>
-        </p:nvSpPr>
-        <p:spPr>
-          <a:xfrm>
-            <a:off x="6516216" y="6093296"/>
-            <a:ext cx="576064" cy="288032"/>
-          </a:xfrm>
-          <a:prstGeom prst="ellipse">
-            <a:avLst/>
-          </a:prstGeom>
-          <a:solidFill>
-            <a:schemeClr val="accent3">
-              <a:lumMod val="60000"/>
-              <a:lumOff val="40000"/>
-            </a:schemeClr>
-          </a:solidFill>
-          <a:ln>
-            <a:noFill/>
-          </a:ln>
-        </p:spPr>
-        <p:style>
-          <a:lnRef idx="2">
-            <a:schemeClr val="accent1">
-              <a:shade val="50000"/>
-            </a:schemeClr>
-          </a:lnRef>
-          <a:fillRef idx="1">
-            <a:schemeClr val="accent1"/>
-          </a:fillRef>
-          <a:effectRef idx="0">
-            <a:schemeClr val="accent1"/>
-          </a:effectRef>
-          <a:fontRef idx="minor">
-            <a:schemeClr val="lt1"/>
-          </a:fontRef>
-        </p:style>
-        <p:txBody>
-          <a:bodyPr rtlCol="0" anchor="ctr"/>
-          <a:lstStyle/>
-          <a:p>
-            <a:pPr algn="ctr"/>
-            <a:r>
-              <a:rPr lang="de-DE" sz="1400" b="1" dirty="0" err="1" smtClean="0">
-                <a:solidFill>
-                  <a:schemeClr val="tx1"/>
-                </a:solidFill>
-              </a:rPr>
-              <a:t>int</a:t>
-            </a:r>
-            <a:endParaRPr lang="de-DE" sz="1400" b="1" dirty="0">
-              <a:solidFill>
-                <a:schemeClr val="tx1"/>
-              </a:solidFill>
-            </a:endParaRPr>
-          </a:p>
-        </p:txBody>
-      </p:sp>
-      <p:sp>
-        <p:nvSpPr>
-          <p:cNvPr id="43" name="Ellipse 42"/>
-          <p:cNvSpPr/>
-          <p:nvPr/>
-        </p:nvSpPr>
-        <p:spPr>
-          <a:xfrm>
-            <a:off x="5796136" y="4005064"/>
-            <a:ext cx="1008112" cy="288032"/>
-          </a:xfrm>
-          <a:prstGeom prst="ellipse">
-            <a:avLst/>
-          </a:prstGeom>
-          <a:solidFill>
-            <a:schemeClr val="accent2">
-              <a:lumMod val="40000"/>
-              <a:lumOff val="60000"/>
-            </a:schemeClr>
-          </a:solidFill>
-          <a:ln>
-            <a:noFill/>
-          </a:ln>
-        </p:spPr>
-        <p:style>
-          <a:lnRef idx="2">
-            <a:schemeClr val="accent1">
-              <a:shade val="50000"/>
-            </a:schemeClr>
-          </a:lnRef>
-          <a:fillRef idx="1">
-            <a:schemeClr val="accent1"/>
-          </a:fillRef>
-          <a:effectRef idx="0">
-            <a:schemeClr val="accent1"/>
-          </a:effectRef>
-          <a:fontRef idx="minor">
-            <a:schemeClr val="lt1"/>
-          </a:fontRef>
-        </p:style>
-        <p:txBody>
-          <a:bodyPr rtlCol="0" anchor="ctr"/>
-          <a:lstStyle/>
-          <a:p>
-            <a:pPr algn="ctr"/>
-            <a:r>
-              <a:rPr lang="de-DE" sz="1400" b="1" dirty="0" smtClean="0">
-                <a:solidFill>
-                  <a:schemeClr val="tx1"/>
-                </a:solidFill>
-              </a:rPr>
-              <a:t>double</a:t>
-            </a:r>
-            <a:endParaRPr lang="de-DE" sz="1400" b="1" dirty="0">
-              <a:solidFill>
-                <a:schemeClr val="tx1"/>
-              </a:solidFill>
-            </a:endParaRPr>
-          </a:p>
-        </p:txBody>
-      </p:sp>
-      <p:sp>
-        <p:nvSpPr>
-          <p:cNvPr id="48" name="Ellipse 47"/>
-          <p:cNvSpPr/>
-          <p:nvPr/>
-        </p:nvSpPr>
-        <p:spPr>
-          <a:xfrm>
-            <a:off x="5076056" y="2492896"/>
-            <a:ext cx="1008112" cy="288032"/>
-          </a:xfrm>
-          <a:prstGeom prst="ellipse">
-            <a:avLst/>
-          </a:prstGeom>
-          <a:solidFill>
-            <a:schemeClr val="accent2">
-              <a:lumMod val="40000"/>
-              <a:lumOff val="60000"/>
-            </a:schemeClr>
-          </a:solidFill>
-          <a:ln>
-            <a:noFill/>
-          </a:ln>
-        </p:spPr>
-        <p:style>
-          <a:lnRef idx="2">
-            <a:schemeClr val="accent1">
-              <a:shade val="50000"/>
-            </a:schemeClr>
-          </a:lnRef>
-          <a:fillRef idx="1">
-            <a:schemeClr val="accent1"/>
-          </a:fillRef>
-          <a:effectRef idx="0">
-            <a:schemeClr val="accent1"/>
-          </a:effectRef>
-          <a:fontRef idx="minor">
-            <a:schemeClr val="lt1"/>
-          </a:fontRef>
-        </p:style>
-        <p:txBody>
-          <a:bodyPr rtlCol="0" anchor="ctr"/>
-          <a:lstStyle/>
-          <a:p>
-            <a:pPr algn="ctr"/>
-            <a:r>
-              <a:rPr lang="de-DE" sz="1400" b="1" dirty="0" smtClean="0">
-                <a:solidFill>
-                  <a:schemeClr val="tx1"/>
-                </a:solidFill>
-              </a:rPr>
-              <a:t>double</a:t>
-            </a:r>
-            <a:endParaRPr lang="de-DE" sz="1400" b="1" dirty="0">
-              <a:solidFill>
-                <a:schemeClr val="tx1"/>
-              </a:solidFill>
-            </a:endParaRPr>
-          </a:p>
-        </p:txBody>
-      </p:sp>
-      <p:sp>
-        <p:nvSpPr>
-          <p:cNvPr id="109" name="Textfeld 108"/>
-          <p:cNvSpPr txBox="1"/>
-          <p:nvPr/>
-        </p:nvSpPr>
-        <p:spPr>
-          <a:xfrm>
-            <a:off x="6372200" y="375047"/>
-            <a:ext cx="2584747" cy="461665"/>
-          </a:xfrm>
-          <a:prstGeom prst="rect">
-            <a:avLst/>
-          </a:prstGeom>
-          <a:noFill/>
-        </p:spPr>
-        <p:txBody>
-          <a:bodyPr wrap="none" rtlCol="0">
-            <a:spAutoFit/>
-          </a:bodyPr>
-          <a:lstStyle/>
-          <a:p>
-            <a:r>
-              <a:rPr lang="de-DE" sz="2400" b="1" dirty="0" err="1" smtClean="0">
-                <a:solidFill>
-                  <a:schemeClr val="tx2">
-                    <a:lumMod val="60000"/>
-                    <a:lumOff val="40000"/>
-                  </a:schemeClr>
-                </a:solidFill>
-              </a:rPr>
-              <a:t>declare</a:t>
-            </a:r>
-            <a:r>
-              <a:rPr lang="de-DE" sz="2400" b="1" dirty="0" smtClean="0">
-                <a:solidFill>
-                  <a:schemeClr val="tx2">
-                    <a:lumMod val="60000"/>
-                    <a:lumOff val="40000"/>
-                  </a:schemeClr>
-                </a:solidFill>
-              </a:rPr>
-              <a:t> </a:t>
-            </a:r>
-            <a:r>
-              <a:rPr lang="de-DE" sz="2400" b="1" dirty="0" err="1" smtClean="0">
-                <a:solidFill>
-                  <a:schemeClr val="tx2">
-                    <a:lumMod val="60000"/>
-                    <a:lumOff val="40000"/>
-                  </a:schemeClr>
-                </a:solidFill>
-              </a:rPr>
-              <a:t>fixed</a:t>
-            </a:r>
-            <a:r>
-              <a:rPr lang="de-DE" sz="2400" b="1" dirty="0" smtClean="0">
-                <a:solidFill>
-                  <a:schemeClr val="tx2">
-                    <a:lumMod val="60000"/>
-                    <a:lumOff val="40000"/>
-                  </a:schemeClr>
-                </a:solidFill>
-              </a:rPr>
-              <a:t> </a:t>
-            </a:r>
-            <a:r>
-              <a:rPr lang="de-DE" sz="2400" b="1" dirty="0" err="1" smtClean="0">
-                <a:solidFill>
-                  <a:schemeClr val="tx2">
-                    <a:lumMod val="60000"/>
-                    <a:lumOff val="40000"/>
-                  </a:schemeClr>
-                </a:solidFill>
-              </a:rPr>
-              <a:t>types</a:t>
-            </a:r>
-            <a:endParaRPr lang="de-DE" sz="2400" b="1" dirty="0">
-              <a:solidFill>
-                <a:schemeClr val="tx2">
-                  <a:lumMod val="60000"/>
-                  <a:lumOff val="40000"/>
-                </a:schemeClr>
-              </a:solidFill>
-            </a:endParaRPr>
-          </a:p>
-        </p:txBody>
-      </p:sp>
-      <p:sp>
-        <p:nvSpPr>
-          <p:cNvPr id="110" name="Textfeld 109"/>
-          <p:cNvSpPr txBox="1"/>
-          <p:nvPr/>
-        </p:nvSpPr>
-        <p:spPr>
-          <a:xfrm>
-            <a:off x="6372200" y="864973"/>
-            <a:ext cx="1754326" cy="461665"/>
-          </a:xfrm>
-          <a:prstGeom prst="rect">
-            <a:avLst/>
-          </a:prstGeom>
-          <a:noFill/>
-        </p:spPr>
-        <p:txBody>
-          <a:bodyPr wrap="none" rtlCol="0">
-            <a:spAutoFit/>
-          </a:bodyPr>
-          <a:lstStyle/>
-          <a:p>
-            <a:r>
-              <a:rPr lang="de-DE" sz="2400" b="1" dirty="0" err="1" smtClean="0">
-                <a:solidFill>
-                  <a:schemeClr val="accent3">
-                    <a:lumMod val="60000"/>
-                    <a:lumOff val="40000"/>
-                  </a:schemeClr>
-                </a:solidFill>
-              </a:rPr>
-              <a:t>derive</a:t>
-            </a:r>
-            <a:r>
-              <a:rPr lang="de-DE" sz="2400" b="1" dirty="0" smtClean="0">
-                <a:solidFill>
-                  <a:schemeClr val="accent3">
-                    <a:lumMod val="60000"/>
-                    <a:lumOff val="40000"/>
-                  </a:schemeClr>
-                </a:solidFill>
-              </a:rPr>
-              <a:t> </a:t>
-            </a:r>
-            <a:r>
-              <a:rPr lang="de-DE" sz="2400" b="1" dirty="0" err="1" smtClean="0">
-                <a:solidFill>
-                  <a:schemeClr val="accent3">
-                    <a:lumMod val="60000"/>
-                    <a:lumOff val="40000"/>
-                  </a:schemeClr>
-                </a:solidFill>
-              </a:rPr>
-              <a:t>types</a:t>
-            </a:r>
-            <a:endParaRPr lang="de-DE" sz="2400" b="1" dirty="0">
-              <a:solidFill>
-                <a:schemeClr val="accent3">
-                  <a:lumMod val="60000"/>
-                  <a:lumOff val="40000"/>
-                </a:schemeClr>
-              </a:solidFill>
-            </a:endParaRPr>
-          </a:p>
-        </p:txBody>
-      </p:sp>
-      <p:sp>
-        <p:nvSpPr>
-          <p:cNvPr id="111" name="Textfeld 110"/>
-          <p:cNvSpPr txBox="1"/>
-          <p:nvPr/>
-        </p:nvSpPr>
-        <p:spPr>
-          <a:xfrm>
-            <a:off x="6372200" y="1354899"/>
-            <a:ext cx="2507097" cy="461665"/>
-          </a:xfrm>
-          <a:prstGeom prst="rect">
-            <a:avLst/>
-          </a:prstGeom>
-          <a:noFill/>
-        </p:spPr>
-        <p:txBody>
-          <a:bodyPr wrap="none" rtlCol="0">
-            <a:spAutoFit/>
-          </a:bodyPr>
-          <a:lstStyle/>
-          <a:p>
-            <a:r>
-              <a:rPr lang="de-DE" sz="2400" b="1" dirty="0" err="1" smtClean="0">
-                <a:solidFill>
-                  <a:schemeClr val="accent2">
-                    <a:lumMod val="60000"/>
-                    <a:lumOff val="40000"/>
-                  </a:schemeClr>
-                </a:solidFill>
-              </a:rPr>
-              <a:t>calculate</a:t>
-            </a:r>
-            <a:r>
-              <a:rPr lang="de-DE" sz="2400" b="1" dirty="0" smtClean="0">
-                <a:solidFill>
-                  <a:schemeClr val="accent2">
-                    <a:lumMod val="60000"/>
-                    <a:lumOff val="40000"/>
-                  </a:schemeClr>
-                </a:solidFill>
-              </a:rPr>
-              <a:t> </a:t>
-            </a:r>
-            <a:r>
-              <a:rPr lang="de-DE" sz="2400" b="1" dirty="0" err="1" smtClean="0">
-                <a:solidFill>
-                  <a:schemeClr val="accent2">
-                    <a:lumMod val="60000"/>
-                    <a:lumOff val="40000"/>
-                  </a:schemeClr>
-                </a:solidFill>
-              </a:rPr>
-              <a:t>common</a:t>
-            </a:r>
-            <a:endParaRPr lang="de-DE" sz="2400" b="1" dirty="0">
-              <a:solidFill>
-                <a:schemeClr val="accent2">
-                  <a:lumMod val="60000"/>
-                  <a:lumOff val="40000"/>
-                </a:schemeClr>
-              </a:solidFill>
-            </a:endParaRPr>
-          </a:p>
-        </p:txBody>
-      </p:sp>
-      <p:sp>
-        <p:nvSpPr>
-          <p:cNvPr id="113" name="Textfeld 112"/>
-          <p:cNvSpPr txBox="1"/>
-          <p:nvPr/>
-        </p:nvSpPr>
-        <p:spPr>
-          <a:xfrm>
-            <a:off x="7000356" y="1722294"/>
-            <a:ext cx="1676100" cy="338554"/>
-          </a:xfrm>
-          <a:prstGeom prst="rect">
-            <a:avLst/>
-          </a:prstGeom>
-          <a:noFill/>
-        </p:spPr>
-        <p:txBody>
-          <a:bodyPr wrap="none" rtlCol="0">
-            <a:spAutoFit/>
-          </a:bodyPr>
-          <a:lstStyle/>
-          <a:p>
-            <a:r>
-              <a:rPr lang="de-DE" sz="1600" b="1" dirty="0" smtClean="0">
-                <a:solidFill>
-                  <a:schemeClr val="accent2">
-                    <a:lumMod val="60000"/>
-                    <a:lumOff val="40000"/>
-                  </a:schemeClr>
-                </a:solidFill>
-              </a:rPr>
-              <a:t>(type </a:t>
-            </a:r>
-            <a:r>
-              <a:rPr lang="de-DE" sz="1600" b="1" dirty="0" err="1" smtClean="0">
-                <a:solidFill>
-                  <a:schemeClr val="accent2">
-                    <a:lumMod val="60000"/>
-                    <a:lumOff val="40000"/>
-                  </a:schemeClr>
-                </a:solidFill>
-              </a:rPr>
-              <a:t>hierarchies</a:t>
-            </a:r>
-            <a:r>
-              <a:rPr lang="de-DE" sz="1600" b="1" dirty="0" smtClean="0">
-                <a:solidFill>
-                  <a:schemeClr val="accent2">
-                    <a:lumMod val="60000"/>
-                    <a:lumOff val="40000"/>
-                  </a:schemeClr>
-                </a:solidFill>
-              </a:rPr>
-              <a:t>)</a:t>
-            </a:r>
-            <a:endParaRPr lang="de-DE" sz="1600" b="1" dirty="0">
-              <a:solidFill>
-                <a:schemeClr val="accent2">
-                  <a:lumMod val="60000"/>
-                  <a:lumOff val="40000"/>
-                </a:schemeClr>
-              </a:solidFill>
-            </a:endParaRPr>
-          </a:p>
-        </p:txBody>
-      </p:sp>
-    </p:spTree>
-  </p:cSld>
-  <p:clrMapOvr>
-    <a:masterClrMapping/>
-  </p:clrMapOvr>
-  <p:timing>
-    <p:tnLst>
-      <p:par>
-        <p:cTn id="1" dur="indefinite" restart="never" nodeType="tmRoot"/>
-      </p:par>
-    </p:tnLst>
-  </p:timing>
-</p:sld>
-</file>
-
-<file path=ppt/slides/slide11.xml><?xml version="1.0" encoding="utf-8"?>
-<p:sld xmlns:a="http://schemas.openxmlformats.org/drawingml/2006/main" xmlns:r="http://schemas.openxmlformats.org/officeDocument/2006/relationships" xmlns:p="http://schemas.openxmlformats.org/presentationml/2006/main">
-  <p:cSld>
-    <p:spTree>
-      <p:nvGrpSpPr>
-        <p:cNvPr id="1" name=""/>
-        <p:cNvGrpSpPr/>
-        <p:nvPr/>
-      </p:nvGrpSpPr>
-      <p:grpSpPr>
-        <a:xfrm>
-          <a:off x="0" y="0"/>
-          <a:ext cx="0" cy="0"/>
-          <a:chOff x="0" y="0"/>
-          <a:chExt cx="0" cy="0"/>
-        </a:xfrm>
-      </p:grpSpPr>
-      <p:graphicFrame>
-        <p:nvGraphicFramePr>
-          <p:cNvPr id="16" name="Objekt 15"/>
-          <p:cNvGraphicFramePr>
-            <a:graphicFrameLocks noChangeAspect="1"/>
-          </p:cNvGraphicFramePr>
-          <p:nvPr/>
-        </p:nvGraphicFramePr>
-        <p:xfrm>
-          <a:off x="539552" y="331564"/>
-          <a:ext cx="2592387" cy="865188"/>
-        </p:xfrm>
-        <a:graphic>
-          <a:graphicData uri="http://schemas.openxmlformats.org/presentationml/2006/ole">
             <p:oleObj spid="_x0000_s8194" name="Formel" r:id="rId3" imgW="1371600" imgH="457200" progId="Equation.3">
               <p:embed/>
             </p:oleObj>
@@ -8795,6 +6509,601 @@
 </p:sld>
 </file>
 
+<file path=ppt/slides/slide11.xml><?xml version="1.0" encoding="utf-8"?>
+<p:sld xmlns:a="http://schemas.openxmlformats.org/drawingml/2006/main" xmlns:r="http://schemas.openxmlformats.org/officeDocument/2006/relationships" xmlns:p="http://schemas.openxmlformats.org/presentationml/2006/main">
+  <p:cSld>
+    <p:spTree>
+      <p:nvGrpSpPr>
+        <p:cNvPr id="1" name=""/>
+        <p:cNvGrpSpPr/>
+        <p:nvPr/>
+      </p:nvGrpSpPr>
+      <p:grpSpPr>
+        <a:xfrm>
+          <a:off x="0" y="0"/>
+          <a:ext cx="0" cy="0"/>
+          <a:chOff x="0" y="0"/>
+          <a:chExt cx="0" cy="0"/>
+        </a:xfrm>
+      </p:grpSpPr>
+      <p:pic>
+        <p:nvPicPr>
+          <p:cNvPr id="70" name="Picture 2"/>
+          <p:cNvPicPr>
+            <a:picLocks noChangeAspect="1" noChangeArrowheads="1"/>
+          </p:cNvPicPr>
+          <p:nvPr/>
+        </p:nvPicPr>
+        <p:blipFill>
+          <a:blip r:embed="rId2" cstate="print">
+            <a:lum bright="20000"/>
+          </a:blip>
+          <a:srcRect/>
+          <a:stretch>
+            <a:fillRect/>
+          </a:stretch>
+        </p:blipFill>
+        <p:spPr bwMode="auto">
+          <a:xfrm>
+            <a:off x="3810339" y="332656"/>
+            <a:ext cx="3137925" cy="2353444"/>
+          </a:xfrm>
+          <a:prstGeom prst="rect">
+            <a:avLst/>
+          </a:prstGeom>
+          <a:noFill/>
+          <a:ln w="9525">
+            <a:noFill/>
+            <a:miter lim="800000"/>
+            <a:headEnd/>
+            <a:tailEnd/>
+          </a:ln>
+        </p:spPr>
+      </p:pic>
+      <p:sp>
+        <p:nvSpPr>
+          <p:cNvPr id="121" name="Textfeld 120"/>
+          <p:cNvSpPr txBox="1"/>
+          <p:nvPr/>
+        </p:nvSpPr>
+        <p:spPr>
+          <a:xfrm>
+            <a:off x="6372200" y="375047"/>
+            <a:ext cx="2584747" cy="461665"/>
+          </a:xfrm>
+          <a:prstGeom prst="rect">
+            <a:avLst/>
+          </a:prstGeom>
+          <a:noFill/>
+        </p:spPr>
+        <p:txBody>
+          <a:bodyPr wrap="none" rtlCol="0">
+            <a:spAutoFit/>
+          </a:bodyPr>
+          <a:lstStyle/>
+          <a:p>
+            <a:r>
+              <a:rPr lang="de-DE" sz="2400" b="1" dirty="0" err="1" smtClean="0">
+                <a:solidFill>
+                  <a:schemeClr val="tx2">
+                    <a:lumMod val="60000"/>
+                    <a:lumOff val="40000"/>
+                  </a:schemeClr>
+                </a:solidFill>
+              </a:rPr>
+              <a:t>declare</a:t>
+            </a:r>
+            <a:r>
+              <a:rPr lang="de-DE" sz="2400" b="1" dirty="0" smtClean="0">
+                <a:solidFill>
+                  <a:schemeClr val="tx2">
+                    <a:lumMod val="60000"/>
+                    <a:lumOff val="40000"/>
+                  </a:schemeClr>
+                </a:solidFill>
+              </a:rPr>
+              <a:t> </a:t>
+            </a:r>
+            <a:r>
+              <a:rPr lang="de-DE" sz="2400" b="1" dirty="0" err="1" smtClean="0">
+                <a:solidFill>
+                  <a:schemeClr val="tx2">
+                    <a:lumMod val="60000"/>
+                    <a:lumOff val="40000"/>
+                  </a:schemeClr>
+                </a:solidFill>
+              </a:rPr>
+              <a:t>fixed</a:t>
+            </a:r>
+            <a:r>
+              <a:rPr lang="de-DE" sz="2400" b="1" dirty="0" smtClean="0">
+                <a:solidFill>
+                  <a:schemeClr val="tx2">
+                    <a:lumMod val="60000"/>
+                    <a:lumOff val="40000"/>
+                  </a:schemeClr>
+                </a:solidFill>
+              </a:rPr>
+              <a:t> </a:t>
+            </a:r>
+            <a:r>
+              <a:rPr lang="de-DE" sz="2400" b="1" dirty="0" err="1" smtClean="0">
+                <a:solidFill>
+                  <a:schemeClr val="tx2">
+                    <a:lumMod val="60000"/>
+                    <a:lumOff val="40000"/>
+                  </a:schemeClr>
+                </a:solidFill>
+              </a:rPr>
+              <a:t>types</a:t>
+            </a:r>
+            <a:endParaRPr lang="de-DE" sz="2400" b="1" dirty="0">
+              <a:solidFill>
+                <a:schemeClr val="tx2">
+                  <a:lumMod val="60000"/>
+                  <a:lumOff val="40000"/>
+                </a:schemeClr>
+              </a:solidFill>
+            </a:endParaRPr>
+          </a:p>
+        </p:txBody>
+      </p:sp>
+      <p:sp>
+        <p:nvSpPr>
+          <p:cNvPr id="122" name="Textfeld 121"/>
+          <p:cNvSpPr txBox="1"/>
+          <p:nvPr/>
+        </p:nvSpPr>
+        <p:spPr>
+          <a:xfrm>
+            <a:off x="6372200" y="864973"/>
+            <a:ext cx="1754326" cy="461665"/>
+          </a:xfrm>
+          <a:prstGeom prst="rect">
+            <a:avLst/>
+          </a:prstGeom>
+          <a:noFill/>
+        </p:spPr>
+        <p:txBody>
+          <a:bodyPr wrap="none" rtlCol="0">
+            <a:spAutoFit/>
+          </a:bodyPr>
+          <a:lstStyle/>
+          <a:p>
+            <a:r>
+              <a:rPr lang="de-DE" sz="2400" b="1" dirty="0" err="1" smtClean="0">
+                <a:solidFill>
+                  <a:schemeClr val="accent3">
+                    <a:lumMod val="60000"/>
+                    <a:lumOff val="40000"/>
+                  </a:schemeClr>
+                </a:solidFill>
+              </a:rPr>
+              <a:t>derive</a:t>
+            </a:r>
+            <a:r>
+              <a:rPr lang="de-DE" sz="2400" b="1" dirty="0" smtClean="0">
+                <a:solidFill>
+                  <a:schemeClr val="accent3">
+                    <a:lumMod val="60000"/>
+                    <a:lumOff val="40000"/>
+                  </a:schemeClr>
+                </a:solidFill>
+              </a:rPr>
+              <a:t> </a:t>
+            </a:r>
+            <a:r>
+              <a:rPr lang="de-DE" sz="2400" b="1" dirty="0" err="1" smtClean="0">
+                <a:solidFill>
+                  <a:schemeClr val="accent3">
+                    <a:lumMod val="60000"/>
+                    <a:lumOff val="40000"/>
+                  </a:schemeClr>
+                </a:solidFill>
+              </a:rPr>
+              <a:t>types</a:t>
+            </a:r>
+            <a:endParaRPr lang="de-DE" sz="2400" b="1" dirty="0">
+              <a:solidFill>
+                <a:schemeClr val="accent3">
+                  <a:lumMod val="60000"/>
+                  <a:lumOff val="40000"/>
+                </a:schemeClr>
+              </a:solidFill>
+            </a:endParaRPr>
+          </a:p>
+        </p:txBody>
+      </p:sp>
+      <p:sp>
+        <p:nvSpPr>
+          <p:cNvPr id="45" name="Textfeld 44"/>
+          <p:cNvSpPr txBox="1"/>
+          <p:nvPr/>
+        </p:nvSpPr>
+        <p:spPr>
+          <a:xfrm>
+            <a:off x="6372200" y="1354899"/>
+            <a:ext cx="2507097" cy="461665"/>
+          </a:xfrm>
+          <a:prstGeom prst="rect">
+            <a:avLst/>
+          </a:prstGeom>
+          <a:noFill/>
+        </p:spPr>
+        <p:txBody>
+          <a:bodyPr wrap="none" rtlCol="0">
+            <a:spAutoFit/>
+          </a:bodyPr>
+          <a:lstStyle/>
+          <a:p>
+            <a:r>
+              <a:rPr lang="de-DE" sz="2400" b="1" dirty="0" err="1" smtClean="0">
+                <a:solidFill>
+                  <a:schemeClr val="accent2">
+                    <a:lumMod val="60000"/>
+                    <a:lumOff val="40000"/>
+                  </a:schemeClr>
+                </a:solidFill>
+              </a:rPr>
+              <a:t>calculate</a:t>
+            </a:r>
+            <a:r>
+              <a:rPr lang="de-DE" sz="2400" b="1" dirty="0" smtClean="0">
+                <a:solidFill>
+                  <a:schemeClr val="accent2">
+                    <a:lumMod val="60000"/>
+                    <a:lumOff val="40000"/>
+                  </a:schemeClr>
+                </a:solidFill>
+              </a:rPr>
+              <a:t> </a:t>
+            </a:r>
+            <a:r>
+              <a:rPr lang="de-DE" sz="2400" b="1" dirty="0" err="1" smtClean="0">
+                <a:solidFill>
+                  <a:schemeClr val="accent2">
+                    <a:lumMod val="60000"/>
+                    <a:lumOff val="40000"/>
+                  </a:schemeClr>
+                </a:solidFill>
+              </a:rPr>
+              <a:t>common</a:t>
+            </a:r>
+            <a:endParaRPr lang="de-DE" sz="2400" b="1" dirty="0">
+              <a:solidFill>
+                <a:schemeClr val="accent2">
+                  <a:lumMod val="60000"/>
+                  <a:lumOff val="40000"/>
+                </a:schemeClr>
+              </a:solidFill>
+            </a:endParaRPr>
+          </a:p>
+        </p:txBody>
+      </p:sp>
+      <p:sp>
+        <p:nvSpPr>
+          <p:cNvPr id="103" name="Textfeld 102"/>
+          <p:cNvSpPr txBox="1"/>
+          <p:nvPr/>
+        </p:nvSpPr>
+        <p:spPr>
+          <a:xfrm>
+            <a:off x="6372200" y="1988840"/>
+            <a:ext cx="1675459" cy="461665"/>
+          </a:xfrm>
+          <a:prstGeom prst="rect">
+            <a:avLst/>
+          </a:prstGeom>
+          <a:noFill/>
+        </p:spPr>
+        <p:txBody>
+          <a:bodyPr wrap="none" rtlCol="0">
+            <a:spAutoFit/>
+          </a:bodyPr>
+          <a:lstStyle/>
+          <a:p>
+            <a:r>
+              <a:rPr lang="de-DE" sz="2400" b="1" dirty="0" smtClean="0">
+                <a:solidFill>
+                  <a:srgbClr val="FF0000"/>
+                </a:solidFill>
+              </a:rPr>
+              <a:t>check </a:t>
+            </a:r>
+            <a:r>
+              <a:rPr lang="de-DE" sz="2400" b="1" dirty="0" err="1" smtClean="0">
+                <a:solidFill>
+                  <a:srgbClr val="FF0000"/>
+                </a:solidFill>
+              </a:rPr>
+              <a:t>types</a:t>
+            </a:r>
+            <a:endParaRPr lang="de-DE" sz="2400" b="1" dirty="0">
+              <a:solidFill>
+                <a:srgbClr val="FF0000"/>
+              </a:solidFill>
+            </a:endParaRPr>
+          </a:p>
+        </p:txBody>
+      </p:sp>
+      <p:sp>
+        <p:nvSpPr>
+          <p:cNvPr id="69" name="Textfeld 68"/>
+          <p:cNvSpPr txBox="1"/>
+          <p:nvPr/>
+        </p:nvSpPr>
+        <p:spPr>
+          <a:xfrm>
+            <a:off x="7000356" y="1722294"/>
+            <a:ext cx="1676100" cy="338554"/>
+          </a:xfrm>
+          <a:prstGeom prst="rect">
+            <a:avLst/>
+          </a:prstGeom>
+          <a:noFill/>
+        </p:spPr>
+        <p:txBody>
+          <a:bodyPr wrap="none" rtlCol="0">
+            <a:spAutoFit/>
+          </a:bodyPr>
+          <a:lstStyle/>
+          <a:p>
+            <a:r>
+              <a:rPr lang="de-DE" sz="1600" b="1" dirty="0" smtClean="0">
+                <a:solidFill>
+                  <a:schemeClr val="accent2">
+                    <a:lumMod val="60000"/>
+                    <a:lumOff val="40000"/>
+                  </a:schemeClr>
+                </a:solidFill>
+              </a:rPr>
+              <a:t>(type </a:t>
+            </a:r>
+            <a:r>
+              <a:rPr lang="de-DE" sz="1600" b="1" dirty="0" err="1" smtClean="0">
+                <a:solidFill>
+                  <a:schemeClr val="accent2">
+                    <a:lumMod val="60000"/>
+                    <a:lumOff val="40000"/>
+                  </a:schemeClr>
+                </a:solidFill>
+              </a:rPr>
+              <a:t>hierarchies</a:t>
+            </a:r>
+            <a:r>
+              <a:rPr lang="de-DE" sz="1600" b="1" dirty="0" smtClean="0">
+                <a:solidFill>
+                  <a:schemeClr val="accent2">
+                    <a:lumMod val="60000"/>
+                    <a:lumOff val="40000"/>
+                  </a:schemeClr>
+                </a:solidFill>
+              </a:rPr>
+              <a:t>)</a:t>
+            </a:r>
+            <a:endParaRPr lang="de-DE" sz="1600" b="1" dirty="0">
+              <a:solidFill>
+                <a:schemeClr val="accent2">
+                  <a:lumMod val="60000"/>
+                  <a:lumOff val="40000"/>
+                </a:schemeClr>
+              </a:solidFill>
+            </a:endParaRPr>
+          </a:p>
+        </p:txBody>
+      </p:sp>
+      <p:sp>
+        <p:nvSpPr>
+          <p:cNvPr id="14" name="Textfeld 13"/>
+          <p:cNvSpPr txBox="1"/>
+          <p:nvPr/>
+        </p:nvSpPr>
+        <p:spPr>
+          <a:xfrm>
+            <a:off x="55279" y="4459759"/>
+            <a:ext cx="1798890" cy="769441"/>
+          </a:xfrm>
+          <a:prstGeom prst="rect">
+            <a:avLst/>
+          </a:prstGeom>
+          <a:noFill/>
+        </p:spPr>
+        <p:txBody>
+          <a:bodyPr wrap="none" rtlCol="0">
+            <a:spAutoFit/>
+          </a:bodyPr>
+          <a:lstStyle/>
+          <a:p>
+            <a:r>
+              <a:rPr lang="de-DE" sz="4400" b="1" dirty="0" smtClean="0">
+                <a:latin typeface="Constantia" pitchFamily="18" charset="0"/>
+                <a:cs typeface="Aparajita" pitchFamily="34" charset="0"/>
+              </a:rPr>
+              <a:t>Demo</a:t>
+            </a:r>
+            <a:endParaRPr lang="de-DE" sz="4400" b="1" dirty="0">
+              <a:latin typeface="Constantia" pitchFamily="18" charset="0"/>
+              <a:cs typeface="Aparajita" pitchFamily="34" charset="0"/>
+            </a:endParaRPr>
+          </a:p>
+        </p:txBody>
+      </p:sp>
+      <p:sp>
+        <p:nvSpPr>
+          <p:cNvPr id="12" name="Rechteck 11"/>
+          <p:cNvSpPr/>
+          <p:nvPr/>
+        </p:nvSpPr>
+        <p:spPr>
+          <a:xfrm>
+            <a:off x="0" y="2701369"/>
+            <a:ext cx="9144000" cy="1584176"/>
+          </a:xfrm>
+          <a:prstGeom prst="rect">
+            <a:avLst/>
+          </a:prstGeom>
+          <a:solidFill>
+            <a:schemeClr val="bg1">
+              <a:lumMod val="50000"/>
+            </a:schemeClr>
+          </a:solidFill>
+          <a:ln>
+            <a:noFill/>
+          </a:ln>
+        </p:spPr>
+        <p:style>
+          <a:lnRef idx="2">
+            <a:schemeClr val="accent1">
+              <a:shade val="50000"/>
+            </a:schemeClr>
+          </a:lnRef>
+          <a:fillRef idx="1">
+            <a:schemeClr val="accent1"/>
+          </a:fillRef>
+          <a:effectRef idx="0">
+            <a:schemeClr val="accent1"/>
+          </a:effectRef>
+          <a:fontRef idx="minor">
+            <a:schemeClr val="lt1"/>
+          </a:fontRef>
+        </p:style>
+        <p:txBody>
+          <a:bodyPr rtlCol="0" anchor="ctr"/>
+          <a:lstStyle/>
+          <a:p>
+            <a:pPr algn="ctr"/>
+            <a:endParaRPr lang="de-DE"/>
+          </a:p>
+        </p:txBody>
+      </p:sp>
+      <p:sp>
+        <p:nvSpPr>
+          <p:cNvPr id="13" name="Textfeld 12"/>
+          <p:cNvSpPr txBox="1"/>
+          <p:nvPr/>
+        </p:nvSpPr>
+        <p:spPr>
+          <a:xfrm>
+            <a:off x="35496" y="2694979"/>
+            <a:ext cx="1486048" cy="1446550"/>
+          </a:xfrm>
+          <a:prstGeom prst="rect">
+            <a:avLst/>
+          </a:prstGeom>
+          <a:noFill/>
+        </p:spPr>
+        <p:txBody>
+          <a:bodyPr wrap="none" rtlCol="0">
+            <a:spAutoFit/>
+          </a:bodyPr>
+          <a:lstStyle/>
+          <a:p>
+            <a:r>
+              <a:rPr lang="de-DE" sz="4400" dirty="0" err="1" smtClean="0">
+                <a:solidFill>
+                  <a:schemeClr val="bg1"/>
+                </a:solidFill>
+                <a:latin typeface="Constantia" pitchFamily="18" charset="0"/>
+                <a:cs typeface="Aparajita" pitchFamily="34" charset="0"/>
+              </a:rPr>
+              <a:t>Xtext</a:t>
+            </a:r>
+            <a:r>
+              <a:rPr lang="de-DE" sz="4400" dirty="0" smtClean="0">
+                <a:solidFill>
+                  <a:schemeClr val="bg1"/>
+                </a:solidFill>
+                <a:latin typeface="Constantia" pitchFamily="18" charset="0"/>
+                <a:cs typeface="Aparajita" pitchFamily="34" charset="0"/>
+              </a:rPr>
+              <a:t/>
+            </a:r>
+            <a:br>
+              <a:rPr lang="de-DE" sz="4400" dirty="0" smtClean="0">
+                <a:solidFill>
+                  <a:schemeClr val="bg1"/>
+                </a:solidFill>
+                <a:latin typeface="Constantia" pitchFamily="18" charset="0"/>
+                <a:cs typeface="Aparajita" pitchFamily="34" charset="0"/>
+              </a:rPr>
+            </a:br>
+            <a:endParaRPr lang="de-DE" sz="4400" dirty="0">
+              <a:solidFill>
+                <a:schemeClr val="bg1"/>
+              </a:solidFill>
+              <a:latin typeface="Constantia" pitchFamily="18" charset="0"/>
+              <a:cs typeface="Aparajita" pitchFamily="34" charset="0"/>
+            </a:endParaRPr>
+          </a:p>
+        </p:txBody>
+      </p:sp>
+      <p:sp>
+        <p:nvSpPr>
+          <p:cNvPr id="15" name="Textfeld 14"/>
+          <p:cNvSpPr txBox="1"/>
+          <p:nvPr/>
+        </p:nvSpPr>
+        <p:spPr>
+          <a:xfrm>
+            <a:off x="35496" y="3277433"/>
+            <a:ext cx="9108504" cy="1015663"/>
+          </a:xfrm>
+          <a:prstGeom prst="rect">
+            <a:avLst/>
+          </a:prstGeom>
+          <a:noFill/>
+        </p:spPr>
+        <p:txBody>
+          <a:bodyPr wrap="square" rtlCol="0">
+            <a:spAutoFit/>
+          </a:bodyPr>
+          <a:lstStyle/>
+          <a:p>
+            <a:r>
+              <a:rPr lang="de-DE" sz="6000" dirty="0" err="1" smtClean="0">
+                <a:solidFill>
+                  <a:schemeClr val="bg1"/>
+                </a:solidFill>
+                <a:latin typeface="Constantia" pitchFamily="18" charset="0"/>
+                <a:cs typeface="Aparajita" pitchFamily="34" charset="0"/>
+              </a:rPr>
+              <a:t>Typesystem</a:t>
+            </a:r>
+            <a:r>
+              <a:rPr lang="de-DE" sz="6000" dirty="0" smtClean="0">
+                <a:solidFill>
+                  <a:schemeClr val="bg1"/>
+                </a:solidFill>
+                <a:latin typeface="Constantia" pitchFamily="18" charset="0"/>
+                <a:cs typeface="Aparajita" pitchFamily="34" charset="0"/>
+              </a:rPr>
+              <a:t> Framework</a:t>
+            </a:r>
+            <a:endParaRPr lang="de-DE" sz="6000" dirty="0">
+              <a:solidFill>
+                <a:schemeClr val="bg1"/>
+              </a:solidFill>
+              <a:latin typeface="Constantia" pitchFamily="18" charset="0"/>
+              <a:cs typeface="Aparajita" pitchFamily="34" charset="0"/>
+            </a:endParaRPr>
+          </a:p>
+        </p:txBody>
+      </p:sp>
+    </p:spTree>
+  </p:cSld>
+  <p:clrMapOvr>
+    <a:masterClrMapping/>
+  </p:clrMapOvr>
+  <p:timing>
+    <p:tnLst>
+      <p:par>
+        <p:cTn id="1" dur="indefinite" restart="never" nodeType="tmRoot"/>
+      </p:par>
+    </p:tnLst>
+  </p:timing>
+</p:sld>
+</file>
+
 <file path=ppt/slides/slide12.xml><?xml version="1.0" encoding="utf-8"?>
 <p:sld xmlns:a="http://schemas.openxmlformats.org/drawingml/2006/main" xmlns:r="http://schemas.openxmlformats.org/officeDocument/2006/relationships" xmlns:p="http://schemas.openxmlformats.org/presentationml/2006/main">
   <p:cSld>
@@ -9180,42 +7489,6 @@
       </p:sp>
       <p:sp>
         <p:nvSpPr>
-          <p:cNvPr id="14" name="Textfeld 13"/>
-          <p:cNvSpPr txBox="1"/>
-          <p:nvPr/>
-        </p:nvSpPr>
-        <p:spPr>
-          <a:xfrm>
-            <a:off x="55279" y="4459759"/>
-            <a:ext cx="1798890" cy="769441"/>
-          </a:xfrm>
-          <a:prstGeom prst="rect">
-            <a:avLst/>
-          </a:prstGeom>
-          <a:noFill/>
-        </p:spPr>
-        <p:txBody>
-          <a:bodyPr wrap="none" rtlCol="0">
-            <a:spAutoFit/>
-          </a:bodyPr>
-          <a:lstStyle/>
-          <a:p>
-            <a:r>
-              <a:rPr lang="de-DE" sz="4400" b="1" dirty="0" smtClean="0">
-                <a:latin typeface="Constantia" pitchFamily="18" charset="0"/>
-                <a:cs typeface="Aparajita" pitchFamily="34" charset="0"/>
-              </a:rPr>
-              <a:t>Demo</a:t>
-            </a:r>
-            <a:endParaRPr lang="de-DE" sz="4400" b="1" dirty="0">
-              <a:latin typeface="Constantia" pitchFamily="18" charset="0"/>
-              <a:cs typeface="Aparajita" pitchFamily="34" charset="0"/>
-            </a:endParaRPr>
-          </a:p>
-        </p:txBody>
-      </p:sp>
-      <p:sp>
-        <p:nvSpPr>
           <p:cNvPr id="12" name="Rechteck 11"/>
           <p:cNvSpPr/>
           <p:nvPr/>
@@ -9371,6 +7644,551 @@
               </a:solidFill>
               <a:latin typeface="Constantia" pitchFamily="18" charset="0"/>
               <a:cs typeface="Aparajita" pitchFamily="34" charset="0"/>
+            </a:endParaRPr>
+          </a:p>
+        </p:txBody>
+      </p:sp>
+      <p:sp>
+        <p:nvSpPr>
+          <p:cNvPr id="16" name="Textfeld 15"/>
+          <p:cNvSpPr txBox="1"/>
+          <p:nvPr/>
+        </p:nvSpPr>
+        <p:spPr>
+          <a:xfrm>
+            <a:off x="107504" y="4437112"/>
+            <a:ext cx="7973786" cy="2308324"/>
+          </a:xfrm>
+          <a:prstGeom prst="rect">
+            <a:avLst/>
+          </a:prstGeom>
+          <a:noFill/>
+        </p:spPr>
+        <p:txBody>
+          <a:bodyPr wrap="none" rtlCol="0">
+            <a:spAutoFit/>
+          </a:bodyPr>
+          <a:lstStyle/>
+          <a:p>
+            <a:r>
+              <a:rPr lang="de-DE" sz="2400" b="1" dirty="0" smtClean="0">
+                <a:latin typeface="Constantia" pitchFamily="18" charset="0"/>
+              </a:rPr>
+              <a:t>Editor:</a:t>
+            </a:r>
+            <a:r>
+              <a:rPr lang="de-DE" sz="2400" dirty="0" smtClean="0">
+                <a:latin typeface="Constantia" pitchFamily="18" charset="0"/>
+              </a:rPr>
+              <a:t> </a:t>
+            </a:r>
+            <a:r>
+              <a:rPr lang="de-DE" sz="2400" dirty="0" smtClean="0">
+                <a:solidFill>
+                  <a:schemeClr val="bg1">
+                    <a:lumMod val="50000"/>
+                  </a:schemeClr>
+                </a:solidFill>
+                <a:latin typeface="Constantia" pitchFamily="18" charset="0"/>
+              </a:rPr>
+              <a:t>   </a:t>
+            </a:r>
+            <a:r>
+              <a:rPr lang="de-DE" sz="2400" dirty="0" err="1" smtClean="0">
+                <a:solidFill>
+                  <a:schemeClr val="bg1">
+                    <a:lumMod val="50000"/>
+                  </a:schemeClr>
+                </a:solidFill>
+                <a:latin typeface="Constantia" pitchFamily="18" charset="0"/>
+              </a:rPr>
+              <a:t>popup</a:t>
+            </a:r>
+            <a:r>
+              <a:rPr lang="de-DE" sz="2400" dirty="0" smtClean="0">
+                <a:solidFill>
+                  <a:schemeClr val="bg1">
+                    <a:lumMod val="50000"/>
+                  </a:schemeClr>
+                </a:solidFill>
+                <a:latin typeface="Constantia" pitchFamily="18" charset="0"/>
+              </a:rPr>
+              <a:t> </a:t>
+            </a:r>
+            <a:r>
+              <a:rPr lang="de-DE" sz="2400" dirty="0" err="1" smtClean="0">
+                <a:solidFill>
+                  <a:schemeClr val="bg1">
+                    <a:lumMod val="50000"/>
+                  </a:schemeClr>
+                </a:solidFill>
+                <a:latin typeface="Constantia" pitchFamily="18" charset="0"/>
+              </a:rPr>
+              <a:t>to</a:t>
+            </a:r>
+            <a:r>
+              <a:rPr lang="de-DE" sz="2400" dirty="0" smtClean="0">
+                <a:solidFill>
+                  <a:schemeClr val="bg1">
+                    <a:lumMod val="50000"/>
+                  </a:schemeClr>
+                </a:solidFill>
+                <a:latin typeface="Constantia" pitchFamily="18" charset="0"/>
+              </a:rPr>
+              <a:t> </a:t>
+            </a:r>
+            <a:r>
+              <a:rPr lang="de-DE" sz="2400" dirty="0" err="1" smtClean="0">
+                <a:solidFill>
+                  <a:schemeClr val="bg1">
+                    <a:lumMod val="50000"/>
+                  </a:schemeClr>
+                </a:solidFill>
+                <a:latin typeface="Constantia" pitchFamily="18" charset="0"/>
+              </a:rPr>
+              <a:t>show</a:t>
+            </a:r>
+            <a:r>
+              <a:rPr lang="de-DE" sz="2400" dirty="0" smtClean="0">
+                <a:solidFill>
+                  <a:schemeClr val="bg1">
+                    <a:lumMod val="50000"/>
+                  </a:schemeClr>
+                </a:solidFill>
+                <a:latin typeface="Constantia" pitchFamily="18" charset="0"/>
+              </a:rPr>
+              <a:t> type </a:t>
+            </a:r>
+            <a:r>
+              <a:rPr lang="de-DE" sz="2400" dirty="0" err="1" smtClean="0">
+                <a:solidFill>
+                  <a:schemeClr val="bg1">
+                    <a:lumMod val="50000"/>
+                  </a:schemeClr>
+                </a:solidFill>
+                <a:latin typeface="Constantia" pitchFamily="18" charset="0"/>
+              </a:rPr>
+              <a:t>information</a:t>
+            </a:r>
+            <a:endParaRPr lang="de-DE" sz="2400" dirty="0" smtClean="0">
+              <a:solidFill>
+                <a:schemeClr val="bg1">
+                  <a:lumMod val="50000"/>
+                </a:schemeClr>
+              </a:solidFill>
+              <a:latin typeface="Constantia" pitchFamily="18" charset="0"/>
+            </a:endParaRPr>
+          </a:p>
+          <a:p>
+            <a:r>
+              <a:rPr lang="de-DE" sz="2400" dirty="0" smtClean="0">
+                <a:solidFill>
+                  <a:schemeClr val="bg1">
+                    <a:lumMod val="50000"/>
+                  </a:schemeClr>
+                </a:solidFill>
+                <a:latin typeface="Constantia" pitchFamily="18" charset="0"/>
+              </a:rPr>
+              <a:t>                 </a:t>
+            </a:r>
+            <a:r>
+              <a:rPr lang="de-DE" sz="2400" dirty="0" err="1" smtClean="0">
+                <a:solidFill>
+                  <a:schemeClr val="bg1">
+                    <a:lumMod val="50000"/>
+                  </a:schemeClr>
+                </a:solidFill>
+                <a:latin typeface="Constantia" pitchFamily="18" charset="0"/>
+              </a:rPr>
+              <a:t>use</a:t>
+            </a:r>
+            <a:r>
+              <a:rPr lang="de-DE" sz="2400" dirty="0" smtClean="0">
+                <a:solidFill>
+                  <a:schemeClr val="bg1">
+                    <a:lumMod val="50000"/>
+                  </a:schemeClr>
+                </a:solidFill>
+                <a:latin typeface="Constantia" pitchFamily="18" charset="0"/>
+              </a:rPr>
+              <a:t> type </a:t>
+            </a:r>
+            <a:r>
+              <a:rPr lang="de-DE" sz="2400" dirty="0" err="1" smtClean="0">
+                <a:solidFill>
+                  <a:schemeClr val="bg1">
+                    <a:lumMod val="50000"/>
+                  </a:schemeClr>
+                </a:solidFill>
+                <a:latin typeface="Constantia" pitchFamily="18" charset="0"/>
+              </a:rPr>
+              <a:t>information</a:t>
+            </a:r>
+            <a:r>
+              <a:rPr lang="de-DE" sz="2400" dirty="0" smtClean="0">
+                <a:solidFill>
+                  <a:schemeClr val="bg1">
+                    <a:lumMod val="50000"/>
+                  </a:schemeClr>
+                </a:solidFill>
+                <a:latin typeface="Constantia" pitchFamily="18" charset="0"/>
+              </a:rPr>
+              <a:t> in </a:t>
+            </a:r>
+            <a:r>
+              <a:rPr lang="de-DE" sz="2400" dirty="0" err="1" smtClean="0">
+                <a:solidFill>
+                  <a:schemeClr val="bg1">
+                    <a:lumMod val="50000"/>
+                  </a:schemeClr>
+                </a:solidFill>
+                <a:latin typeface="Constantia" pitchFamily="18" charset="0"/>
+              </a:rPr>
+              <a:t>scopes</a:t>
+            </a:r>
+            <a:endParaRPr lang="de-DE" sz="2400" dirty="0" smtClean="0">
+              <a:solidFill>
+                <a:schemeClr val="bg1">
+                  <a:lumMod val="50000"/>
+                </a:schemeClr>
+              </a:solidFill>
+              <a:latin typeface="Constantia" pitchFamily="18" charset="0"/>
+            </a:endParaRPr>
+          </a:p>
+          <a:p>
+            <a:r>
+              <a:rPr lang="de-DE" sz="2400" b="1" dirty="0" err="1" smtClean="0">
+                <a:latin typeface="Constantia" pitchFamily="18" charset="0"/>
+              </a:rPr>
+              <a:t>Debug</a:t>
+            </a:r>
+            <a:r>
+              <a:rPr lang="de-DE" sz="2400" b="1" dirty="0" smtClean="0">
+                <a:latin typeface="Constantia" pitchFamily="18" charset="0"/>
+              </a:rPr>
+              <a:t>:</a:t>
+            </a:r>
+            <a:r>
+              <a:rPr lang="de-DE" sz="2400" dirty="0" smtClean="0">
+                <a:latin typeface="Constantia" pitchFamily="18" charset="0"/>
+              </a:rPr>
+              <a:t>   </a:t>
+            </a:r>
+            <a:r>
+              <a:rPr lang="de-DE" sz="2400" dirty="0" err="1" smtClean="0">
+                <a:solidFill>
+                  <a:schemeClr val="bg1">
+                    <a:lumMod val="50000"/>
+                  </a:schemeClr>
+                </a:solidFill>
+                <a:latin typeface="Constantia" pitchFamily="18" charset="0"/>
+              </a:rPr>
+              <a:t>trace</a:t>
+            </a:r>
+            <a:r>
+              <a:rPr lang="de-DE" sz="2400" dirty="0" smtClean="0">
+                <a:solidFill>
+                  <a:schemeClr val="bg1">
+                    <a:lumMod val="50000"/>
+                  </a:schemeClr>
+                </a:solidFill>
+                <a:latin typeface="Constantia" pitchFamily="18" charset="0"/>
+              </a:rPr>
+              <a:t> </a:t>
+            </a:r>
+            <a:r>
+              <a:rPr lang="de-DE" sz="2400" dirty="0" err="1" smtClean="0">
+                <a:solidFill>
+                  <a:schemeClr val="bg1">
+                    <a:lumMod val="50000"/>
+                  </a:schemeClr>
+                </a:solidFill>
+                <a:latin typeface="Constantia" pitchFamily="18" charset="0"/>
+              </a:rPr>
+              <a:t>to</a:t>
+            </a:r>
+            <a:r>
+              <a:rPr lang="de-DE" sz="2400" dirty="0" smtClean="0">
+                <a:solidFill>
+                  <a:schemeClr val="bg1">
+                    <a:lumMod val="50000"/>
+                  </a:schemeClr>
+                </a:solidFill>
+                <a:latin typeface="Constantia" pitchFamily="18" charset="0"/>
+              </a:rPr>
+              <a:t> </a:t>
+            </a:r>
+            <a:r>
+              <a:rPr lang="de-DE" sz="2400" dirty="0" err="1" smtClean="0">
+                <a:solidFill>
+                  <a:schemeClr val="bg1">
+                    <a:lumMod val="50000"/>
+                  </a:schemeClr>
+                </a:solidFill>
+                <a:latin typeface="Constantia" pitchFamily="18" charset="0"/>
+              </a:rPr>
+              <a:t>help</a:t>
+            </a:r>
+            <a:r>
+              <a:rPr lang="de-DE" sz="2400" dirty="0" smtClean="0">
+                <a:solidFill>
+                  <a:schemeClr val="bg1">
+                    <a:lumMod val="50000"/>
+                  </a:schemeClr>
+                </a:solidFill>
+                <a:latin typeface="Constantia" pitchFamily="18" charset="0"/>
+              </a:rPr>
+              <a:t> understand </a:t>
+            </a:r>
+            <a:r>
+              <a:rPr lang="de-DE" sz="2400" dirty="0" err="1" smtClean="0">
+                <a:solidFill>
+                  <a:schemeClr val="bg1">
+                    <a:lumMod val="50000"/>
+                  </a:schemeClr>
+                </a:solidFill>
+                <a:latin typeface="Constantia" pitchFamily="18" charset="0"/>
+              </a:rPr>
+              <a:t>how</a:t>
+            </a:r>
+            <a:r>
+              <a:rPr lang="de-DE" sz="2400" dirty="0" smtClean="0">
+                <a:solidFill>
+                  <a:schemeClr val="bg1">
+                    <a:lumMod val="50000"/>
+                  </a:schemeClr>
+                </a:solidFill>
+                <a:latin typeface="Constantia" pitchFamily="18" charset="0"/>
+              </a:rPr>
+              <a:t> type was </a:t>
+            </a:r>
+            <a:r>
+              <a:rPr lang="de-DE" sz="2400" dirty="0" err="1" smtClean="0">
+                <a:solidFill>
+                  <a:schemeClr val="bg1">
+                    <a:lumMod val="50000"/>
+                  </a:schemeClr>
+                </a:solidFill>
+                <a:latin typeface="Constantia" pitchFamily="18" charset="0"/>
+              </a:rPr>
+              <a:t>calculated</a:t>
+            </a:r>
+            <a:endParaRPr lang="de-DE" sz="2400" dirty="0" smtClean="0">
+              <a:solidFill>
+                <a:schemeClr val="bg1">
+                  <a:lumMod val="50000"/>
+                </a:schemeClr>
+              </a:solidFill>
+              <a:latin typeface="Constantia" pitchFamily="18" charset="0"/>
+            </a:endParaRPr>
+          </a:p>
+          <a:p>
+            <a:r>
+              <a:rPr lang="de-DE" sz="2400" b="1" dirty="0" err="1" smtClean="0">
+                <a:latin typeface="Constantia" pitchFamily="18" charset="0"/>
+              </a:rPr>
+              <a:t>Testing</a:t>
+            </a:r>
+            <a:r>
+              <a:rPr lang="de-DE" sz="2400" b="1" dirty="0" smtClean="0">
+                <a:latin typeface="Constantia" pitchFamily="18" charset="0"/>
+              </a:rPr>
+              <a:t>:</a:t>
+            </a:r>
+            <a:r>
+              <a:rPr lang="de-DE" sz="2400" dirty="0" smtClean="0">
+                <a:latin typeface="Constantia" pitchFamily="18" charset="0"/>
+              </a:rPr>
+              <a:t>  </a:t>
+            </a:r>
+            <a:r>
+              <a:rPr lang="de-DE" sz="2400" dirty="0" err="1" smtClean="0">
+                <a:solidFill>
+                  <a:schemeClr val="bg1">
+                    <a:lumMod val="50000"/>
+                  </a:schemeClr>
+                </a:solidFill>
+                <a:latin typeface="Constantia" pitchFamily="18" charset="0"/>
+              </a:rPr>
+              <a:t>internal</a:t>
+            </a:r>
+            <a:r>
+              <a:rPr lang="de-DE" sz="2400" dirty="0" smtClean="0">
+                <a:solidFill>
+                  <a:schemeClr val="bg1">
+                    <a:lumMod val="50000"/>
+                  </a:schemeClr>
+                </a:solidFill>
+                <a:latin typeface="Constantia" pitchFamily="18" charset="0"/>
+              </a:rPr>
+              <a:t> Java DSL </a:t>
+            </a:r>
+            <a:r>
+              <a:rPr lang="de-DE" sz="2400" dirty="0" err="1" smtClean="0">
+                <a:solidFill>
+                  <a:schemeClr val="bg1">
+                    <a:lumMod val="50000"/>
+                  </a:schemeClr>
+                </a:solidFill>
+                <a:latin typeface="Constantia" pitchFamily="18" charset="0"/>
+              </a:rPr>
+              <a:t>for</a:t>
+            </a:r>
+            <a:r>
+              <a:rPr lang="de-DE" sz="2400" dirty="0" smtClean="0">
+                <a:solidFill>
+                  <a:schemeClr val="bg1">
+                    <a:lumMod val="50000"/>
+                  </a:schemeClr>
+                </a:solidFill>
+                <a:latin typeface="Constantia" pitchFamily="18" charset="0"/>
+              </a:rPr>
+              <a:t> </a:t>
+            </a:r>
+            <a:r>
+              <a:rPr lang="de-DE" sz="2400" dirty="0" err="1" smtClean="0">
+                <a:solidFill>
+                  <a:schemeClr val="bg1">
+                    <a:lumMod val="50000"/>
+                  </a:schemeClr>
+                </a:solidFill>
+                <a:latin typeface="Constantia" pitchFamily="18" charset="0"/>
+              </a:rPr>
+              <a:t>testing</a:t>
+            </a:r>
+            <a:r>
+              <a:rPr lang="de-DE" sz="2400" dirty="0" smtClean="0">
+                <a:solidFill>
+                  <a:schemeClr val="bg1">
+                    <a:lumMod val="50000"/>
+                  </a:schemeClr>
+                </a:solidFill>
+                <a:latin typeface="Constantia" pitchFamily="18" charset="0"/>
+              </a:rPr>
+              <a:t> </a:t>
+            </a:r>
+            <a:r>
+              <a:rPr lang="de-DE" sz="2400" dirty="0" err="1" smtClean="0">
+                <a:solidFill>
+                  <a:schemeClr val="bg1">
+                    <a:lumMod val="50000"/>
+                  </a:schemeClr>
+                </a:solidFill>
+                <a:latin typeface="Constantia" pitchFamily="18" charset="0"/>
+              </a:rPr>
+              <a:t>the</a:t>
+            </a:r>
+            <a:r>
+              <a:rPr lang="de-DE" sz="2400" dirty="0" smtClean="0">
+                <a:solidFill>
+                  <a:schemeClr val="bg1">
+                    <a:lumMod val="50000"/>
+                  </a:schemeClr>
+                </a:solidFill>
+                <a:latin typeface="Constantia" pitchFamily="18" charset="0"/>
+              </a:rPr>
+              <a:t> </a:t>
+            </a:r>
+            <a:r>
+              <a:rPr lang="de-DE" sz="2400" dirty="0" err="1" smtClean="0">
+                <a:solidFill>
+                  <a:schemeClr val="bg1">
+                    <a:lumMod val="50000"/>
+                  </a:schemeClr>
+                </a:solidFill>
+                <a:latin typeface="Constantia" pitchFamily="18" charset="0"/>
+              </a:rPr>
+              <a:t>typesystem</a:t>
+            </a:r>
+            <a:r>
+              <a:rPr lang="de-DE" sz="2400" dirty="0" smtClean="0">
+                <a:solidFill>
+                  <a:schemeClr val="bg1">
+                    <a:lumMod val="50000"/>
+                  </a:schemeClr>
+                </a:solidFill>
+                <a:latin typeface="Constantia" pitchFamily="18" charset="0"/>
+              </a:rPr>
+              <a:t> </a:t>
+            </a:r>
+            <a:r>
+              <a:rPr lang="de-DE" sz="2400" dirty="0" err="1" smtClean="0">
+                <a:solidFill>
+                  <a:schemeClr val="bg1">
+                    <a:lumMod val="50000"/>
+                  </a:schemeClr>
+                </a:solidFill>
+                <a:latin typeface="Constantia" pitchFamily="18" charset="0"/>
+              </a:rPr>
+              <a:t>rules</a:t>
+            </a:r>
+            <a:endParaRPr lang="de-DE" sz="2400" dirty="0" smtClean="0">
+              <a:solidFill>
+                <a:schemeClr val="bg1">
+                  <a:lumMod val="50000"/>
+                </a:schemeClr>
+              </a:solidFill>
+              <a:latin typeface="Constantia" pitchFamily="18" charset="0"/>
+            </a:endParaRPr>
+          </a:p>
+          <a:p>
+            <a:r>
+              <a:rPr lang="de-DE" sz="2400" b="1" dirty="0" err="1" smtClean="0">
+                <a:latin typeface="Constantia" pitchFamily="18" charset="0"/>
+              </a:rPr>
+              <a:t>Docs</a:t>
+            </a:r>
+            <a:r>
+              <a:rPr lang="de-DE" sz="2400" b="1" dirty="0" smtClean="0">
+                <a:latin typeface="Constantia" pitchFamily="18" charset="0"/>
+              </a:rPr>
+              <a:t>: </a:t>
+            </a:r>
+            <a:r>
+              <a:rPr lang="de-DE" sz="2400" dirty="0" smtClean="0">
+                <a:latin typeface="Constantia" pitchFamily="18" charset="0"/>
+              </a:rPr>
+              <a:t>     </a:t>
+            </a:r>
+            <a:r>
+              <a:rPr lang="de-DE" sz="2400" dirty="0" smtClean="0">
+                <a:solidFill>
+                  <a:schemeClr val="bg1">
+                    <a:lumMod val="50000"/>
+                  </a:schemeClr>
+                </a:solidFill>
+                <a:latin typeface="Constantia" pitchFamily="18" charset="0"/>
+              </a:rPr>
+              <a:t>22-page </a:t>
+            </a:r>
+            <a:r>
+              <a:rPr lang="de-DE" sz="2400" dirty="0" err="1" smtClean="0">
+                <a:solidFill>
+                  <a:schemeClr val="bg1">
+                    <a:lumMod val="50000"/>
+                  </a:schemeClr>
+                </a:solidFill>
+                <a:latin typeface="Constantia" pitchFamily="18" charset="0"/>
+              </a:rPr>
+              <a:t>tutorial</a:t>
+            </a:r>
+            <a:endParaRPr lang="de-DE" sz="2400" dirty="0" smtClean="0">
+              <a:solidFill>
+                <a:schemeClr val="bg1">
+                  <a:lumMod val="50000"/>
+                </a:schemeClr>
+              </a:solidFill>
+              <a:latin typeface="Constantia" pitchFamily="18" charset="0"/>
+            </a:endParaRPr>
+          </a:p>
+          <a:p>
+            <a:endParaRPr lang="de-DE" sz="2400" dirty="0">
+              <a:solidFill>
+                <a:schemeClr val="bg1">
+                  <a:lumMod val="50000"/>
+                </a:schemeClr>
+              </a:solidFill>
+              <a:latin typeface="Constantia" pitchFamily="18" charset="0"/>
             </a:endParaRPr>
           </a:p>
         </p:txBody>
@@ -9775,1121 +8593,6 @@
       </p:sp>
       <p:sp>
         <p:nvSpPr>
-          <p:cNvPr id="12" name="Rechteck 11"/>
-          <p:cNvSpPr/>
-          <p:nvPr/>
-        </p:nvSpPr>
-        <p:spPr>
-          <a:xfrm>
-            <a:off x="0" y="2701369"/>
-            <a:ext cx="9144000" cy="1584176"/>
-          </a:xfrm>
-          <a:prstGeom prst="rect">
-            <a:avLst/>
-          </a:prstGeom>
-          <a:solidFill>
-            <a:schemeClr val="bg1">
-              <a:lumMod val="50000"/>
-            </a:schemeClr>
-          </a:solidFill>
-          <a:ln>
-            <a:noFill/>
-          </a:ln>
-        </p:spPr>
-        <p:style>
-          <a:lnRef idx="2">
-            <a:schemeClr val="accent1">
-              <a:shade val="50000"/>
-            </a:schemeClr>
-          </a:lnRef>
-          <a:fillRef idx="1">
-            <a:schemeClr val="accent1"/>
-          </a:fillRef>
-          <a:effectRef idx="0">
-            <a:schemeClr val="accent1"/>
-          </a:effectRef>
-          <a:fontRef idx="minor">
-            <a:schemeClr val="lt1"/>
-          </a:fontRef>
-        </p:style>
-        <p:txBody>
-          <a:bodyPr rtlCol="0" anchor="ctr"/>
-          <a:lstStyle/>
-          <a:p>
-            <a:pPr algn="ctr"/>
-            <a:endParaRPr lang="de-DE"/>
-          </a:p>
-        </p:txBody>
-      </p:sp>
-      <p:sp>
-        <p:nvSpPr>
-          <p:cNvPr id="13" name="Textfeld 12"/>
-          <p:cNvSpPr txBox="1"/>
-          <p:nvPr/>
-        </p:nvSpPr>
-        <p:spPr>
-          <a:xfrm>
-            <a:off x="35496" y="2694979"/>
-            <a:ext cx="1486048" cy="1446550"/>
-          </a:xfrm>
-          <a:prstGeom prst="rect">
-            <a:avLst/>
-          </a:prstGeom>
-          <a:noFill/>
-        </p:spPr>
-        <p:txBody>
-          <a:bodyPr wrap="none" rtlCol="0">
-            <a:spAutoFit/>
-          </a:bodyPr>
-          <a:lstStyle/>
-          <a:p>
-            <a:r>
-              <a:rPr lang="de-DE" sz="4400" dirty="0" err="1" smtClean="0">
-                <a:solidFill>
-                  <a:schemeClr val="bg1"/>
-                </a:solidFill>
-                <a:latin typeface="Constantia" pitchFamily="18" charset="0"/>
-                <a:cs typeface="Aparajita" pitchFamily="34" charset="0"/>
-              </a:rPr>
-              <a:t>Xtext</a:t>
-            </a:r>
-            <a:r>
-              <a:rPr lang="de-DE" sz="4400" dirty="0" smtClean="0">
-                <a:solidFill>
-                  <a:schemeClr val="bg1"/>
-                </a:solidFill>
-                <a:latin typeface="Constantia" pitchFamily="18" charset="0"/>
-                <a:cs typeface="Aparajita" pitchFamily="34" charset="0"/>
-              </a:rPr>
-              <a:t/>
-            </a:r>
-            <a:br>
-              <a:rPr lang="de-DE" sz="4400" dirty="0" smtClean="0">
-                <a:solidFill>
-                  <a:schemeClr val="bg1"/>
-                </a:solidFill>
-                <a:latin typeface="Constantia" pitchFamily="18" charset="0"/>
-                <a:cs typeface="Aparajita" pitchFamily="34" charset="0"/>
-              </a:rPr>
-            </a:br>
-            <a:endParaRPr lang="de-DE" sz="4400" dirty="0">
-              <a:solidFill>
-                <a:schemeClr val="bg1"/>
-              </a:solidFill>
-              <a:latin typeface="Constantia" pitchFamily="18" charset="0"/>
-              <a:cs typeface="Aparajita" pitchFamily="34" charset="0"/>
-            </a:endParaRPr>
-          </a:p>
-        </p:txBody>
-      </p:sp>
-      <p:sp>
-        <p:nvSpPr>
-          <p:cNvPr id="15" name="Textfeld 14"/>
-          <p:cNvSpPr txBox="1"/>
-          <p:nvPr/>
-        </p:nvSpPr>
-        <p:spPr>
-          <a:xfrm>
-            <a:off x="35496" y="3277433"/>
-            <a:ext cx="9108504" cy="1015663"/>
-          </a:xfrm>
-          <a:prstGeom prst="rect">
-            <a:avLst/>
-          </a:prstGeom>
-          <a:noFill/>
-        </p:spPr>
-        <p:txBody>
-          <a:bodyPr wrap="square" rtlCol="0">
-            <a:spAutoFit/>
-          </a:bodyPr>
-          <a:lstStyle/>
-          <a:p>
-            <a:r>
-              <a:rPr lang="de-DE" sz="6000" dirty="0" err="1" smtClean="0">
-                <a:solidFill>
-                  <a:schemeClr val="bg1"/>
-                </a:solidFill>
-                <a:latin typeface="Constantia" pitchFamily="18" charset="0"/>
-                <a:cs typeface="Aparajita" pitchFamily="34" charset="0"/>
-              </a:rPr>
-              <a:t>Typesystem</a:t>
-            </a:r>
-            <a:r>
-              <a:rPr lang="de-DE" sz="6000" dirty="0" smtClean="0">
-                <a:solidFill>
-                  <a:schemeClr val="bg1"/>
-                </a:solidFill>
-                <a:latin typeface="Constantia" pitchFamily="18" charset="0"/>
-                <a:cs typeface="Aparajita" pitchFamily="34" charset="0"/>
-              </a:rPr>
-              <a:t> Framework</a:t>
-            </a:r>
-            <a:endParaRPr lang="de-DE" sz="6000" dirty="0">
-              <a:solidFill>
-                <a:schemeClr val="bg1"/>
-              </a:solidFill>
-              <a:latin typeface="Constantia" pitchFamily="18" charset="0"/>
-              <a:cs typeface="Aparajita" pitchFamily="34" charset="0"/>
-            </a:endParaRPr>
-          </a:p>
-        </p:txBody>
-      </p:sp>
-      <p:sp>
-        <p:nvSpPr>
-          <p:cNvPr id="16" name="Textfeld 15"/>
-          <p:cNvSpPr txBox="1"/>
-          <p:nvPr/>
-        </p:nvSpPr>
-        <p:spPr>
-          <a:xfrm>
-            <a:off x="107504" y="4437112"/>
-            <a:ext cx="7973786" cy="2308324"/>
-          </a:xfrm>
-          <a:prstGeom prst="rect">
-            <a:avLst/>
-          </a:prstGeom>
-          <a:noFill/>
-        </p:spPr>
-        <p:txBody>
-          <a:bodyPr wrap="none" rtlCol="0">
-            <a:spAutoFit/>
-          </a:bodyPr>
-          <a:lstStyle/>
-          <a:p>
-            <a:r>
-              <a:rPr lang="de-DE" sz="2400" b="1" dirty="0" smtClean="0">
-                <a:latin typeface="Constantia" pitchFamily="18" charset="0"/>
-              </a:rPr>
-              <a:t>Editor:</a:t>
-            </a:r>
-            <a:r>
-              <a:rPr lang="de-DE" sz="2400" dirty="0" smtClean="0">
-                <a:latin typeface="Constantia" pitchFamily="18" charset="0"/>
-              </a:rPr>
-              <a:t> </a:t>
-            </a:r>
-            <a:r>
-              <a:rPr lang="de-DE" sz="2400" dirty="0" smtClean="0">
-                <a:solidFill>
-                  <a:schemeClr val="bg1">
-                    <a:lumMod val="50000"/>
-                  </a:schemeClr>
-                </a:solidFill>
-                <a:latin typeface="Constantia" pitchFamily="18" charset="0"/>
-              </a:rPr>
-              <a:t>   </a:t>
-            </a:r>
-            <a:r>
-              <a:rPr lang="de-DE" sz="2400" dirty="0" err="1" smtClean="0">
-                <a:solidFill>
-                  <a:schemeClr val="bg1">
-                    <a:lumMod val="50000"/>
-                  </a:schemeClr>
-                </a:solidFill>
-                <a:latin typeface="Constantia" pitchFamily="18" charset="0"/>
-              </a:rPr>
-              <a:t>popup</a:t>
-            </a:r>
-            <a:r>
-              <a:rPr lang="de-DE" sz="2400" dirty="0" smtClean="0">
-                <a:solidFill>
-                  <a:schemeClr val="bg1">
-                    <a:lumMod val="50000"/>
-                  </a:schemeClr>
-                </a:solidFill>
-                <a:latin typeface="Constantia" pitchFamily="18" charset="0"/>
-              </a:rPr>
-              <a:t> </a:t>
-            </a:r>
-            <a:r>
-              <a:rPr lang="de-DE" sz="2400" dirty="0" err="1" smtClean="0">
-                <a:solidFill>
-                  <a:schemeClr val="bg1">
-                    <a:lumMod val="50000"/>
-                  </a:schemeClr>
-                </a:solidFill>
-                <a:latin typeface="Constantia" pitchFamily="18" charset="0"/>
-              </a:rPr>
-              <a:t>to</a:t>
-            </a:r>
-            <a:r>
-              <a:rPr lang="de-DE" sz="2400" dirty="0" smtClean="0">
-                <a:solidFill>
-                  <a:schemeClr val="bg1">
-                    <a:lumMod val="50000"/>
-                  </a:schemeClr>
-                </a:solidFill>
-                <a:latin typeface="Constantia" pitchFamily="18" charset="0"/>
-              </a:rPr>
-              <a:t> </a:t>
-            </a:r>
-            <a:r>
-              <a:rPr lang="de-DE" sz="2400" dirty="0" err="1" smtClean="0">
-                <a:solidFill>
-                  <a:schemeClr val="bg1">
-                    <a:lumMod val="50000"/>
-                  </a:schemeClr>
-                </a:solidFill>
-                <a:latin typeface="Constantia" pitchFamily="18" charset="0"/>
-              </a:rPr>
-              <a:t>show</a:t>
-            </a:r>
-            <a:r>
-              <a:rPr lang="de-DE" sz="2400" dirty="0" smtClean="0">
-                <a:solidFill>
-                  <a:schemeClr val="bg1">
-                    <a:lumMod val="50000"/>
-                  </a:schemeClr>
-                </a:solidFill>
-                <a:latin typeface="Constantia" pitchFamily="18" charset="0"/>
-              </a:rPr>
-              <a:t> type </a:t>
-            </a:r>
-            <a:r>
-              <a:rPr lang="de-DE" sz="2400" dirty="0" err="1" smtClean="0">
-                <a:solidFill>
-                  <a:schemeClr val="bg1">
-                    <a:lumMod val="50000"/>
-                  </a:schemeClr>
-                </a:solidFill>
-                <a:latin typeface="Constantia" pitchFamily="18" charset="0"/>
-              </a:rPr>
-              <a:t>information</a:t>
-            </a:r>
-            <a:endParaRPr lang="de-DE" sz="2400" dirty="0" smtClean="0">
-              <a:solidFill>
-                <a:schemeClr val="bg1">
-                  <a:lumMod val="50000"/>
-                </a:schemeClr>
-              </a:solidFill>
-              <a:latin typeface="Constantia" pitchFamily="18" charset="0"/>
-            </a:endParaRPr>
-          </a:p>
-          <a:p>
-            <a:r>
-              <a:rPr lang="de-DE" sz="2400" dirty="0" smtClean="0">
-                <a:solidFill>
-                  <a:schemeClr val="bg1">
-                    <a:lumMod val="50000"/>
-                  </a:schemeClr>
-                </a:solidFill>
-                <a:latin typeface="Constantia" pitchFamily="18" charset="0"/>
-              </a:rPr>
-              <a:t> </a:t>
-            </a:r>
-            <a:r>
-              <a:rPr lang="de-DE" sz="2400" dirty="0" smtClean="0">
-                <a:solidFill>
-                  <a:schemeClr val="bg1">
-                    <a:lumMod val="50000"/>
-                  </a:schemeClr>
-                </a:solidFill>
-                <a:latin typeface="Constantia" pitchFamily="18" charset="0"/>
-              </a:rPr>
-              <a:t>                </a:t>
-            </a:r>
-            <a:r>
-              <a:rPr lang="de-DE" sz="2400" dirty="0" err="1" smtClean="0">
-                <a:solidFill>
-                  <a:schemeClr val="bg1">
-                    <a:lumMod val="50000"/>
-                  </a:schemeClr>
-                </a:solidFill>
-                <a:latin typeface="Constantia" pitchFamily="18" charset="0"/>
-              </a:rPr>
-              <a:t>use</a:t>
-            </a:r>
-            <a:r>
-              <a:rPr lang="de-DE" sz="2400" dirty="0" smtClean="0">
-                <a:solidFill>
-                  <a:schemeClr val="bg1">
-                    <a:lumMod val="50000"/>
-                  </a:schemeClr>
-                </a:solidFill>
-                <a:latin typeface="Constantia" pitchFamily="18" charset="0"/>
-              </a:rPr>
-              <a:t> type </a:t>
-            </a:r>
-            <a:r>
-              <a:rPr lang="de-DE" sz="2400" dirty="0" err="1" smtClean="0">
-                <a:solidFill>
-                  <a:schemeClr val="bg1">
-                    <a:lumMod val="50000"/>
-                  </a:schemeClr>
-                </a:solidFill>
-                <a:latin typeface="Constantia" pitchFamily="18" charset="0"/>
-              </a:rPr>
-              <a:t>information</a:t>
-            </a:r>
-            <a:r>
-              <a:rPr lang="de-DE" sz="2400" dirty="0" smtClean="0">
-                <a:solidFill>
-                  <a:schemeClr val="bg1">
-                    <a:lumMod val="50000"/>
-                  </a:schemeClr>
-                </a:solidFill>
-                <a:latin typeface="Constantia" pitchFamily="18" charset="0"/>
-              </a:rPr>
-              <a:t> in </a:t>
-            </a:r>
-            <a:r>
-              <a:rPr lang="de-DE" sz="2400" dirty="0" err="1" smtClean="0">
-                <a:solidFill>
-                  <a:schemeClr val="bg1">
-                    <a:lumMod val="50000"/>
-                  </a:schemeClr>
-                </a:solidFill>
-                <a:latin typeface="Constantia" pitchFamily="18" charset="0"/>
-              </a:rPr>
-              <a:t>scopes</a:t>
-            </a:r>
-            <a:endParaRPr lang="de-DE" sz="2400" dirty="0" smtClean="0">
-              <a:solidFill>
-                <a:schemeClr val="bg1">
-                  <a:lumMod val="50000"/>
-                </a:schemeClr>
-              </a:solidFill>
-              <a:latin typeface="Constantia" pitchFamily="18" charset="0"/>
-            </a:endParaRPr>
-          </a:p>
-          <a:p>
-            <a:r>
-              <a:rPr lang="de-DE" sz="2400" b="1" dirty="0" err="1" smtClean="0">
-                <a:latin typeface="Constantia" pitchFamily="18" charset="0"/>
-              </a:rPr>
-              <a:t>Debug</a:t>
-            </a:r>
-            <a:r>
-              <a:rPr lang="de-DE" sz="2400" b="1" dirty="0" smtClean="0">
-                <a:latin typeface="Constantia" pitchFamily="18" charset="0"/>
-              </a:rPr>
-              <a:t>:</a:t>
-            </a:r>
-            <a:r>
-              <a:rPr lang="de-DE" sz="2400" dirty="0" smtClean="0">
-                <a:latin typeface="Constantia" pitchFamily="18" charset="0"/>
-              </a:rPr>
-              <a:t>   </a:t>
-            </a:r>
-            <a:r>
-              <a:rPr lang="de-DE" sz="2400" dirty="0" err="1" smtClean="0">
-                <a:solidFill>
-                  <a:schemeClr val="bg1">
-                    <a:lumMod val="50000"/>
-                  </a:schemeClr>
-                </a:solidFill>
-                <a:latin typeface="Constantia" pitchFamily="18" charset="0"/>
-              </a:rPr>
-              <a:t>trace</a:t>
-            </a:r>
-            <a:r>
-              <a:rPr lang="de-DE" sz="2400" dirty="0" smtClean="0">
-                <a:solidFill>
-                  <a:schemeClr val="bg1">
-                    <a:lumMod val="50000"/>
-                  </a:schemeClr>
-                </a:solidFill>
-                <a:latin typeface="Constantia" pitchFamily="18" charset="0"/>
-              </a:rPr>
-              <a:t> </a:t>
-            </a:r>
-            <a:r>
-              <a:rPr lang="de-DE" sz="2400" dirty="0" err="1" smtClean="0">
-                <a:solidFill>
-                  <a:schemeClr val="bg1">
-                    <a:lumMod val="50000"/>
-                  </a:schemeClr>
-                </a:solidFill>
-                <a:latin typeface="Constantia" pitchFamily="18" charset="0"/>
-              </a:rPr>
-              <a:t>to</a:t>
-            </a:r>
-            <a:r>
-              <a:rPr lang="de-DE" sz="2400" dirty="0" smtClean="0">
-                <a:solidFill>
-                  <a:schemeClr val="bg1">
-                    <a:lumMod val="50000"/>
-                  </a:schemeClr>
-                </a:solidFill>
-                <a:latin typeface="Constantia" pitchFamily="18" charset="0"/>
-              </a:rPr>
-              <a:t> </a:t>
-            </a:r>
-            <a:r>
-              <a:rPr lang="de-DE" sz="2400" dirty="0" err="1" smtClean="0">
-                <a:solidFill>
-                  <a:schemeClr val="bg1">
-                    <a:lumMod val="50000"/>
-                  </a:schemeClr>
-                </a:solidFill>
-                <a:latin typeface="Constantia" pitchFamily="18" charset="0"/>
-              </a:rPr>
-              <a:t>help</a:t>
-            </a:r>
-            <a:r>
-              <a:rPr lang="de-DE" sz="2400" dirty="0" smtClean="0">
-                <a:solidFill>
-                  <a:schemeClr val="bg1">
-                    <a:lumMod val="50000"/>
-                  </a:schemeClr>
-                </a:solidFill>
-                <a:latin typeface="Constantia" pitchFamily="18" charset="0"/>
-              </a:rPr>
-              <a:t> understand </a:t>
-            </a:r>
-            <a:r>
-              <a:rPr lang="de-DE" sz="2400" dirty="0" err="1" smtClean="0">
-                <a:solidFill>
-                  <a:schemeClr val="bg1">
-                    <a:lumMod val="50000"/>
-                  </a:schemeClr>
-                </a:solidFill>
-                <a:latin typeface="Constantia" pitchFamily="18" charset="0"/>
-              </a:rPr>
-              <a:t>how</a:t>
-            </a:r>
-            <a:r>
-              <a:rPr lang="de-DE" sz="2400" dirty="0" smtClean="0">
-                <a:solidFill>
-                  <a:schemeClr val="bg1">
-                    <a:lumMod val="50000"/>
-                  </a:schemeClr>
-                </a:solidFill>
-                <a:latin typeface="Constantia" pitchFamily="18" charset="0"/>
-              </a:rPr>
-              <a:t> type was </a:t>
-            </a:r>
-            <a:r>
-              <a:rPr lang="de-DE" sz="2400" dirty="0" err="1" smtClean="0">
-                <a:solidFill>
-                  <a:schemeClr val="bg1">
-                    <a:lumMod val="50000"/>
-                  </a:schemeClr>
-                </a:solidFill>
-                <a:latin typeface="Constantia" pitchFamily="18" charset="0"/>
-              </a:rPr>
-              <a:t>calculated</a:t>
-            </a:r>
-            <a:endParaRPr lang="de-DE" sz="2400" dirty="0" smtClean="0">
-              <a:solidFill>
-                <a:schemeClr val="bg1">
-                  <a:lumMod val="50000"/>
-                </a:schemeClr>
-              </a:solidFill>
-              <a:latin typeface="Constantia" pitchFamily="18" charset="0"/>
-            </a:endParaRPr>
-          </a:p>
-          <a:p>
-            <a:r>
-              <a:rPr lang="de-DE" sz="2400" b="1" dirty="0" err="1" smtClean="0">
-                <a:latin typeface="Constantia" pitchFamily="18" charset="0"/>
-              </a:rPr>
-              <a:t>Testing</a:t>
-            </a:r>
-            <a:r>
-              <a:rPr lang="de-DE" sz="2400" b="1" dirty="0" smtClean="0">
-                <a:latin typeface="Constantia" pitchFamily="18" charset="0"/>
-              </a:rPr>
-              <a:t>:</a:t>
-            </a:r>
-            <a:r>
-              <a:rPr lang="de-DE" sz="2400" dirty="0" smtClean="0">
-                <a:latin typeface="Constantia" pitchFamily="18" charset="0"/>
-              </a:rPr>
-              <a:t>  </a:t>
-            </a:r>
-            <a:r>
-              <a:rPr lang="de-DE" sz="2400" dirty="0" err="1" smtClean="0">
-                <a:solidFill>
-                  <a:schemeClr val="bg1">
-                    <a:lumMod val="50000"/>
-                  </a:schemeClr>
-                </a:solidFill>
-                <a:latin typeface="Constantia" pitchFamily="18" charset="0"/>
-              </a:rPr>
-              <a:t>internal</a:t>
-            </a:r>
-            <a:r>
-              <a:rPr lang="de-DE" sz="2400" dirty="0" smtClean="0">
-                <a:solidFill>
-                  <a:schemeClr val="bg1">
-                    <a:lumMod val="50000"/>
-                  </a:schemeClr>
-                </a:solidFill>
-                <a:latin typeface="Constantia" pitchFamily="18" charset="0"/>
-              </a:rPr>
-              <a:t> Java DSL </a:t>
-            </a:r>
-            <a:r>
-              <a:rPr lang="de-DE" sz="2400" dirty="0" err="1" smtClean="0">
-                <a:solidFill>
-                  <a:schemeClr val="bg1">
-                    <a:lumMod val="50000"/>
-                  </a:schemeClr>
-                </a:solidFill>
-                <a:latin typeface="Constantia" pitchFamily="18" charset="0"/>
-              </a:rPr>
-              <a:t>for</a:t>
-            </a:r>
-            <a:r>
-              <a:rPr lang="de-DE" sz="2400" dirty="0" smtClean="0">
-                <a:solidFill>
-                  <a:schemeClr val="bg1">
-                    <a:lumMod val="50000"/>
-                  </a:schemeClr>
-                </a:solidFill>
-                <a:latin typeface="Constantia" pitchFamily="18" charset="0"/>
-              </a:rPr>
-              <a:t> </a:t>
-            </a:r>
-            <a:r>
-              <a:rPr lang="de-DE" sz="2400" dirty="0" err="1" smtClean="0">
-                <a:solidFill>
-                  <a:schemeClr val="bg1">
-                    <a:lumMod val="50000"/>
-                  </a:schemeClr>
-                </a:solidFill>
-                <a:latin typeface="Constantia" pitchFamily="18" charset="0"/>
-              </a:rPr>
-              <a:t>testing</a:t>
-            </a:r>
-            <a:r>
-              <a:rPr lang="de-DE" sz="2400" dirty="0" smtClean="0">
-                <a:solidFill>
-                  <a:schemeClr val="bg1">
-                    <a:lumMod val="50000"/>
-                  </a:schemeClr>
-                </a:solidFill>
-                <a:latin typeface="Constantia" pitchFamily="18" charset="0"/>
-              </a:rPr>
-              <a:t> </a:t>
-            </a:r>
-            <a:r>
-              <a:rPr lang="de-DE" sz="2400" dirty="0" err="1" smtClean="0">
-                <a:solidFill>
-                  <a:schemeClr val="bg1">
-                    <a:lumMod val="50000"/>
-                  </a:schemeClr>
-                </a:solidFill>
-                <a:latin typeface="Constantia" pitchFamily="18" charset="0"/>
-              </a:rPr>
-              <a:t>the</a:t>
-            </a:r>
-            <a:r>
-              <a:rPr lang="de-DE" sz="2400" dirty="0" smtClean="0">
-                <a:solidFill>
-                  <a:schemeClr val="bg1">
-                    <a:lumMod val="50000"/>
-                  </a:schemeClr>
-                </a:solidFill>
-                <a:latin typeface="Constantia" pitchFamily="18" charset="0"/>
-              </a:rPr>
-              <a:t> </a:t>
-            </a:r>
-            <a:r>
-              <a:rPr lang="de-DE" sz="2400" dirty="0" err="1" smtClean="0">
-                <a:solidFill>
-                  <a:schemeClr val="bg1">
-                    <a:lumMod val="50000"/>
-                  </a:schemeClr>
-                </a:solidFill>
-                <a:latin typeface="Constantia" pitchFamily="18" charset="0"/>
-              </a:rPr>
-              <a:t>typesystem</a:t>
-            </a:r>
-            <a:r>
-              <a:rPr lang="de-DE" sz="2400" dirty="0" smtClean="0">
-                <a:solidFill>
-                  <a:schemeClr val="bg1">
-                    <a:lumMod val="50000"/>
-                  </a:schemeClr>
-                </a:solidFill>
-                <a:latin typeface="Constantia" pitchFamily="18" charset="0"/>
-              </a:rPr>
-              <a:t> </a:t>
-            </a:r>
-            <a:r>
-              <a:rPr lang="de-DE" sz="2400" dirty="0" err="1" smtClean="0">
-                <a:solidFill>
-                  <a:schemeClr val="bg1">
-                    <a:lumMod val="50000"/>
-                  </a:schemeClr>
-                </a:solidFill>
-                <a:latin typeface="Constantia" pitchFamily="18" charset="0"/>
-              </a:rPr>
-              <a:t>rules</a:t>
-            </a:r>
-            <a:endParaRPr lang="de-DE" sz="2400" dirty="0" smtClean="0">
-              <a:solidFill>
-                <a:schemeClr val="bg1">
-                  <a:lumMod val="50000"/>
-                </a:schemeClr>
-              </a:solidFill>
-              <a:latin typeface="Constantia" pitchFamily="18" charset="0"/>
-            </a:endParaRPr>
-          </a:p>
-          <a:p>
-            <a:r>
-              <a:rPr lang="de-DE" sz="2400" b="1" dirty="0" err="1" smtClean="0">
-                <a:latin typeface="Constantia" pitchFamily="18" charset="0"/>
-              </a:rPr>
-              <a:t>Docs</a:t>
-            </a:r>
-            <a:r>
-              <a:rPr lang="de-DE" sz="2400" b="1" dirty="0" smtClean="0">
-                <a:latin typeface="Constantia" pitchFamily="18" charset="0"/>
-              </a:rPr>
-              <a:t>: </a:t>
-            </a:r>
-            <a:r>
-              <a:rPr lang="de-DE" sz="2400" dirty="0" smtClean="0">
-                <a:latin typeface="Constantia" pitchFamily="18" charset="0"/>
-              </a:rPr>
-              <a:t>     </a:t>
-            </a:r>
-            <a:r>
-              <a:rPr lang="de-DE" sz="2400" dirty="0" smtClean="0">
-                <a:solidFill>
-                  <a:schemeClr val="bg1">
-                    <a:lumMod val="50000"/>
-                  </a:schemeClr>
-                </a:solidFill>
-                <a:latin typeface="Constantia" pitchFamily="18" charset="0"/>
-              </a:rPr>
-              <a:t>22-page </a:t>
-            </a:r>
-            <a:r>
-              <a:rPr lang="de-DE" sz="2400" dirty="0" err="1" smtClean="0">
-                <a:solidFill>
-                  <a:schemeClr val="bg1">
-                    <a:lumMod val="50000"/>
-                  </a:schemeClr>
-                </a:solidFill>
-                <a:latin typeface="Constantia" pitchFamily="18" charset="0"/>
-              </a:rPr>
-              <a:t>tutorial</a:t>
-            </a:r>
-            <a:endParaRPr lang="de-DE" sz="2400" dirty="0" smtClean="0">
-              <a:solidFill>
-                <a:schemeClr val="bg1">
-                  <a:lumMod val="50000"/>
-                </a:schemeClr>
-              </a:solidFill>
-              <a:latin typeface="Constantia" pitchFamily="18" charset="0"/>
-            </a:endParaRPr>
-          </a:p>
-          <a:p>
-            <a:endParaRPr lang="de-DE" sz="2400" dirty="0">
-              <a:solidFill>
-                <a:schemeClr val="bg1">
-                  <a:lumMod val="50000"/>
-                </a:schemeClr>
-              </a:solidFill>
-              <a:latin typeface="Constantia" pitchFamily="18" charset="0"/>
-            </a:endParaRPr>
-          </a:p>
-        </p:txBody>
-      </p:sp>
-    </p:spTree>
-  </p:cSld>
-  <p:clrMapOvr>
-    <a:masterClrMapping/>
-  </p:clrMapOvr>
-  <p:timing>
-    <p:tnLst>
-      <p:par>
-        <p:cTn id="1" dur="indefinite" restart="never" nodeType="tmRoot"/>
-      </p:par>
-    </p:tnLst>
-  </p:timing>
-</p:sld>
-</file>
-
-<file path=ppt/slides/slide14.xml><?xml version="1.0" encoding="utf-8"?>
-<p:sld xmlns:a="http://schemas.openxmlformats.org/drawingml/2006/main" xmlns:r="http://schemas.openxmlformats.org/officeDocument/2006/relationships" xmlns:p="http://schemas.openxmlformats.org/presentationml/2006/main">
-  <p:cSld>
-    <p:spTree>
-      <p:nvGrpSpPr>
-        <p:cNvPr id="1" name=""/>
-        <p:cNvGrpSpPr/>
-        <p:nvPr/>
-      </p:nvGrpSpPr>
-      <p:grpSpPr>
-        <a:xfrm>
-          <a:off x="0" y="0"/>
-          <a:ext cx="0" cy="0"/>
-          <a:chOff x="0" y="0"/>
-          <a:chExt cx="0" cy="0"/>
-        </a:xfrm>
-      </p:grpSpPr>
-      <p:pic>
-        <p:nvPicPr>
-          <p:cNvPr id="70" name="Picture 2"/>
-          <p:cNvPicPr>
-            <a:picLocks noChangeAspect="1" noChangeArrowheads="1"/>
-          </p:cNvPicPr>
-          <p:nvPr/>
-        </p:nvPicPr>
-        <p:blipFill>
-          <a:blip r:embed="rId2" cstate="print">
-            <a:lum bright="20000"/>
-          </a:blip>
-          <a:srcRect/>
-          <a:stretch>
-            <a:fillRect/>
-          </a:stretch>
-        </p:blipFill>
-        <p:spPr bwMode="auto">
-          <a:xfrm>
-            <a:off x="3810339" y="332656"/>
-            <a:ext cx="3137925" cy="2353444"/>
-          </a:xfrm>
-          <a:prstGeom prst="rect">
-            <a:avLst/>
-          </a:prstGeom>
-          <a:noFill/>
-          <a:ln w="9525">
-            <a:noFill/>
-            <a:miter lim="800000"/>
-            <a:headEnd/>
-            <a:tailEnd/>
-          </a:ln>
-        </p:spPr>
-      </p:pic>
-      <p:sp>
-        <p:nvSpPr>
-          <p:cNvPr id="121" name="Textfeld 120"/>
-          <p:cNvSpPr txBox="1"/>
-          <p:nvPr/>
-        </p:nvSpPr>
-        <p:spPr>
-          <a:xfrm>
-            <a:off x="6372200" y="375047"/>
-            <a:ext cx="2584747" cy="461665"/>
-          </a:xfrm>
-          <a:prstGeom prst="rect">
-            <a:avLst/>
-          </a:prstGeom>
-          <a:noFill/>
-        </p:spPr>
-        <p:txBody>
-          <a:bodyPr wrap="none" rtlCol="0">
-            <a:spAutoFit/>
-          </a:bodyPr>
-          <a:lstStyle/>
-          <a:p>
-            <a:r>
-              <a:rPr lang="de-DE" sz="2400" b="1" dirty="0" err="1" smtClean="0">
-                <a:solidFill>
-                  <a:schemeClr val="tx2">
-                    <a:lumMod val="60000"/>
-                    <a:lumOff val="40000"/>
-                  </a:schemeClr>
-                </a:solidFill>
-              </a:rPr>
-              <a:t>declare</a:t>
-            </a:r>
-            <a:r>
-              <a:rPr lang="de-DE" sz="2400" b="1" dirty="0" smtClean="0">
-                <a:solidFill>
-                  <a:schemeClr val="tx2">
-                    <a:lumMod val="60000"/>
-                    <a:lumOff val="40000"/>
-                  </a:schemeClr>
-                </a:solidFill>
-              </a:rPr>
-              <a:t> </a:t>
-            </a:r>
-            <a:r>
-              <a:rPr lang="de-DE" sz="2400" b="1" dirty="0" err="1" smtClean="0">
-                <a:solidFill>
-                  <a:schemeClr val="tx2">
-                    <a:lumMod val="60000"/>
-                    <a:lumOff val="40000"/>
-                  </a:schemeClr>
-                </a:solidFill>
-              </a:rPr>
-              <a:t>fixed</a:t>
-            </a:r>
-            <a:r>
-              <a:rPr lang="de-DE" sz="2400" b="1" dirty="0" smtClean="0">
-                <a:solidFill>
-                  <a:schemeClr val="tx2">
-                    <a:lumMod val="60000"/>
-                    <a:lumOff val="40000"/>
-                  </a:schemeClr>
-                </a:solidFill>
-              </a:rPr>
-              <a:t> </a:t>
-            </a:r>
-            <a:r>
-              <a:rPr lang="de-DE" sz="2400" b="1" dirty="0" err="1" smtClean="0">
-                <a:solidFill>
-                  <a:schemeClr val="tx2">
-                    <a:lumMod val="60000"/>
-                    <a:lumOff val="40000"/>
-                  </a:schemeClr>
-                </a:solidFill>
-              </a:rPr>
-              <a:t>types</a:t>
-            </a:r>
-            <a:endParaRPr lang="de-DE" sz="2400" b="1" dirty="0">
-              <a:solidFill>
-                <a:schemeClr val="tx2">
-                  <a:lumMod val="60000"/>
-                  <a:lumOff val="40000"/>
-                </a:schemeClr>
-              </a:solidFill>
-            </a:endParaRPr>
-          </a:p>
-        </p:txBody>
-      </p:sp>
-      <p:sp>
-        <p:nvSpPr>
-          <p:cNvPr id="122" name="Textfeld 121"/>
-          <p:cNvSpPr txBox="1"/>
-          <p:nvPr/>
-        </p:nvSpPr>
-        <p:spPr>
-          <a:xfrm>
-            <a:off x="6372200" y="864973"/>
-            <a:ext cx="1754326" cy="461665"/>
-          </a:xfrm>
-          <a:prstGeom prst="rect">
-            <a:avLst/>
-          </a:prstGeom>
-          <a:noFill/>
-        </p:spPr>
-        <p:txBody>
-          <a:bodyPr wrap="none" rtlCol="0">
-            <a:spAutoFit/>
-          </a:bodyPr>
-          <a:lstStyle/>
-          <a:p>
-            <a:r>
-              <a:rPr lang="de-DE" sz="2400" b="1" dirty="0" err="1" smtClean="0">
-                <a:solidFill>
-                  <a:schemeClr val="accent3">
-                    <a:lumMod val="60000"/>
-                    <a:lumOff val="40000"/>
-                  </a:schemeClr>
-                </a:solidFill>
-              </a:rPr>
-              <a:t>derive</a:t>
-            </a:r>
-            <a:r>
-              <a:rPr lang="de-DE" sz="2400" b="1" dirty="0" smtClean="0">
-                <a:solidFill>
-                  <a:schemeClr val="accent3">
-                    <a:lumMod val="60000"/>
-                    <a:lumOff val="40000"/>
-                  </a:schemeClr>
-                </a:solidFill>
-              </a:rPr>
-              <a:t> </a:t>
-            </a:r>
-            <a:r>
-              <a:rPr lang="de-DE" sz="2400" b="1" dirty="0" err="1" smtClean="0">
-                <a:solidFill>
-                  <a:schemeClr val="accent3">
-                    <a:lumMod val="60000"/>
-                    <a:lumOff val="40000"/>
-                  </a:schemeClr>
-                </a:solidFill>
-              </a:rPr>
-              <a:t>types</a:t>
-            </a:r>
-            <a:endParaRPr lang="de-DE" sz="2400" b="1" dirty="0">
-              <a:solidFill>
-                <a:schemeClr val="accent3">
-                  <a:lumMod val="60000"/>
-                  <a:lumOff val="40000"/>
-                </a:schemeClr>
-              </a:solidFill>
-            </a:endParaRPr>
-          </a:p>
-        </p:txBody>
-      </p:sp>
-      <p:sp>
-        <p:nvSpPr>
-          <p:cNvPr id="45" name="Textfeld 44"/>
-          <p:cNvSpPr txBox="1"/>
-          <p:nvPr/>
-        </p:nvSpPr>
-        <p:spPr>
-          <a:xfrm>
-            <a:off x="6372200" y="1354899"/>
-            <a:ext cx="2507097" cy="461665"/>
-          </a:xfrm>
-          <a:prstGeom prst="rect">
-            <a:avLst/>
-          </a:prstGeom>
-          <a:noFill/>
-        </p:spPr>
-        <p:txBody>
-          <a:bodyPr wrap="none" rtlCol="0">
-            <a:spAutoFit/>
-          </a:bodyPr>
-          <a:lstStyle/>
-          <a:p>
-            <a:r>
-              <a:rPr lang="de-DE" sz="2400" b="1" dirty="0" err="1" smtClean="0">
-                <a:solidFill>
-                  <a:schemeClr val="accent2">
-                    <a:lumMod val="60000"/>
-                    <a:lumOff val="40000"/>
-                  </a:schemeClr>
-                </a:solidFill>
-              </a:rPr>
-              <a:t>calculate</a:t>
-            </a:r>
-            <a:r>
-              <a:rPr lang="de-DE" sz="2400" b="1" dirty="0" smtClean="0">
-                <a:solidFill>
-                  <a:schemeClr val="accent2">
-                    <a:lumMod val="60000"/>
-                    <a:lumOff val="40000"/>
-                  </a:schemeClr>
-                </a:solidFill>
-              </a:rPr>
-              <a:t> </a:t>
-            </a:r>
-            <a:r>
-              <a:rPr lang="de-DE" sz="2400" b="1" dirty="0" err="1" smtClean="0">
-                <a:solidFill>
-                  <a:schemeClr val="accent2">
-                    <a:lumMod val="60000"/>
-                    <a:lumOff val="40000"/>
-                  </a:schemeClr>
-                </a:solidFill>
-              </a:rPr>
-              <a:t>common</a:t>
-            </a:r>
-            <a:endParaRPr lang="de-DE" sz="2400" b="1" dirty="0">
-              <a:solidFill>
-                <a:schemeClr val="accent2">
-                  <a:lumMod val="60000"/>
-                  <a:lumOff val="40000"/>
-                </a:schemeClr>
-              </a:solidFill>
-            </a:endParaRPr>
-          </a:p>
-        </p:txBody>
-      </p:sp>
-      <p:sp>
-        <p:nvSpPr>
-          <p:cNvPr id="103" name="Textfeld 102"/>
-          <p:cNvSpPr txBox="1"/>
-          <p:nvPr/>
-        </p:nvSpPr>
-        <p:spPr>
-          <a:xfrm>
-            <a:off x="6372200" y="1988840"/>
-            <a:ext cx="1675459" cy="461665"/>
-          </a:xfrm>
-          <a:prstGeom prst="rect">
-            <a:avLst/>
-          </a:prstGeom>
-          <a:noFill/>
-        </p:spPr>
-        <p:txBody>
-          <a:bodyPr wrap="none" rtlCol="0">
-            <a:spAutoFit/>
-          </a:bodyPr>
-          <a:lstStyle/>
-          <a:p>
-            <a:r>
-              <a:rPr lang="de-DE" sz="2400" b="1" dirty="0" smtClean="0">
-                <a:solidFill>
-                  <a:srgbClr val="FF0000"/>
-                </a:solidFill>
-              </a:rPr>
-              <a:t>check </a:t>
-            </a:r>
-            <a:r>
-              <a:rPr lang="de-DE" sz="2400" b="1" dirty="0" err="1" smtClean="0">
-                <a:solidFill>
-                  <a:srgbClr val="FF0000"/>
-                </a:solidFill>
-              </a:rPr>
-              <a:t>types</a:t>
-            </a:r>
-            <a:endParaRPr lang="de-DE" sz="2400" b="1" dirty="0">
-              <a:solidFill>
-                <a:srgbClr val="FF0000"/>
-              </a:solidFill>
-            </a:endParaRPr>
-          </a:p>
-        </p:txBody>
-      </p:sp>
-      <p:sp>
-        <p:nvSpPr>
-          <p:cNvPr id="69" name="Textfeld 68"/>
-          <p:cNvSpPr txBox="1"/>
-          <p:nvPr/>
-        </p:nvSpPr>
-        <p:spPr>
-          <a:xfrm>
-            <a:off x="7000356" y="1722294"/>
-            <a:ext cx="1676100" cy="338554"/>
-          </a:xfrm>
-          <a:prstGeom prst="rect">
-            <a:avLst/>
-          </a:prstGeom>
-          <a:noFill/>
-        </p:spPr>
-        <p:txBody>
-          <a:bodyPr wrap="none" rtlCol="0">
-            <a:spAutoFit/>
-          </a:bodyPr>
-          <a:lstStyle/>
-          <a:p>
-            <a:r>
-              <a:rPr lang="de-DE" sz="1600" b="1" dirty="0" smtClean="0">
-                <a:solidFill>
-                  <a:schemeClr val="accent2">
-                    <a:lumMod val="60000"/>
-                    <a:lumOff val="40000"/>
-                  </a:schemeClr>
-                </a:solidFill>
-              </a:rPr>
-              <a:t>(type </a:t>
-            </a:r>
-            <a:r>
-              <a:rPr lang="de-DE" sz="1600" b="1" dirty="0" err="1" smtClean="0">
-                <a:solidFill>
-                  <a:schemeClr val="accent2">
-                    <a:lumMod val="60000"/>
-                    <a:lumOff val="40000"/>
-                  </a:schemeClr>
-                </a:solidFill>
-              </a:rPr>
-              <a:t>hierarchies</a:t>
-            </a:r>
-            <a:r>
-              <a:rPr lang="de-DE" sz="1600" b="1" dirty="0" smtClean="0">
-                <a:solidFill>
-                  <a:schemeClr val="accent2">
-                    <a:lumMod val="60000"/>
-                    <a:lumOff val="40000"/>
-                  </a:schemeClr>
-                </a:solidFill>
-              </a:rPr>
-              <a:t>)</a:t>
-            </a:r>
-            <a:endParaRPr lang="de-DE" sz="1600" b="1" dirty="0">
-              <a:solidFill>
-                <a:schemeClr val="accent2">
-                  <a:lumMod val="60000"/>
-                  <a:lumOff val="40000"/>
-                </a:schemeClr>
-              </a:solidFill>
-            </a:endParaRPr>
-          </a:p>
-        </p:txBody>
-      </p:sp>
-      <p:sp>
-        <p:nvSpPr>
           <p:cNvPr id="81" name="Textfeld 80"/>
           <p:cNvSpPr txBox="1"/>
           <p:nvPr/>
@@ -11505,27 +9208,7 @@
                 <a:latin typeface="Constantia" pitchFamily="18" charset="0"/>
                 <a:cs typeface="Aparajita" pitchFamily="34" charset="0"/>
               </a:rPr>
-              <a:t>In computer science, a type system may be defined as a tractable syntactic framework for classifying phrases according to the </a:t>
-            </a:r>
-            <a:r>
-              <a:rPr lang="en-US" sz="2000" b="1" dirty="0" smtClean="0">
-                <a:latin typeface="Constantia" pitchFamily="18" charset="0"/>
-                <a:cs typeface="Aparajita" pitchFamily="34" charset="0"/>
-              </a:rPr>
-              <a:t>kinds of values </a:t>
-            </a:r>
-            <a:r>
-              <a:rPr lang="en-US" sz="2000" dirty="0" smtClean="0">
-                <a:solidFill>
-                  <a:schemeClr val="tx1">
-                    <a:lumMod val="65000"/>
-                    <a:lumOff val="35000"/>
-                  </a:schemeClr>
-                </a:solidFill>
-                <a:latin typeface="Constantia" pitchFamily="18" charset="0"/>
-                <a:cs typeface="Aparajita" pitchFamily="34" charset="0"/>
-              </a:rPr>
-              <a:t>they compute. </a:t>
+              <a:t>In computer science, a type system may be defined as a tractable syntactic framework for classifying phrases according to the kinds of values they compute. </a:t>
             </a:r>
           </a:p>
           <a:p>
@@ -11554,7 +9237,27 @@
                 <a:latin typeface="Constantia" pitchFamily="18" charset="0"/>
                 <a:cs typeface="Aparajita" pitchFamily="34" charset="0"/>
               </a:rPr>
-              <a:t>A type system associates types with each computed value. By examining the flow of these values, a type system attempts to prove that no type errors can occur. </a:t>
+              <a:t>A type system </a:t>
+            </a:r>
+            <a:r>
+              <a:rPr lang="en-US" sz="2000" b="1" dirty="0" smtClean="0">
+                <a:latin typeface="Constantia" pitchFamily="18" charset="0"/>
+                <a:cs typeface="Aparajita" pitchFamily="34" charset="0"/>
+              </a:rPr>
+              <a:t>associates types with each computed value</a:t>
+            </a:r>
+            <a:r>
+              <a:rPr lang="en-US" sz="2000" dirty="0" smtClean="0">
+                <a:solidFill>
+                  <a:schemeClr val="tx1">
+                    <a:lumMod val="65000"/>
+                    <a:lumOff val="35000"/>
+                  </a:schemeClr>
+                </a:solidFill>
+                <a:latin typeface="Constantia" pitchFamily="18" charset="0"/>
+                <a:cs typeface="Aparajita" pitchFamily="34" charset="0"/>
+              </a:rPr>
+              <a:t>. By examining the flow of these values, a type system attempts to prove that no type errors can occur. </a:t>
             </a:r>
           </a:p>
           <a:p>
@@ -11733,27 +9436,7 @@
                 <a:latin typeface="Constantia" pitchFamily="18" charset="0"/>
                 <a:cs typeface="Aparajita" pitchFamily="34" charset="0"/>
               </a:rPr>
-              <a:t>In computer science, a type system may be defined as a tractable syntactic framework for classifying phrases according to the </a:t>
-            </a:r>
-            <a:r>
-              <a:rPr lang="en-US" sz="2000" b="1" dirty="0" smtClean="0">
-                <a:latin typeface="Constantia" pitchFamily="18" charset="0"/>
-                <a:cs typeface="Aparajita" pitchFamily="34" charset="0"/>
-              </a:rPr>
-              <a:t>kinds of values </a:t>
-            </a:r>
-            <a:r>
-              <a:rPr lang="en-US" sz="2000" dirty="0" smtClean="0">
-                <a:solidFill>
-                  <a:schemeClr val="tx1">
-                    <a:lumMod val="65000"/>
-                    <a:lumOff val="35000"/>
-                  </a:schemeClr>
-                </a:solidFill>
-                <a:latin typeface="Constantia" pitchFamily="18" charset="0"/>
-                <a:cs typeface="Aparajita" pitchFamily="34" charset="0"/>
-              </a:rPr>
-              <a:t>they compute. </a:t>
+              <a:t>In computer science, a type system may be defined as a tractable syntactic framework for classifying phrases according to the kinds of values they compute. </a:t>
             </a:r>
           </a:p>
           <a:p>
@@ -11831,7 +9514,27 @@
                 <a:latin typeface="Constantia" pitchFamily="18" charset="0"/>
                 <a:cs typeface="Aparajita" pitchFamily="34" charset="0"/>
               </a:rPr>
-              <a:t>The type system in question determines what constitutes a type error, but a type system generally seeks to guarantee that operations expecting a certain kind of value are not used with values for which that operation makes no sense.</a:t>
+              <a:t>The type system in question </a:t>
+            </a:r>
+            <a:r>
+              <a:rPr lang="en-US" sz="2000" b="1" dirty="0" smtClean="0">
+                <a:latin typeface="Constantia" pitchFamily="18" charset="0"/>
+                <a:cs typeface="Aparajita" pitchFamily="34" charset="0"/>
+              </a:rPr>
+              <a:t>determines what constitutes a type error</a:t>
+            </a:r>
+            <a:r>
+              <a:rPr lang="en-US" sz="2000" dirty="0" smtClean="0">
+                <a:solidFill>
+                  <a:schemeClr val="tx1">
+                    <a:lumMod val="65000"/>
+                    <a:lumOff val="35000"/>
+                  </a:schemeClr>
+                </a:solidFill>
+                <a:latin typeface="Constantia" pitchFamily="18" charset="0"/>
+                <a:cs typeface="Aparajita" pitchFamily="34" charset="0"/>
+              </a:rPr>
+              <a:t>, but a type system generally seeks to guarantee that operations expecting a certain kind of value are not used with values for which that operation makes no sense.</a:t>
             </a:r>
           </a:p>
         </p:txBody>
@@ -11907,242 +9610,26 @@
           <a:chExt cx="0" cy="0"/>
         </a:xfrm>
       </p:grpSpPr>
-      <p:pic>
-        <p:nvPicPr>
-          <p:cNvPr id="5123" name="Picture 3"/>
-          <p:cNvPicPr>
-            <a:picLocks noChangeAspect="1" noChangeArrowheads="1"/>
-          </p:cNvPicPr>
-          <p:nvPr/>
-        </p:nvPicPr>
-        <p:blipFill>
-          <a:blip r:embed="rId2" cstate="print">
-            <a:duotone>
-              <a:schemeClr val="bg2">
-                <a:shade val="45000"/>
-                <a:satMod val="135000"/>
-              </a:schemeClr>
-              <a:prstClr val="white"/>
-            </a:duotone>
-          </a:blip>
-          <a:srcRect/>
-          <a:stretch>
-            <a:fillRect/>
-          </a:stretch>
-        </p:blipFill>
-        <p:spPr bwMode="auto">
-          <a:xfrm>
-            <a:off x="4788024" y="4077072"/>
-            <a:ext cx="3384376" cy="2538282"/>
-          </a:xfrm>
-          <a:prstGeom prst="rect">
-            <a:avLst/>
-          </a:prstGeom>
-          <a:noFill/>
-          <a:ln w="9525">
-            <a:noFill/>
-            <a:miter lim="800000"/>
-            <a:headEnd/>
-            <a:tailEnd/>
-          </a:ln>
-        </p:spPr>
-      </p:pic>
-      <p:sp>
-        <p:nvSpPr>
-          <p:cNvPr id="10" name="Textfeld 9"/>
-          <p:cNvSpPr txBox="1"/>
-          <p:nvPr/>
-        </p:nvSpPr>
-        <p:spPr>
-          <a:xfrm>
-            <a:off x="827584" y="1351796"/>
-            <a:ext cx="6264696" cy="3916457"/>
-          </a:xfrm>
-          <a:prstGeom prst="rect">
-            <a:avLst/>
-          </a:prstGeom>
-          <a:noFill/>
-        </p:spPr>
-        <p:txBody>
-          <a:bodyPr wrap="square" rtlCol="0">
-            <a:spAutoFit/>
-          </a:bodyPr>
-          <a:lstStyle/>
-          <a:p>
-            <a:pPr algn="just"/>
-            <a:r>
-              <a:rPr lang="en-US" sz="2000" dirty="0" smtClean="0">
-                <a:solidFill>
-                  <a:schemeClr val="tx1">
-                    <a:lumMod val="65000"/>
-                    <a:lumOff val="35000"/>
-                  </a:schemeClr>
-                </a:solidFill>
-                <a:latin typeface="Constantia" pitchFamily="18" charset="0"/>
-                <a:cs typeface="Aparajita" pitchFamily="34" charset="0"/>
-              </a:rPr>
-              <a:t>In computer science, a type system may be defined as a tractable syntactic framework for classifying phrases according to the </a:t>
-            </a:r>
-            <a:r>
-              <a:rPr lang="en-US" sz="2000" b="1" dirty="0" smtClean="0">
-                <a:latin typeface="Constantia" pitchFamily="18" charset="0"/>
-                <a:cs typeface="Aparajita" pitchFamily="34" charset="0"/>
-              </a:rPr>
-              <a:t>kinds of values </a:t>
-            </a:r>
-            <a:r>
-              <a:rPr lang="en-US" sz="2000" dirty="0" smtClean="0">
-                <a:solidFill>
-                  <a:schemeClr val="tx1">
-                    <a:lumMod val="65000"/>
-                    <a:lumOff val="35000"/>
-                  </a:schemeClr>
-                </a:solidFill>
-                <a:latin typeface="Constantia" pitchFamily="18" charset="0"/>
-                <a:cs typeface="Aparajita" pitchFamily="34" charset="0"/>
-              </a:rPr>
-              <a:t>they compute. </a:t>
-            </a:r>
-          </a:p>
-          <a:p>
-            <a:pPr algn="just"/>
-            <a:endParaRPr lang="en-US" sz="1050" dirty="0">
-              <a:solidFill>
-                <a:schemeClr val="tx1">
-                  <a:lumMod val="65000"/>
-                  <a:lumOff val="35000"/>
-                </a:schemeClr>
-              </a:solidFill>
-              <a:latin typeface="Constantia" pitchFamily="18" charset="0"/>
-              <a:cs typeface="Aparajita" pitchFamily="34" charset="0"/>
-            </a:endParaRPr>
-          </a:p>
-          <a:p>
-            <a:pPr algn="just"/>
-            <a:r>
-              <a:rPr lang="en-US" sz="2000" dirty="0" smtClean="0">
-                <a:solidFill>
-                  <a:schemeClr val="tx1">
-                    <a:lumMod val="65000"/>
-                    <a:lumOff val="35000"/>
-                  </a:schemeClr>
-                </a:solidFill>
-                <a:latin typeface="Constantia" pitchFamily="18" charset="0"/>
-                <a:cs typeface="Aparajita" pitchFamily="34" charset="0"/>
-              </a:rPr>
-              <a:t>A type system </a:t>
-            </a:r>
-            <a:r>
-              <a:rPr lang="en-US" sz="2000" b="1" dirty="0" smtClean="0">
-                <a:latin typeface="Constantia" pitchFamily="18" charset="0"/>
-                <a:cs typeface="Aparajita" pitchFamily="34" charset="0"/>
-              </a:rPr>
-              <a:t>associates types with each computed value</a:t>
-            </a:r>
-            <a:r>
-              <a:rPr lang="en-US" sz="2000" dirty="0" smtClean="0">
-                <a:solidFill>
-                  <a:schemeClr val="tx1">
-                    <a:lumMod val="65000"/>
-                    <a:lumOff val="35000"/>
-                  </a:schemeClr>
-                </a:solidFill>
-                <a:latin typeface="Constantia" pitchFamily="18" charset="0"/>
-                <a:cs typeface="Aparajita" pitchFamily="34" charset="0"/>
-              </a:rPr>
-              <a:t>. By examining the flow of these values, a type system attempts to prove that no type errors can occur. </a:t>
-            </a:r>
-          </a:p>
-          <a:p>
-            <a:pPr algn="just"/>
-            <a:endParaRPr lang="en-US" sz="1000" dirty="0">
-              <a:solidFill>
-                <a:schemeClr val="tx1">
-                  <a:lumMod val="65000"/>
-                  <a:lumOff val="35000"/>
-                </a:schemeClr>
-              </a:solidFill>
-              <a:latin typeface="Constantia" pitchFamily="18" charset="0"/>
-              <a:cs typeface="Aparajita" pitchFamily="34" charset="0"/>
-            </a:endParaRPr>
-          </a:p>
-          <a:p>
-            <a:pPr algn="just"/>
-            <a:r>
-              <a:rPr lang="en-US" sz="2000" dirty="0" smtClean="0">
-                <a:solidFill>
-                  <a:schemeClr val="tx1">
-                    <a:lumMod val="65000"/>
-                    <a:lumOff val="35000"/>
-                  </a:schemeClr>
-                </a:solidFill>
-                <a:latin typeface="Constantia" pitchFamily="18" charset="0"/>
-                <a:cs typeface="Aparajita" pitchFamily="34" charset="0"/>
-              </a:rPr>
-              <a:t>The type system in question </a:t>
-            </a:r>
-            <a:r>
-              <a:rPr lang="en-US" sz="2000" b="1" dirty="0" smtClean="0">
-                <a:latin typeface="Constantia" pitchFamily="18" charset="0"/>
-                <a:cs typeface="Aparajita" pitchFamily="34" charset="0"/>
-              </a:rPr>
-              <a:t>determines what constitutes a type error</a:t>
-            </a:r>
-            <a:r>
-              <a:rPr lang="en-US" sz="2000" dirty="0" smtClean="0">
-                <a:solidFill>
-                  <a:schemeClr val="tx1">
-                    <a:lumMod val="65000"/>
-                    <a:lumOff val="35000"/>
-                  </a:schemeClr>
-                </a:solidFill>
-                <a:latin typeface="Constantia" pitchFamily="18" charset="0"/>
-                <a:cs typeface="Aparajita" pitchFamily="34" charset="0"/>
-              </a:rPr>
-              <a:t>, but a type system generally seeks to guarantee that operations expecting a certain kind of value are not used with values for which that operation makes no sense.</a:t>
-            </a:r>
-          </a:p>
-        </p:txBody>
-      </p:sp>
-      <p:sp>
-        <p:nvSpPr>
-          <p:cNvPr id="7" name="Textfeld 6"/>
-          <p:cNvSpPr txBox="1"/>
-          <p:nvPr/>
-        </p:nvSpPr>
-        <p:spPr>
-          <a:xfrm>
-            <a:off x="827584" y="868650"/>
-            <a:ext cx="6264696" cy="400110"/>
-          </a:xfrm>
-          <a:prstGeom prst="rect">
-            <a:avLst/>
-          </a:prstGeom>
-          <a:noFill/>
-        </p:spPr>
-        <p:txBody>
-          <a:bodyPr wrap="square" rtlCol="0">
-            <a:spAutoFit/>
-          </a:bodyPr>
-          <a:lstStyle/>
-          <a:p>
-            <a:r>
-              <a:rPr lang="en-US" sz="2000" b="1" dirty="0" err="1" smtClean="0">
-                <a:latin typeface="Constantia" pitchFamily="18" charset="0"/>
-                <a:cs typeface="Aparajita" pitchFamily="34" charset="0"/>
-              </a:rPr>
-              <a:t>Typesystem</a:t>
-            </a:r>
-            <a:r>
-              <a:rPr lang="en-US" sz="2000" b="1" dirty="0" smtClean="0">
-                <a:latin typeface="Constantia" pitchFamily="18" charset="0"/>
-                <a:cs typeface="Aparajita" pitchFamily="34" charset="0"/>
-              </a:rPr>
-              <a:t> (from Wikipedia)</a:t>
-            </a:r>
-          </a:p>
-        </p:txBody>
-      </p:sp>
+      <p:graphicFrame>
+        <p:nvGraphicFramePr>
+          <p:cNvPr id="16" name="Objekt 15"/>
+          <p:cNvGraphicFramePr>
+            <a:graphicFrameLocks noChangeAspect="1"/>
+          </p:cNvGraphicFramePr>
+          <p:nvPr/>
+        </p:nvGraphicFramePr>
+        <p:xfrm>
+          <a:off x="539552" y="331564"/>
+          <a:ext cx="2592387" cy="865188"/>
+        </p:xfrm>
+        <a:graphic>
+          <a:graphicData uri="http://schemas.openxmlformats.org/presentationml/2006/ole">
+            <p:oleObj spid="_x0000_s25602" name="Formel" r:id="rId3" imgW="1371600" imgH="457200" progId="Equation.3">
+              <p:embed/>
+            </p:oleObj>
+          </a:graphicData>
+        </a:graphic>
+      </p:graphicFrame>
     </p:spTree>
   </p:cSld>
   <p:clrMapOvr>
@@ -12189,12 +9676,1412 @@
         </p:xfrm>
         <a:graphic>
           <a:graphicData uri="http://schemas.openxmlformats.org/presentationml/2006/ole">
-            <p:oleObj spid="_x0000_s25602" name="Formel" r:id="rId3" imgW="1371600" imgH="457200" progId="Equation.3">
+            <p:oleObj spid="_x0000_s10242" name="Formel" r:id="rId3" imgW="1371600" imgH="457200" progId="Equation.3">
               <p:embed/>
             </p:oleObj>
           </a:graphicData>
         </a:graphic>
       </p:graphicFrame>
+      <p:sp>
+        <p:nvSpPr>
+          <p:cNvPr id="17" name="Rechteck 16"/>
+          <p:cNvSpPr/>
+          <p:nvPr/>
+        </p:nvSpPr>
+        <p:spPr>
+          <a:xfrm>
+            <a:off x="590224" y="1628800"/>
+            <a:ext cx="1053117" cy="432048"/>
+          </a:xfrm>
+          <a:prstGeom prst="rect">
+            <a:avLst/>
+          </a:prstGeom>
+          <a:solidFill>
+            <a:schemeClr val="bg1">
+              <a:lumMod val="85000"/>
+            </a:schemeClr>
+          </a:solidFill>
+          <a:ln>
+            <a:noFill/>
+          </a:ln>
+          <a:effectLst>
+            <a:outerShdw blurRad="50800" dist="38100" dir="2700000" algn="tl" rotWithShape="0">
+              <a:prstClr val="black">
+                <a:alpha val="40000"/>
+              </a:prstClr>
+            </a:outerShdw>
+          </a:effectLst>
+        </p:spPr>
+        <p:style>
+          <a:lnRef idx="2">
+            <a:schemeClr val="accent1">
+              <a:shade val="50000"/>
+            </a:schemeClr>
+          </a:lnRef>
+          <a:fillRef idx="1">
+            <a:schemeClr val="accent1"/>
+          </a:fillRef>
+          <a:effectRef idx="0">
+            <a:schemeClr val="accent1"/>
+          </a:effectRef>
+          <a:fontRef idx="minor">
+            <a:schemeClr val="lt1"/>
+          </a:fontRef>
+        </p:style>
+        <p:txBody>
+          <a:bodyPr rtlCol="0" anchor="ctr"/>
+          <a:lstStyle/>
+          <a:p>
+            <a:pPr algn="ctr"/>
+            <a:r>
+              <a:rPr lang="de-DE" b="1" dirty="0" smtClean="0">
+                <a:solidFill>
+                  <a:schemeClr val="tx1"/>
+                </a:solidFill>
+                <a:latin typeface="Constantia" pitchFamily="18" charset="0"/>
+              </a:rPr>
+              <a:t>x: </a:t>
+            </a:r>
+            <a:r>
+              <a:rPr lang="de-DE" b="1" dirty="0" err="1" smtClean="0">
+                <a:solidFill>
+                  <a:schemeClr val="tx1"/>
+                </a:solidFill>
+                <a:latin typeface="Constantia" pitchFamily="18" charset="0"/>
+              </a:rPr>
+              <a:t>Var</a:t>
+            </a:r>
+            <a:endParaRPr lang="de-DE" b="1" dirty="0">
+              <a:solidFill>
+                <a:schemeClr val="tx1"/>
+              </a:solidFill>
+              <a:latin typeface="Constantia" pitchFamily="18" charset="0"/>
+            </a:endParaRPr>
+          </a:p>
+        </p:txBody>
+      </p:sp>
+      <p:sp>
+        <p:nvSpPr>
+          <p:cNvPr id="18" name="Rechteck 17"/>
+          <p:cNvSpPr/>
+          <p:nvPr/>
+        </p:nvSpPr>
+        <p:spPr>
+          <a:xfrm>
+            <a:off x="467544" y="2634640"/>
+            <a:ext cx="1296144" cy="432048"/>
+          </a:xfrm>
+          <a:prstGeom prst="rect">
+            <a:avLst/>
+          </a:prstGeom>
+          <a:solidFill>
+            <a:schemeClr val="bg1">
+              <a:lumMod val="85000"/>
+            </a:schemeClr>
+          </a:solidFill>
+          <a:ln>
+            <a:noFill/>
+          </a:ln>
+          <a:effectLst>
+            <a:outerShdw blurRad="50800" dist="38100" dir="2700000" algn="tl" rotWithShape="0">
+              <a:prstClr val="black">
+                <a:alpha val="40000"/>
+              </a:prstClr>
+            </a:outerShdw>
+          </a:effectLst>
+        </p:spPr>
+        <p:style>
+          <a:lnRef idx="2">
+            <a:schemeClr val="accent1">
+              <a:shade val="50000"/>
+            </a:schemeClr>
+          </a:lnRef>
+          <a:fillRef idx="1">
+            <a:schemeClr val="accent1"/>
+          </a:fillRef>
+          <a:effectRef idx="0">
+            <a:schemeClr val="accent1"/>
+          </a:effectRef>
+          <a:fontRef idx="minor">
+            <a:schemeClr val="lt1"/>
+          </a:fontRef>
+        </p:style>
+        <p:txBody>
+          <a:bodyPr rtlCol="0" anchor="ctr"/>
+          <a:lstStyle/>
+          <a:p>
+            <a:pPr algn="ctr"/>
+            <a:r>
+              <a:rPr lang="de-DE" b="1" dirty="0" err="1" smtClean="0">
+                <a:solidFill>
+                  <a:schemeClr val="tx1"/>
+                </a:solidFill>
+                <a:latin typeface="Constantia" pitchFamily="18" charset="0"/>
+              </a:rPr>
+              <a:t>IntType</a:t>
+            </a:r>
+            <a:endParaRPr lang="de-DE" b="1" dirty="0">
+              <a:solidFill>
+                <a:schemeClr val="tx1"/>
+              </a:solidFill>
+              <a:latin typeface="Constantia" pitchFamily="18" charset="0"/>
+            </a:endParaRPr>
+          </a:p>
+        </p:txBody>
+      </p:sp>
+      <p:cxnSp>
+        <p:nvCxnSpPr>
+          <p:cNvPr id="20" name="Gerade Verbindung mit Pfeil 19"/>
+          <p:cNvCxnSpPr>
+            <a:stCxn id="17" idx="2"/>
+            <a:endCxn id="18" idx="0"/>
+          </p:cNvCxnSpPr>
+          <p:nvPr/>
+        </p:nvCxnSpPr>
+        <p:spPr>
+          <a:xfrm rot="5400000">
+            <a:off x="829304" y="2347161"/>
+            <a:ext cx="573792" cy="1167"/>
+          </a:xfrm>
+          <a:prstGeom prst="straightConnector1">
+            <a:avLst/>
+          </a:prstGeom>
+          <a:ln w="15875">
+            <a:solidFill>
+              <a:schemeClr val="tx1"/>
+            </a:solidFill>
+            <a:tailEnd type="arrow"/>
+          </a:ln>
+        </p:spPr>
+        <p:style>
+          <a:lnRef idx="1">
+            <a:schemeClr val="accent1"/>
+          </a:lnRef>
+          <a:fillRef idx="0">
+            <a:schemeClr val="accent1"/>
+          </a:fillRef>
+          <a:effectRef idx="0">
+            <a:schemeClr val="accent1"/>
+          </a:effectRef>
+          <a:fontRef idx="minor">
+            <a:schemeClr val="tx1"/>
+          </a:fontRef>
+        </p:style>
+      </p:cxnSp>
+      <p:sp>
+        <p:nvSpPr>
+          <p:cNvPr id="26" name="Textfeld 25"/>
+          <p:cNvSpPr txBox="1"/>
+          <p:nvPr/>
+        </p:nvSpPr>
+        <p:spPr>
+          <a:xfrm>
+            <a:off x="1115616" y="2326863"/>
+            <a:ext cx="694662" cy="307777"/>
+          </a:xfrm>
+          <a:prstGeom prst="rect">
+            <a:avLst/>
+          </a:prstGeom>
+          <a:noFill/>
+        </p:spPr>
+        <p:txBody>
+          <a:bodyPr wrap="square" rtlCol="0">
+            <a:spAutoFit/>
+          </a:bodyPr>
+          <a:lstStyle/>
+          <a:p>
+            <a:r>
+              <a:rPr lang="de-DE" sz="1400" dirty="0" smtClean="0">
+                <a:latin typeface="Constantia" pitchFamily="18" charset="0"/>
+              </a:rPr>
+              <a:t>type</a:t>
+            </a:r>
+            <a:endParaRPr lang="de-DE" sz="1400" dirty="0">
+              <a:latin typeface="Constantia" pitchFamily="18" charset="0"/>
+            </a:endParaRPr>
+          </a:p>
+        </p:txBody>
+      </p:sp>
+      <p:sp>
+        <p:nvSpPr>
+          <p:cNvPr id="29" name="Rechteck 28"/>
+          <p:cNvSpPr/>
+          <p:nvPr/>
+        </p:nvSpPr>
+        <p:spPr>
+          <a:xfrm>
+            <a:off x="2534440" y="1628800"/>
+            <a:ext cx="1053117" cy="432048"/>
+          </a:xfrm>
+          <a:prstGeom prst="rect">
+            <a:avLst/>
+          </a:prstGeom>
+          <a:solidFill>
+            <a:schemeClr val="bg1">
+              <a:lumMod val="85000"/>
+            </a:schemeClr>
+          </a:solidFill>
+          <a:ln>
+            <a:noFill/>
+          </a:ln>
+          <a:effectLst>
+            <a:outerShdw blurRad="50800" dist="38100" dir="2700000" algn="tl" rotWithShape="0">
+              <a:prstClr val="black">
+                <a:alpha val="40000"/>
+              </a:prstClr>
+            </a:outerShdw>
+          </a:effectLst>
+        </p:spPr>
+        <p:style>
+          <a:lnRef idx="2">
+            <a:schemeClr val="accent1">
+              <a:shade val="50000"/>
+            </a:schemeClr>
+          </a:lnRef>
+          <a:fillRef idx="1">
+            <a:schemeClr val="accent1"/>
+          </a:fillRef>
+          <a:effectRef idx="0">
+            <a:schemeClr val="accent1"/>
+          </a:effectRef>
+          <a:fontRef idx="minor">
+            <a:schemeClr val="lt1"/>
+          </a:fontRef>
+        </p:style>
+        <p:txBody>
+          <a:bodyPr rtlCol="0" anchor="ctr"/>
+          <a:lstStyle/>
+          <a:p>
+            <a:pPr algn="ctr"/>
+            <a:r>
+              <a:rPr lang="de-DE" b="1" dirty="0" smtClean="0">
+                <a:solidFill>
+                  <a:schemeClr val="tx1"/>
+                </a:solidFill>
+                <a:latin typeface="Constantia" pitchFamily="18" charset="0"/>
+              </a:rPr>
+              <a:t>y: </a:t>
+            </a:r>
+            <a:r>
+              <a:rPr lang="de-DE" b="1" dirty="0" err="1" smtClean="0">
+                <a:solidFill>
+                  <a:schemeClr val="tx1"/>
+                </a:solidFill>
+                <a:latin typeface="Constantia" pitchFamily="18" charset="0"/>
+              </a:rPr>
+              <a:t>Calc</a:t>
+            </a:r>
+            <a:endParaRPr lang="de-DE" b="1" dirty="0">
+              <a:solidFill>
+                <a:schemeClr val="tx1"/>
+              </a:solidFill>
+              <a:latin typeface="Constantia" pitchFamily="18" charset="0"/>
+            </a:endParaRPr>
+          </a:p>
+        </p:txBody>
+      </p:sp>
+      <p:sp>
+        <p:nvSpPr>
+          <p:cNvPr id="30" name="Rechteck 29"/>
+          <p:cNvSpPr/>
+          <p:nvPr/>
+        </p:nvSpPr>
+        <p:spPr>
+          <a:xfrm>
+            <a:off x="2411760" y="2634640"/>
+            <a:ext cx="1296144" cy="432048"/>
+          </a:xfrm>
+          <a:prstGeom prst="rect">
+            <a:avLst/>
+          </a:prstGeom>
+          <a:solidFill>
+            <a:schemeClr val="bg1">
+              <a:lumMod val="85000"/>
+            </a:schemeClr>
+          </a:solidFill>
+          <a:ln>
+            <a:noFill/>
+          </a:ln>
+          <a:effectLst>
+            <a:outerShdw blurRad="50800" dist="38100" dir="2700000" algn="tl" rotWithShape="0">
+              <a:prstClr val="black">
+                <a:alpha val="40000"/>
+              </a:prstClr>
+            </a:outerShdw>
+          </a:effectLst>
+        </p:spPr>
+        <p:style>
+          <a:lnRef idx="2">
+            <a:schemeClr val="accent1">
+              <a:shade val="50000"/>
+            </a:schemeClr>
+          </a:lnRef>
+          <a:fillRef idx="1">
+            <a:schemeClr val="accent1"/>
+          </a:fillRef>
+          <a:effectRef idx="0">
+            <a:schemeClr val="accent1"/>
+          </a:effectRef>
+          <a:fontRef idx="minor">
+            <a:schemeClr val="lt1"/>
+          </a:fontRef>
+        </p:style>
+        <p:txBody>
+          <a:bodyPr rtlCol="0" anchor="ctr"/>
+          <a:lstStyle/>
+          <a:p>
+            <a:pPr algn="ctr"/>
+            <a:r>
+              <a:rPr lang="de-DE" b="1" dirty="0" err="1" smtClean="0">
+                <a:solidFill>
+                  <a:schemeClr val="tx1"/>
+                </a:solidFill>
+                <a:latin typeface="Constantia" pitchFamily="18" charset="0"/>
+              </a:rPr>
+              <a:t>IntType</a:t>
+            </a:r>
+            <a:endParaRPr lang="de-DE" b="1" dirty="0">
+              <a:solidFill>
+                <a:schemeClr val="tx1"/>
+              </a:solidFill>
+              <a:latin typeface="Constantia" pitchFamily="18" charset="0"/>
+            </a:endParaRPr>
+          </a:p>
+        </p:txBody>
+      </p:sp>
+      <p:cxnSp>
+        <p:nvCxnSpPr>
+          <p:cNvPr id="31" name="Gerade Verbindung mit Pfeil 30"/>
+          <p:cNvCxnSpPr>
+            <a:stCxn id="29" idx="2"/>
+            <a:endCxn id="30" idx="0"/>
+          </p:cNvCxnSpPr>
+          <p:nvPr/>
+        </p:nvCxnSpPr>
+        <p:spPr>
+          <a:xfrm rot="5400000">
+            <a:off x="2773520" y="2347161"/>
+            <a:ext cx="573792" cy="1167"/>
+          </a:xfrm>
+          <a:prstGeom prst="straightConnector1">
+            <a:avLst/>
+          </a:prstGeom>
+          <a:ln w="15875">
+            <a:solidFill>
+              <a:schemeClr val="tx1"/>
+            </a:solidFill>
+            <a:tailEnd type="arrow"/>
+          </a:ln>
+        </p:spPr>
+        <p:style>
+          <a:lnRef idx="1">
+            <a:schemeClr val="accent1"/>
+          </a:lnRef>
+          <a:fillRef idx="0">
+            <a:schemeClr val="accent1"/>
+          </a:fillRef>
+          <a:effectRef idx="0">
+            <a:schemeClr val="accent1"/>
+          </a:effectRef>
+          <a:fontRef idx="minor">
+            <a:schemeClr val="tx1"/>
+          </a:fontRef>
+        </p:style>
+      </p:cxnSp>
+      <p:sp>
+        <p:nvSpPr>
+          <p:cNvPr id="32" name="Textfeld 31"/>
+          <p:cNvSpPr txBox="1"/>
+          <p:nvPr/>
+        </p:nvSpPr>
+        <p:spPr>
+          <a:xfrm>
+            <a:off x="3059832" y="2326863"/>
+            <a:ext cx="694662" cy="307777"/>
+          </a:xfrm>
+          <a:prstGeom prst="rect">
+            <a:avLst/>
+          </a:prstGeom>
+          <a:noFill/>
+        </p:spPr>
+        <p:txBody>
+          <a:bodyPr wrap="square" rtlCol="0">
+            <a:spAutoFit/>
+          </a:bodyPr>
+          <a:lstStyle/>
+          <a:p>
+            <a:r>
+              <a:rPr lang="de-DE" sz="1400" dirty="0" smtClean="0">
+                <a:latin typeface="Constantia" pitchFamily="18" charset="0"/>
+              </a:rPr>
+              <a:t>type</a:t>
+            </a:r>
+            <a:endParaRPr lang="de-DE" sz="1400" dirty="0">
+              <a:latin typeface="Constantia" pitchFamily="18" charset="0"/>
+            </a:endParaRPr>
+          </a:p>
+        </p:txBody>
+      </p:sp>
+      <p:sp>
+        <p:nvSpPr>
+          <p:cNvPr id="34" name="Rechteck 33"/>
+          <p:cNvSpPr/>
+          <p:nvPr/>
+        </p:nvSpPr>
+        <p:spPr>
+          <a:xfrm>
+            <a:off x="3995936" y="2634640"/>
+            <a:ext cx="1296144" cy="432048"/>
+          </a:xfrm>
+          <a:prstGeom prst="rect">
+            <a:avLst/>
+          </a:prstGeom>
+          <a:solidFill>
+            <a:schemeClr val="bg1">
+              <a:lumMod val="85000"/>
+            </a:schemeClr>
+          </a:solidFill>
+          <a:ln>
+            <a:noFill/>
+          </a:ln>
+          <a:effectLst>
+            <a:outerShdw blurRad="50800" dist="38100" dir="2700000" algn="tl" rotWithShape="0">
+              <a:prstClr val="black">
+                <a:alpha val="40000"/>
+              </a:prstClr>
+            </a:outerShdw>
+          </a:effectLst>
+        </p:spPr>
+        <p:style>
+          <a:lnRef idx="2">
+            <a:schemeClr val="accent1">
+              <a:shade val="50000"/>
+            </a:schemeClr>
+          </a:lnRef>
+          <a:fillRef idx="1">
+            <a:schemeClr val="accent1"/>
+          </a:fillRef>
+          <a:effectRef idx="0">
+            <a:schemeClr val="accent1"/>
+          </a:effectRef>
+          <a:fontRef idx="minor">
+            <a:schemeClr val="lt1"/>
+          </a:fontRef>
+        </p:style>
+        <p:txBody>
+          <a:bodyPr rtlCol="0" anchor="ctr"/>
+          <a:lstStyle/>
+          <a:p>
+            <a:pPr algn="ctr"/>
+            <a:r>
+              <a:rPr lang="de-DE" b="1" dirty="0" smtClean="0">
+                <a:solidFill>
+                  <a:schemeClr val="tx1"/>
+                </a:solidFill>
+                <a:latin typeface="Constantia" pitchFamily="18" charset="0"/>
+              </a:rPr>
+              <a:t>Plus</a:t>
+            </a:r>
+            <a:endParaRPr lang="de-DE" b="1" dirty="0">
+              <a:solidFill>
+                <a:schemeClr val="tx1"/>
+              </a:solidFill>
+              <a:latin typeface="Constantia" pitchFamily="18" charset="0"/>
+            </a:endParaRPr>
+          </a:p>
+        </p:txBody>
+      </p:sp>
+      <p:cxnSp>
+        <p:nvCxnSpPr>
+          <p:cNvPr id="35" name="Gerade Verbindung mit Pfeil 34"/>
+          <p:cNvCxnSpPr>
+            <a:stCxn id="29" idx="2"/>
+            <a:endCxn id="34" idx="0"/>
+          </p:cNvCxnSpPr>
+          <p:nvPr/>
+        </p:nvCxnSpPr>
+        <p:spPr>
+          <a:xfrm rot="16200000" flipH="1">
+            <a:off x="3565607" y="1556239"/>
+            <a:ext cx="573792" cy="1583009"/>
+          </a:xfrm>
+          <a:prstGeom prst="straightConnector1">
+            <a:avLst/>
+          </a:prstGeom>
+          <a:ln w="15875">
+            <a:solidFill>
+              <a:schemeClr val="tx1"/>
+            </a:solidFill>
+            <a:tailEnd type="arrow"/>
+          </a:ln>
+        </p:spPr>
+        <p:style>
+          <a:lnRef idx="1">
+            <a:schemeClr val="accent1"/>
+          </a:lnRef>
+          <a:fillRef idx="0">
+            <a:schemeClr val="accent1"/>
+          </a:fillRef>
+          <a:effectRef idx="0">
+            <a:schemeClr val="accent1"/>
+          </a:effectRef>
+          <a:fontRef idx="minor">
+            <a:schemeClr val="tx1"/>
+          </a:fontRef>
+        </p:style>
+      </p:cxnSp>
+      <p:sp>
+        <p:nvSpPr>
+          <p:cNvPr id="38" name="Textfeld 37"/>
+          <p:cNvSpPr txBox="1"/>
+          <p:nvPr/>
+        </p:nvSpPr>
+        <p:spPr>
+          <a:xfrm>
+            <a:off x="4597418" y="2346608"/>
+            <a:ext cx="694662" cy="307777"/>
+          </a:xfrm>
+          <a:prstGeom prst="rect">
+            <a:avLst/>
+          </a:prstGeom>
+          <a:noFill/>
+        </p:spPr>
+        <p:txBody>
+          <a:bodyPr wrap="square" rtlCol="0">
+            <a:spAutoFit/>
+          </a:bodyPr>
+          <a:lstStyle/>
+          <a:p>
+            <a:r>
+              <a:rPr lang="de-DE" sz="1400" dirty="0" err="1" smtClean="0">
+                <a:latin typeface="Constantia" pitchFamily="18" charset="0"/>
+              </a:rPr>
+              <a:t>expr</a:t>
+            </a:r>
+            <a:endParaRPr lang="de-DE" sz="1400" dirty="0">
+              <a:latin typeface="Constantia" pitchFamily="18" charset="0"/>
+            </a:endParaRPr>
+          </a:p>
+        </p:txBody>
+      </p:sp>
+      <p:sp>
+        <p:nvSpPr>
+          <p:cNvPr id="40" name="Rechteck 39"/>
+          <p:cNvSpPr/>
+          <p:nvPr/>
+        </p:nvSpPr>
+        <p:spPr>
+          <a:xfrm>
+            <a:off x="3203848" y="3714760"/>
+            <a:ext cx="1296144" cy="432048"/>
+          </a:xfrm>
+          <a:prstGeom prst="rect">
+            <a:avLst/>
+          </a:prstGeom>
+          <a:solidFill>
+            <a:schemeClr val="bg1">
+              <a:lumMod val="85000"/>
+            </a:schemeClr>
+          </a:solidFill>
+          <a:ln>
+            <a:noFill/>
+          </a:ln>
+          <a:effectLst>
+            <a:outerShdw blurRad="50800" dist="38100" dir="2700000" algn="tl" rotWithShape="0">
+              <a:prstClr val="black">
+                <a:alpha val="40000"/>
+              </a:prstClr>
+            </a:outerShdw>
+          </a:effectLst>
+        </p:spPr>
+        <p:style>
+          <a:lnRef idx="2">
+            <a:schemeClr val="accent1">
+              <a:shade val="50000"/>
+            </a:schemeClr>
+          </a:lnRef>
+          <a:fillRef idx="1">
+            <a:schemeClr val="accent1"/>
+          </a:fillRef>
+          <a:effectRef idx="0">
+            <a:schemeClr val="accent1"/>
+          </a:effectRef>
+          <a:fontRef idx="minor">
+            <a:schemeClr val="lt1"/>
+          </a:fontRef>
+        </p:style>
+        <p:txBody>
+          <a:bodyPr rtlCol="0" anchor="ctr"/>
+          <a:lstStyle/>
+          <a:p>
+            <a:pPr algn="ctr"/>
+            <a:r>
+              <a:rPr lang="de-DE" b="1" dirty="0" err="1" smtClean="0">
+                <a:solidFill>
+                  <a:schemeClr val="tx1"/>
+                </a:solidFill>
+                <a:latin typeface="Constantia" pitchFamily="18" charset="0"/>
+              </a:rPr>
+              <a:t>IntConst</a:t>
+            </a:r>
+            <a:endParaRPr lang="de-DE" b="1" dirty="0">
+              <a:solidFill>
+                <a:schemeClr val="tx1"/>
+              </a:solidFill>
+              <a:latin typeface="Constantia" pitchFamily="18" charset="0"/>
+            </a:endParaRPr>
+          </a:p>
+        </p:txBody>
+      </p:sp>
+      <p:cxnSp>
+        <p:nvCxnSpPr>
+          <p:cNvPr id="41" name="Gerade Verbindung mit Pfeil 40"/>
+          <p:cNvCxnSpPr>
+            <a:stCxn id="34" idx="2"/>
+            <a:endCxn id="40" idx="0"/>
+          </p:cNvCxnSpPr>
+          <p:nvPr/>
+        </p:nvCxnSpPr>
+        <p:spPr>
+          <a:xfrm rot="5400000">
+            <a:off x="3923928" y="2994680"/>
+            <a:ext cx="648072" cy="792088"/>
+          </a:xfrm>
+          <a:prstGeom prst="straightConnector1">
+            <a:avLst/>
+          </a:prstGeom>
+          <a:ln w="15875">
+            <a:solidFill>
+              <a:schemeClr val="tx1"/>
+            </a:solidFill>
+            <a:tailEnd type="arrow"/>
+          </a:ln>
+        </p:spPr>
+        <p:style>
+          <a:lnRef idx="1">
+            <a:schemeClr val="accent1"/>
+          </a:lnRef>
+          <a:fillRef idx="0">
+            <a:schemeClr val="accent1"/>
+          </a:fillRef>
+          <a:effectRef idx="0">
+            <a:schemeClr val="accent1"/>
+          </a:effectRef>
+          <a:fontRef idx="minor">
+            <a:schemeClr val="tx1"/>
+          </a:fontRef>
+        </p:style>
+      </p:cxnSp>
+      <p:sp>
+        <p:nvSpPr>
+          <p:cNvPr id="44" name="Textfeld 43"/>
+          <p:cNvSpPr txBox="1"/>
+          <p:nvPr/>
+        </p:nvSpPr>
+        <p:spPr>
+          <a:xfrm>
+            <a:off x="3517298" y="3354720"/>
+            <a:ext cx="694662" cy="307777"/>
+          </a:xfrm>
+          <a:prstGeom prst="rect">
+            <a:avLst/>
+          </a:prstGeom>
+          <a:noFill/>
+        </p:spPr>
+        <p:txBody>
+          <a:bodyPr wrap="square" rtlCol="0">
+            <a:spAutoFit/>
+          </a:bodyPr>
+          <a:lstStyle/>
+          <a:p>
+            <a:r>
+              <a:rPr lang="de-DE" sz="1400" dirty="0" err="1" smtClean="0">
+                <a:latin typeface="Constantia" pitchFamily="18" charset="0"/>
+              </a:rPr>
+              <a:t>left</a:t>
+            </a:r>
+            <a:endParaRPr lang="de-DE" sz="1400" dirty="0">
+              <a:latin typeface="Constantia" pitchFamily="18" charset="0"/>
+            </a:endParaRPr>
+          </a:p>
+        </p:txBody>
+      </p:sp>
+      <p:sp>
+        <p:nvSpPr>
+          <p:cNvPr id="46" name="Rechteck 45"/>
+          <p:cNvSpPr/>
+          <p:nvPr/>
+        </p:nvSpPr>
+        <p:spPr>
+          <a:xfrm>
+            <a:off x="4716016" y="3714760"/>
+            <a:ext cx="1296144" cy="432048"/>
+          </a:xfrm>
+          <a:prstGeom prst="rect">
+            <a:avLst/>
+          </a:prstGeom>
+          <a:solidFill>
+            <a:schemeClr val="bg1">
+              <a:lumMod val="85000"/>
+            </a:schemeClr>
+          </a:solidFill>
+          <a:ln>
+            <a:noFill/>
+          </a:ln>
+          <a:effectLst>
+            <a:outerShdw blurRad="50800" dist="38100" dir="2700000" algn="tl" rotWithShape="0">
+              <a:prstClr val="black">
+                <a:alpha val="40000"/>
+              </a:prstClr>
+            </a:outerShdw>
+          </a:effectLst>
+        </p:spPr>
+        <p:style>
+          <a:lnRef idx="2">
+            <a:schemeClr val="accent1">
+              <a:shade val="50000"/>
+            </a:schemeClr>
+          </a:lnRef>
+          <a:fillRef idx="1">
+            <a:schemeClr val="accent1"/>
+          </a:fillRef>
+          <a:effectRef idx="0">
+            <a:schemeClr val="accent1"/>
+          </a:effectRef>
+          <a:fontRef idx="minor">
+            <a:schemeClr val="lt1"/>
+          </a:fontRef>
+        </p:style>
+        <p:txBody>
+          <a:bodyPr rtlCol="0" anchor="ctr"/>
+          <a:lstStyle/>
+          <a:p>
+            <a:pPr algn="ctr"/>
+            <a:r>
+              <a:rPr lang="de-DE" b="1" dirty="0" smtClean="0">
+                <a:solidFill>
+                  <a:schemeClr val="tx1"/>
+                </a:solidFill>
+                <a:latin typeface="Constantia" pitchFamily="18" charset="0"/>
+              </a:rPr>
+              <a:t>Multi</a:t>
+            </a:r>
+            <a:endParaRPr lang="de-DE" b="1" dirty="0">
+              <a:solidFill>
+                <a:schemeClr val="tx1"/>
+              </a:solidFill>
+              <a:latin typeface="Constantia" pitchFamily="18" charset="0"/>
+            </a:endParaRPr>
+          </a:p>
+        </p:txBody>
+      </p:sp>
+      <p:cxnSp>
+        <p:nvCxnSpPr>
+          <p:cNvPr id="47" name="Gerade Verbindung mit Pfeil 46"/>
+          <p:cNvCxnSpPr>
+            <a:stCxn id="34" idx="2"/>
+            <a:endCxn id="46" idx="0"/>
+          </p:cNvCxnSpPr>
+          <p:nvPr/>
+        </p:nvCxnSpPr>
+        <p:spPr>
+          <a:xfrm rot="16200000" flipH="1">
+            <a:off x="4680012" y="3030684"/>
+            <a:ext cx="648072" cy="720080"/>
+          </a:xfrm>
+          <a:prstGeom prst="straightConnector1">
+            <a:avLst/>
+          </a:prstGeom>
+          <a:ln w="15875">
+            <a:solidFill>
+              <a:schemeClr val="tx1"/>
+            </a:solidFill>
+            <a:tailEnd type="arrow"/>
+          </a:ln>
+        </p:spPr>
+        <p:style>
+          <a:lnRef idx="1">
+            <a:schemeClr val="accent1"/>
+          </a:lnRef>
+          <a:fillRef idx="0">
+            <a:schemeClr val="accent1"/>
+          </a:fillRef>
+          <a:effectRef idx="0">
+            <a:schemeClr val="accent1"/>
+          </a:effectRef>
+          <a:fontRef idx="minor">
+            <a:schemeClr val="tx1"/>
+          </a:fontRef>
+        </p:style>
+      </p:cxnSp>
+      <p:sp>
+        <p:nvSpPr>
+          <p:cNvPr id="50" name="Textfeld 49"/>
+          <p:cNvSpPr txBox="1"/>
+          <p:nvPr/>
+        </p:nvSpPr>
+        <p:spPr>
+          <a:xfrm>
+            <a:off x="5292080" y="3354720"/>
+            <a:ext cx="694662" cy="307777"/>
+          </a:xfrm>
+          <a:prstGeom prst="rect">
+            <a:avLst/>
+          </a:prstGeom>
+          <a:noFill/>
+        </p:spPr>
+        <p:txBody>
+          <a:bodyPr wrap="square" rtlCol="0">
+            <a:spAutoFit/>
+          </a:bodyPr>
+          <a:lstStyle/>
+          <a:p>
+            <a:r>
+              <a:rPr lang="de-DE" sz="1400" dirty="0" err="1" smtClean="0">
+                <a:latin typeface="Constantia" pitchFamily="18" charset="0"/>
+              </a:rPr>
+              <a:t>right</a:t>
+            </a:r>
+            <a:endParaRPr lang="de-DE" sz="1400" dirty="0">
+              <a:latin typeface="Constantia" pitchFamily="18" charset="0"/>
+            </a:endParaRPr>
+          </a:p>
+        </p:txBody>
+      </p:sp>
+      <p:sp>
+        <p:nvSpPr>
+          <p:cNvPr id="52" name="Rechteck 51"/>
+          <p:cNvSpPr/>
+          <p:nvPr/>
+        </p:nvSpPr>
+        <p:spPr>
+          <a:xfrm>
+            <a:off x="3923928" y="4794880"/>
+            <a:ext cx="1296144" cy="432048"/>
+          </a:xfrm>
+          <a:prstGeom prst="rect">
+            <a:avLst/>
+          </a:prstGeom>
+          <a:solidFill>
+            <a:schemeClr val="bg1">
+              <a:lumMod val="85000"/>
+            </a:schemeClr>
+          </a:solidFill>
+          <a:ln>
+            <a:noFill/>
+          </a:ln>
+          <a:effectLst>
+            <a:outerShdw blurRad="50800" dist="38100" dir="2700000" algn="tl" rotWithShape="0">
+              <a:prstClr val="black">
+                <a:alpha val="40000"/>
+              </a:prstClr>
+            </a:outerShdw>
+          </a:effectLst>
+        </p:spPr>
+        <p:style>
+          <a:lnRef idx="2">
+            <a:schemeClr val="accent1">
+              <a:shade val="50000"/>
+            </a:schemeClr>
+          </a:lnRef>
+          <a:fillRef idx="1">
+            <a:schemeClr val="accent1"/>
+          </a:fillRef>
+          <a:effectRef idx="0">
+            <a:schemeClr val="accent1"/>
+          </a:effectRef>
+          <a:fontRef idx="minor">
+            <a:schemeClr val="lt1"/>
+          </a:fontRef>
+        </p:style>
+        <p:txBody>
+          <a:bodyPr rtlCol="0" anchor="ctr"/>
+          <a:lstStyle/>
+          <a:p>
+            <a:pPr algn="ctr"/>
+            <a:r>
+              <a:rPr lang="de-DE" b="1" dirty="0" err="1" smtClean="0">
+                <a:solidFill>
+                  <a:schemeClr val="tx1"/>
+                </a:solidFill>
+                <a:latin typeface="Constantia" pitchFamily="18" charset="0"/>
+              </a:rPr>
+              <a:t>IntConst</a:t>
+            </a:r>
+            <a:endParaRPr lang="de-DE" b="1" dirty="0">
+              <a:solidFill>
+                <a:schemeClr val="tx1"/>
+              </a:solidFill>
+              <a:latin typeface="Constantia" pitchFamily="18" charset="0"/>
+            </a:endParaRPr>
+          </a:p>
+        </p:txBody>
+      </p:sp>
+      <p:cxnSp>
+        <p:nvCxnSpPr>
+          <p:cNvPr id="53" name="Gerade Verbindung mit Pfeil 52"/>
+          <p:cNvCxnSpPr>
+            <a:endCxn id="52" idx="0"/>
+          </p:cNvCxnSpPr>
+          <p:nvPr/>
+        </p:nvCxnSpPr>
+        <p:spPr>
+          <a:xfrm rot="5400000">
+            <a:off x="4644008" y="4074800"/>
+            <a:ext cx="648072" cy="792088"/>
+          </a:xfrm>
+          <a:prstGeom prst="straightConnector1">
+            <a:avLst/>
+          </a:prstGeom>
+          <a:ln w="15875">
+            <a:solidFill>
+              <a:schemeClr val="tx1"/>
+            </a:solidFill>
+            <a:tailEnd type="arrow"/>
+          </a:ln>
+        </p:spPr>
+        <p:style>
+          <a:lnRef idx="1">
+            <a:schemeClr val="accent1"/>
+          </a:lnRef>
+          <a:fillRef idx="0">
+            <a:schemeClr val="accent1"/>
+          </a:fillRef>
+          <a:effectRef idx="0">
+            <a:schemeClr val="accent1"/>
+          </a:effectRef>
+          <a:fontRef idx="minor">
+            <a:schemeClr val="tx1"/>
+          </a:fontRef>
+        </p:style>
+      </p:cxnSp>
+      <p:sp>
+        <p:nvSpPr>
+          <p:cNvPr id="54" name="Textfeld 53"/>
+          <p:cNvSpPr txBox="1"/>
+          <p:nvPr/>
+        </p:nvSpPr>
+        <p:spPr>
+          <a:xfrm>
+            <a:off x="4237378" y="4434840"/>
+            <a:ext cx="694662" cy="307777"/>
+          </a:xfrm>
+          <a:prstGeom prst="rect">
+            <a:avLst/>
+          </a:prstGeom>
+          <a:noFill/>
+        </p:spPr>
+        <p:txBody>
+          <a:bodyPr wrap="square" rtlCol="0">
+            <a:spAutoFit/>
+          </a:bodyPr>
+          <a:lstStyle/>
+          <a:p>
+            <a:r>
+              <a:rPr lang="de-DE" sz="1400" dirty="0" err="1" smtClean="0">
+                <a:latin typeface="Constantia" pitchFamily="18" charset="0"/>
+              </a:rPr>
+              <a:t>left</a:t>
+            </a:r>
+            <a:endParaRPr lang="de-DE" sz="1400" dirty="0">
+              <a:latin typeface="Constantia" pitchFamily="18" charset="0"/>
+            </a:endParaRPr>
+          </a:p>
+        </p:txBody>
+      </p:sp>
+      <p:sp>
+        <p:nvSpPr>
+          <p:cNvPr id="55" name="Rechteck 54"/>
+          <p:cNvSpPr/>
+          <p:nvPr/>
+        </p:nvSpPr>
+        <p:spPr>
+          <a:xfrm>
+            <a:off x="5436096" y="4794880"/>
+            <a:ext cx="1296144" cy="432048"/>
+          </a:xfrm>
+          <a:prstGeom prst="rect">
+            <a:avLst/>
+          </a:prstGeom>
+          <a:solidFill>
+            <a:schemeClr val="bg1">
+              <a:lumMod val="85000"/>
+            </a:schemeClr>
+          </a:solidFill>
+          <a:ln>
+            <a:noFill/>
+          </a:ln>
+          <a:effectLst>
+            <a:outerShdw blurRad="50800" dist="38100" dir="2700000" algn="tl" rotWithShape="0">
+              <a:prstClr val="black">
+                <a:alpha val="40000"/>
+              </a:prstClr>
+            </a:outerShdw>
+          </a:effectLst>
+        </p:spPr>
+        <p:style>
+          <a:lnRef idx="2">
+            <a:schemeClr val="accent1">
+              <a:shade val="50000"/>
+            </a:schemeClr>
+          </a:lnRef>
+          <a:fillRef idx="1">
+            <a:schemeClr val="accent1"/>
+          </a:fillRef>
+          <a:effectRef idx="0">
+            <a:schemeClr val="accent1"/>
+          </a:effectRef>
+          <a:fontRef idx="minor">
+            <a:schemeClr val="lt1"/>
+          </a:fontRef>
+        </p:style>
+        <p:txBody>
+          <a:bodyPr rtlCol="0" anchor="ctr"/>
+          <a:lstStyle/>
+          <a:p>
+            <a:pPr algn="ctr"/>
+            <a:r>
+              <a:rPr lang="de-DE" b="1" dirty="0" err="1" smtClean="0">
+                <a:solidFill>
+                  <a:schemeClr val="tx1"/>
+                </a:solidFill>
+                <a:latin typeface="Constantia" pitchFamily="18" charset="0"/>
+              </a:rPr>
+              <a:t>Sqrt</a:t>
+            </a:r>
+            <a:endParaRPr lang="de-DE" b="1" dirty="0">
+              <a:solidFill>
+                <a:schemeClr val="tx1"/>
+              </a:solidFill>
+              <a:latin typeface="Constantia" pitchFamily="18" charset="0"/>
+            </a:endParaRPr>
+          </a:p>
+        </p:txBody>
+      </p:sp>
+      <p:cxnSp>
+        <p:nvCxnSpPr>
+          <p:cNvPr id="56" name="Gerade Verbindung mit Pfeil 55"/>
+          <p:cNvCxnSpPr>
+            <a:endCxn id="55" idx="0"/>
+          </p:cNvCxnSpPr>
+          <p:nvPr/>
+        </p:nvCxnSpPr>
+        <p:spPr>
+          <a:xfrm rot="16200000" flipH="1">
+            <a:off x="5400092" y="4110804"/>
+            <a:ext cx="648072" cy="720080"/>
+          </a:xfrm>
+          <a:prstGeom prst="straightConnector1">
+            <a:avLst/>
+          </a:prstGeom>
+          <a:ln w="15875">
+            <a:solidFill>
+              <a:schemeClr val="tx1"/>
+            </a:solidFill>
+            <a:tailEnd type="arrow"/>
+          </a:ln>
+        </p:spPr>
+        <p:style>
+          <a:lnRef idx="1">
+            <a:schemeClr val="accent1"/>
+          </a:lnRef>
+          <a:fillRef idx="0">
+            <a:schemeClr val="accent1"/>
+          </a:fillRef>
+          <a:effectRef idx="0">
+            <a:schemeClr val="accent1"/>
+          </a:effectRef>
+          <a:fontRef idx="minor">
+            <a:schemeClr val="tx1"/>
+          </a:fontRef>
+        </p:style>
+      </p:cxnSp>
+      <p:sp>
+        <p:nvSpPr>
+          <p:cNvPr id="57" name="Textfeld 56"/>
+          <p:cNvSpPr txBox="1"/>
+          <p:nvPr/>
+        </p:nvSpPr>
+        <p:spPr>
+          <a:xfrm>
+            <a:off x="6012160" y="4434840"/>
+            <a:ext cx="694662" cy="307777"/>
+          </a:xfrm>
+          <a:prstGeom prst="rect">
+            <a:avLst/>
+          </a:prstGeom>
+          <a:noFill/>
+        </p:spPr>
+        <p:txBody>
+          <a:bodyPr wrap="square" rtlCol="0">
+            <a:spAutoFit/>
+          </a:bodyPr>
+          <a:lstStyle/>
+          <a:p>
+            <a:r>
+              <a:rPr lang="de-DE" sz="1400" dirty="0" err="1" smtClean="0">
+                <a:latin typeface="Constantia" pitchFamily="18" charset="0"/>
+              </a:rPr>
+              <a:t>right</a:t>
+            </a:r>
+            <a:endParaRPr lang="de-DE" sz="1400" dirty="0">
+              <a:latin typeface="Constantia" pitchFamily="18" charset="0"/>
+            </a:endParaRPr>
+          </a:p>
+        </p:txBody>
+      </p:sp>
+      <p:sp>
+        <p:nvSpPr>
+          <p:cNvPr id="58" name="Rechteck 57"/>
+          <p:cNvSpPr/>
+          <p:nvPr/>
+        </p:nvSpPr>
+        <p:spPr>
+          <a:xfrm>
+            <a:off x="5436096" y="5805264"/>
+            <a:ext cx="1296144" cy="432048"/>
+          </a:xfrm>
+          <a:prstGeom prst="rect">
+            <a:avLst/>
+          </a:prstGeom>
+          <a:solidFill>
+            <a:schemeClr val="bg1">
+              <a:lumMod val="85000"/>
+            </a:schemeClr>
+          </a:solidFill>
+          <a:ln>
+            <a:noFill/>
+          </a:ln>
+          <a:effectLst>
+            <a:outerShdw blurRad="50800" dist="38100" dir="2700000" algn="tl" rotWithShape="0">
+              <a:prstClr val="black">
+                <a:alpha val="40000"/>
+              </a:prstClr>
+            </a:outerShdw>
+          </a:effectLst>
+        </p:spPr>
+        <p:style>
+          <a:lnRef idx="2">
+            <a:schemeClr val="accent1">
+              <a:shade val="50000"/>
+            </a:schemeClr>
+          </a:lnRef>
+          <a:fillRef idx="1">
+            <a:schemeClr val="accent1"/>
+          </a:fillRef>
+          <a:effectRef idx="0">
+            <a:schemeClr val="accent1"/>
+          </a:effectRef>
+          <a:fontRef idx="minor">
+            <a:schemeClr val="lt1"/>
+          </a:fontRef>
+        </p:style>
+        <p:txBody>
+          <a:bodyPr rtlCol="0" anchor="ctr"/>
+          <a:lstStyle/>
+          <a:p>
+            <a:pPr algn="ctr"/>
+            <a:r>
+              <a:rPr lang="de-DE" b="1" dirty="0" err="1" smtClean="0">
+                <a:solidFill>
+                  <a:schemeClr val="tx1"/>
+                </a:solidFill>
+                <a:latin typeface="Constantia" pitchFamily="18" charset="0"/>
+              </a:rPr>
+              <a:t>VarRef</a:t>
+            </a:r>
+            <a:endParaRPr lang="de-DE" b="1" dirty="0">
+              <a:solidFill>
+                <a:schemeClr val="tx1"/>
+              </a:solidFill>
+              <a:latin typeface="Constantia" pitchFamily="18" charset="0"/>
+            </a:endParaRPr>
+          </a:p>
+        </p:txBody>
+      </p:sp>
+      <p:cxnSp>
+        <p:nvCxnSpPr>
+          <p:cNvPr id="59" name="Gerade Verbindung mit Pfeil 58"/>
+          <p:cNvCxnSpPr>
+            <a:stCxn id="55" idx="2"/>
+            <a:endCxn id="58" idx="0"/>
+          </p:cNvCxnSpPr>
+          <p:nvPr/>
+        </p:nvCxnSpPr>
+        <p:spPr>
+          <a:xfrm rot="5400000">
+            <a:off x="5795000" y="5516096"/>
+            <a:ext cx="578336" cy="1588"/>
+          </a:xfrm>
+          <a:prstGeom prst="straightConnector1">
+            <a:avLst/>
+          </a:prstGeom>
+          <a:ln w="15875">
+            <a:solidFill>
+              <a:schemeClr val="tx1"/>
+            </a:solidFill>
+            <a:tailEnd type="arrow"/>
+          </a:ln>
+        </p:spPr>
+        <p:style>
+          <a:lnRef idx="1">
+            <a:schemeClr val="accent1"/>
+          </a:lnRef>
+          <a:fillRef idx="0">
+            <a:schemeClr val="accent1"/>
+          </a:fillRef>
+          <a:effectRef idx="0">
+            <a:schemeClr val="accent1"/>
+          </a:effectRef>
+          <a:fontRef idx="minor">
+            <a:schemeClr val="tx1"/>
+          </a:fontRef>
+        </p:style>
+      </p:cxnSp>
+      <p:sp>
+        <p:nvSpPr>
+          <p:cNvPr id="62" name="Textfeld 61"/>
+          <p:cNvSpPr txBox="1"/>
+          <p:nvPr/>
+        </p:nvSpPr>
+        <p:spPr>
+          <a:xfrm>
+            <a:off x="6084168" y="5517232"/>
+            <a:ext cx="694662" cy="307777"/>
+          </a:xfrm>
+          <a:prstGeom prst="rect">
+            <a:avLst/>
+          </a:prstGeom>
+          <a:noFill/>
+        </p:spPr>
+        <p:txBody>
+          <a:bodyPr wrap="square" rtlCol="0">
+            <a:spAutoFit/>
+          </a:bodyPr>
+          <a:lstStyle/>
+          <a:p>
+            <a:r>
+              <a:rPr lang="de-DE" sz="1400" dirty="0" err="1" smtClean="0">
+                <a:latin typeface="Constantia" pitchFamily="18" charset="0"/>
+              </a:rPr>
+              <a:t>expr</a:t>
+            </a:r>
+            <a:endParaRPr lang="de-DE" sz="1400" dirty="0">
+              <a:latin typeface="Constantia" pitchFamily="18" charset="0"/>
+            </a:endParaRPr>
+          </a:p>
+        </p:txBody>
+      </p:sp>
+      <p:cxnSp>
+        <p:nvCxnSpPr>
+          <p:cNvPr id="67" name="Gerade Verbindung mit Pfeil 66"/>
+          <p:cNvCxnSpPr>
+            <a:endCxn id="17" idx="1"/>
+          </p:cNvCxnSpPr>
+          <p:nvPr/>
+        </p:nvCxnSpPr>
+        <p:spPr>
+          <a:xfrm>
+            <a:off x="323528" y="1844824"/>
+            <a:ext cx="266696" cy="1588"/>
+          </a:xfrm>
+          <a:prstGeom prst="straightConnector1">
+            <a:avLst/>
+          </a:prstGeom>
+          <a:ln w="15875">
+            <a:solidFill>
+              <a:schemeClr val="tx1"/>
+            </a:solidFill>
+            <a:tailEnd type="arrow"/>
+          </a:ln>
+        </p:spPr>
+        <p:style>
+          <a:lnRef idx="1">
+            <a:schemeClr val="accent1"/>
+          </a:lnRef>
+          <a:fillRef idx="0">
+            <a:schemeClr val="accent1"/>
+          </a:fillRef>
+          <a:effectRef idx="0">
+            <a:schemeClr val="accent1"/>
+          </a:effectRef>
+          <a:fontRef idx="minor">
+            <a:schemeClr val="tx1"/>
+          </a:fontRef>
+        </p:style>
+      </p:cxnSp>
+      <p:cxnSp>
+        <p:nvCxnSpPr>
+          <p:cNvPr id="75" name="Gerade Verbindung 74"/>
+          <p:cNvCxnSpPr>
+            <a:stCxn id="58" idx="1"/>
+          </p:cNvCxnSpPr>
+          <p:nvPr/>
+        </p:nvCxnSpPr>
+        <p:spPr>
+          <a:xfrm rot="10800000">
+            <a:off x="323528" y="6021288"/>
+            <a:ext cx="5112568" cy="0"/>
+          </a:xfrm>
+          <a:prstGeom prst="line">
+            <a:avLst/>
+          </a:prstGeom>
+          <a:ln w="15875">
+            <a:solidFill>
+              <a:schemeClr val="tx1"/>
+            </a:solidFill>
+          </a:ln>
+        </p:spPr>
+        <p:style>
+          <a:lnRef idx="1">
+            <a:schemeClr val="accent1"/>
+          </a:lnRef>
+          <a:fillRef idx="0">
+            <a:schemeClr val="accent1"/>
+          </a:fillRef>
+          <a:effectRef idx="0">
+            <a:schemeClr val="accent1"/>
+          </a:effectRef>
+          <a:fontRef idx="minor">
+            <a:schemeClr val="tx1"/>
+          </a:fontRef>
+        </p:style>
+      </p:cxnSp>
+      <p:cxnSp>
+        <p:nvCxnSpPr>
+          <p:cNvPr id="76" name="Gerade Verbindung 75"/>
+          <p:cNvCxnSpPr/>
+          <p:nvPr/>
+        </p:nvCxnSpPr>
+        <p:spPr>
+          <a:xfrm rot="5400000">
+            <a:off x="-1764704" y="3933056"/>
+            <a:ext cx="4176464" cy="0"/>
+          </a:xfrm>
+          <a:prstGeom prst="line">
+            <a:avLst/>
+          </a:prstGeom>
+          <a:ln w="15875">
+            <a:solidFill>
+              <a:schemeClr val="tx1"/>
+            </a:solidFill>
+          </a:ln>
+        </p:spPr>
+        <p:style>
+          <a:lnRef idx="1">
+            <a:schemeClr val="accent1"/>
+          </a:lnRef>
+          <a:fillRef idx="0">
+            <a:schemeClr val="accent1"/>
+          </a:fillRef>
+          <a:effectRef idx="0">
+            <a:schemeClr val="accent1"/>
+          </a:effectRef>
+          <a:fontRef idx="minor">
+            <a:schemeClr val="tx1"/>
+          </a:fontRef>
+        </p:style>
+      </p:cxnSp>
     </p:spTree>
   </p:cSld>
   <p:clrMapOvr>
@@ -12241,7 +11128,7 @@
         </p:xfrm>
         <a:graphic>
           <a:graphicData uri="http://schemas.openxmlformats.org/presentationml/2006/ole">
-            <p:oleObj spid="_x0000_s10242" name="Formel" r:id="rId3" imgW="1371600" imgH="457200" progId="Equation.3">
+            <p:oleObj spid="_x0000_s9218" name="Formel" r:id="rId3" imgW="1371600" imgH="457200" progId="Equation.3">
               <p:embed/>
             </p:oleObj>
           </a:graphicData>
@@ -13647,6 +12534,399 @@
           </a:fontRef>
         </p:style>
       </p:cxnSp>
+      <p:sp>
+        <p:nvSpPr>
+          <p:cNvPr id="83" name="Ellipse 82"/>
+          <p:cNvSpPr/>
+          <p:nvPr/>
+        </p:nvSpPr>
+        <p:spPr>
+          <a:xfrm>
+            <a:off x="1547664" y="2924944"/>
+            <a:ext cx="576064" cy="288032"/>
+          </a:xfrm>
+          <a:prstGeom prst="ellipse">
+            <a:avLst/>
+          </a:prstGeom>
+          <a:solidFill>
+            <a:schemeClr val="tx2">
+              <a:lumMod val="40000"/>
+              <a:lumOff val="60000"/>
+            </a:schemeClr>
+          </a:solidFill>
+          <a:ln>
+            <a:noFill/>
+          </a:ln>
+        </p:spPr>
+        <p:style>
+          <a:lnRef idx="2">
+            <a:schemeClr val="accent1">
+              <a:shade val="50000"/>
+            </a:schemeClr>
+          </a:lnRef>
+          <a:fillRef idx="1">
+            <a:schemeClr val="accent1"/>
+          </a:fillRef>
+          <a:effectRef idx="0">
+            <a:schemeClr val="accent1"/>
+          </a:effectRef>
+          <a:fontRef idx="minor">
+            <a:schemeClr val="lt1"/>
+          </a:fontRef>
+        </p:style>
+        <p:txBody>
+          <a:bodyPr rtlCol="0" anchor="ctr"/>
+          <a:lstStyle/>
+          <a:p>
+            <a:pPr algn="ctr"/>
+            <a:r>
+              <a:rPr lang="de-DE" sz="1400" b="1" dirty="0" err="1" smtClean="0">
+                <a:solidFill>
+                  <a:schemeClr val="tx1"/>
+                </a:solidFill>
+              </a:rPr>
+              <a:t>int</a:t>
+            </a:r>
+            <a:endParaRPr lang="de-DE" sz="1400" b="1" dirty="0">
+              <a:solidFill>
+                <a:schemeClr val="tx1"/>
+              </a:solidFill>
+            </a:endParaRPr>
+          </a:p>
+        </p:txBody>
+      </p:sp>
+      <p:sp>
+        <p:nvSpPr>
+          <p:cNvPr id="36" name="Ellipse 35"/>
+          <p:cNvSpPr/>
+          <p:nvPr/>
+        </p:nvSpPr>
+        <p:spPr>
+          <a:xfrm>
+            <a:off x="2771800" y="3933056"/>
+            <a:ext cx="576064" cy="288032"/>
+          </a:xfrm>
+          <a:prstGeom prst="ellipse">
+            <a:avLst/>
+          </a:prstGeom>
+          <a:solidFill>
+            <a:schemeClr val="tx2">
+              <a:lumMod val="40000"/>
+              <a:lumOff val="60000"/>
+            </a:schemeClr>
+          </a:solidFill>
+          <a:ln>
+            <a:noFill/>
+          </a:ln>
+        </p:spPr>
+        <p:style>
+          <a:lnRef idx="2">
+            <a:schemeClr val="accent1">
+              <a:shade val="50000"/>
+            </a:schemeClr>
+          </a:lnRef>
+          <a:fillRef idx="1">
+            <a:schemeClr val="accent1"/>
+          </a:fillRef>
+          <a:effectRef idx="0">
+            <a:schemeClr val="accent1"/>
+          </a:effectRef>
+          <a:fontRef idx="minor">
+            <a:schemeClr val="lt1"/>
+          </a:fontRef>
+        </p:style>
+        <p:txBody>
+          <a:bodyPr rtlCol="0" anchor="ctr"/>
+          <a:lstStyle/>
+          <a:p>
+            <a:pPr algn="ctr"/>
+            <a:r>
+              <a:rPr lang="de-DE" sz="1400" b="1" dirty="0" err="1" smtClean="0">
+                <a:solidFill>
+                  <a:schemeClr val="tx1"/>
+                </a:solidFill>
+              </a:rPr>
+              <a:t>int</a:t>
+            </a:r>
+            <a:endParaRPr lang="de-DE" sz="1400" b="1" dirty="0">
+              <a:solidFill>
+                <a:schemeClr val="tx1"/>
+              </a:solidFill>
+            </a:endParaRPr>
+          </a:p>
+        </p:txBody>
+      </p:sp>
+      <p:sp>
+        <p:nvSpPr>
+          <p:cNvPr id="37" name="Ellipse 36"/>
+          <p:cNvSpPr/>
+          <p:nvPr/>
+        </p:nvSpPr>
+        <p:spPr>
+          <a:xfrm>
+            <a:off x="3491880" y="5013176"/>
+            <a:ext cx="576064" cy="288032"/>
+          </a:xfrm>
+          <a:prstGeom prst="ellipse">
+            <a:avLst/>
+          </a:prstGeom>
+          <a:solidFill>
+            <a:schemeClr val="tx2">
+              <a:lumMod val="40000"/>
+              <a:lumOff val="60000"/>
+            </a:schemeClr>
+          </a:solidFill>
+          <a:ln>
+            <a:noFill/>
+          </a:ln>
+        </p:spPr>
+        <p:style>
+          <a:lnRef idx="2">
+            <a:schemeClr val="accent1">
+              <a:shade val="50000"/>
+            </a:schemeClr>
+          </a:lnRef>
+          <a:fillRef idx="1">
+            <a:schemeClr val="accent1"/>
+          </a:fillRef>
+          <a:effectRef idx="0">
+            <a:schemeClr val="accent1"/>
+          </a:effectRef>
+          <a:fontRef idx="minor">
+            <a:schemeClr val="lt1"/>
+          </a:fontRef>
+        </p:style>
+        <p:txBody>
+          <a:bodyPr rtlCol="0" anchor="ctr"/>
+          <a:lstStyle/>
+          <a:p>
+            <a:pPr algn="ctr"/>
+            <a:r>
+              <a:rPr lang="de-DE" sz="1400" b="1" dirty="0" err="1" smtClean="0">
+                <a:solidFill>
+                  <a:schemeClr val="tx1"/>
+                </a:solidFill>
+              </a:rPr>
+              <a:t>int</a:t>
+            </a:r>
+            <a:endParaRPr lang="de-DE" sz="1400" b="1" dirty="0">
+              <a:solidFill>
+                <a:schemeClr val="tx1"/>
+              </a:solidFill>
+            </a:endParaRPr>
+          </a:p>
+        </p:txBody>
+      </p:sp>
+      <p:sp>
+        <p:nvSpPr>
+          <p:cNvPr id="39" name="Ellipse 38"/>
+          <p:cNvSpPr/>
+          <p:nvPr/>
+        </p:nvSpPr>
+        <p:spPr>
+          <a:xfrm>
+            <a:off x="6516216" y="4653136"/>
+            <a:ext cx="1008112" cy="288032"/>
+          </a:xfrm>
+          <a:prstGeom prst="ellipse">
+            <a:avLst/>
+          </a:prstGeom>
+          <a:solidFill>
+            <a:schemeClr val="tx2">
+              <a:lumMod val="40000"/>
+              <a:lumOff val="60000"/>
+            </a:schemeClr>
+          </a:solidFill>
+          <a:ln>
+            <a:noFill/>
+          </a:ln>
+        </p:spPr>
+        <p:style>
+          <a:lnRef idx="2">
+            <a:schemeClr val="accent1">
+              <a:shade val="50000"/>
+            </a:schemeClr>
+          </a:lnRef>
+          <a:fillRef idx="1">
+            <a:schemeClr val="accent1"/>
+          </a:fillRef>
+          <a:effectRef idx="0">
+            <a:schemeClr val="accent1"/>
+          </a:effectRef>
+          <a:fontRef idx="minor">
+            <a:schemeClr val="lt1"/>
+          </a:fontRef>
+        </p:style>
+        <p:txBody>
+          <a:bodyPr rtlCol="0" anchor="ctr"/>
+          <a:lstStyle/>
+          <a:p>
+            <a:pPr algn="ctr"/>
+            <a:r>
+              <a:rPr lang="de-DE" sz="1400" b="1" dirty="0" smtClean="0">
+                <a:solidFill>
+                  <a:schemeClr val="tx1"/>
+                </a:solidFill>
+              </a:rPr>
+              <a:t>double</a:t>
+            </a:r>
+            <a:endParaRPr lang="de-DE" sz="1400" b="1" dirty="0">
+              <a:solidFill>
+                <a:schemeClr val="tx1"/>
+              </a:solidFill>
+            </a:endParaRPr>
+          </a:p>
+        </p:txBody>
+      </p:sp>
+      <p:sp>
+        <p:nvSpPr>
+          <p:cNvPr id="42" name="Ellipse 41"/>
+          <p:cNvSpPr/>
+          <p:nvPr/>
+        </p:nvSpPr>
+        <p:spPr>
+          <a:xfrm>
+            <a:off x="3347864" y="2924944"/>
+            <a:ext cx="576064" cy="288032"/>
+          </a:xfrm>
+          <a:prstGeom prst="ellipse">
+            <a:avLst/>
+          </a:prstGeom>
+          <a:solidFill>
+            <a:schemeClr val="tx2">
+              <a:lumMod val="40000"/>
+              <a:lumOff val="60000"/>
+            </a:schemeClr>
+          </a:solidFill>
+          <a:ln>
+            <a:noFill/>
+          </a:ln>
+        </p:spPr>
+        <p:style>
+          <a:lnRef idx="2">
+            <a:schemeClr val="accent1">
+              <a:shade val="50000"/>
+            </a:schemeClr>
+          </a:lnRef>
+          <a:fillRef idx="1">
+            <a:schemeClr val="accent1"/>
+          </a:fillRef>
+          <a:effectRef idx="0">
+            <a:schemeClr val="accent1"/>
+          </a:effectRef>
+          <a:fontRef idx="minor">
+            <a:schemeClr val="lt1"/>
+          </a:fontRef>
+        </p:style>
+        <p:txBody>
+          <a:bodyPr rtlCol="0" anchor="ctr"/>
+          <a:lstStyle/>
+          <a:p>
+            <a:pPr algn="ctr"/>
+            <a:r>
+              <a:rPr lang="de-DE" sz="1400" b="1" dirty="0" err="1" smtClean="0">
+                <a:solidFill>
+                  <a:schemeClr val="tx1"/>
+                </a:solidFill>
+              </a:rPr>
+              <a:t>int</a:t>
+            </a:r>
+            <a:endParaRPr lang="de-DE" sz="1400" b="1" dirty="0">
+              <a:solidFill>
+                <a:schemeClr val="tx1"/>
+              </a:solidFill>
+            </a:endParaRPr>
+          </a:p>
+        </p:txBody>
+      </p:sp>
+      <p:sp>
+        <p:nvSpPr>
+          <p:cNvPr id="45" name="Textfeld 44"/>
+          <p:cNvSpPr txBox="1"/>
+          <p:nvPr/>
+        </p:nvSpPr>
+        <p:spPr>
+          <a:xfrm>
+            <a:off x="6372200" y="375047"/>
+            <a:ext cx="2584747" cy="461665"/>
+          </a:xfrm>
+          <a:prstGeom prst="rect">
+            <a:avLst/>
+          </a:prstGeom>
+          <a:noFill/>
+        </p:spPr>
+        <p:txBody>
+          <a:bodyPr wrap="none" rtlCol="0">
+            <a:spAutoFit/>
+          </a:bodyPr>
+          <a:lstStyle/>
+          <a:p>
+            <a:r>
+              <a:rPr lang="de-DE" sz="2400" b="1" dirty="0" err="1" smtClean="0">
+                <a:solidFill>
+                  <a:schemeClr val="tx2">
+                    <a:lumMod val="60000"/>
+                    <a:lumOff val="40000"/>
+                  </a:schemeClr>
+                </a:solidFill>
+              </a:rPr>
+              <a:t>declare</a:t>
+            </a:r>
+            <a:r>
+              <a:rPr lang="de-DE" sz="2400" b="1" dirty="0" smtClean="0">
+                <a:solidFill>
+                  <a:schemeClr val="tx2">
+                    <a:lumMod val="60000"/>
+                    <a:lumOff val="40000"/>
+                  </a:schemeClr>
+                </a:solidFill>
+              </a:rPr>
+              <a:t> </a:t>
+            </a:r>
+            <a:r>
+              <a:rPr lang="de-DE" sz="2400" b="1" dirty="0" err="1" smtClean="0">
+                <a:solidFill>
+                  <a:schemeClr val="tx2">
+                    <a:lumMod val="60000"/>
+                    <a:lumOff val="40000"/>
+                  </a:schemeClr>
+                </a:solidFill>
+              </a:rPr>
+              <a:t>fixed</a:t>
+            </a:r>
+            <a:r>
+              <a:rPr lang="de-DE" sz="2400" b="1" dirty="0" smtClean="0">
+                <a:solidFill>
+                  <a:schemeClr val="tx2">
+                    <a:lumMod val="60000"/>
+                    <a:lumOff val="40000"/>
+                  </a:schemeClr>
+                </a:solidFill>
+              </a:rPr>
+              <a:t> </a:t>
+            </a:r>
+            <a:r>
+              <a:rPr lang="de-DE" sz="2400" b="1" dirty="0" err="1" smtClean="0">
+                <a:solidFill>
+                  <a:schemeClr val="tx2">
+                    <a:lumMod val="60000"/>
+                    <a:lumOff val="40000"/>
+                  </a:schemeClr>
+                </a:solidFill>
+              </a:rPr>
+              <a:t>types</a:t>
+            </a:r>
+            <a:endParaRPr lang="de-DE" sz="2400" b="1" dirty="0">
+              <a:solidFill>
+                <a:schemeClr val="tx2">
+                  <a:lumMod val="60000"/>
+                  <a:lumOff val="40000"/>
+                </a:schemeClr>
+              </a:solidFill>
+            </a:endParaRPr>
+          </a:p>
+        </p:txBody>
+      </p:sp>
     </p:spTree>
   </p:cSld>
   <p:clrMapOvr>
@@ -13693,7 +12973,7 @@
         </p:xfrm>
         <a:graphic>
           <a:graphicData uri="http://schemas.openxmlformats.org/presentationml/2006/ole">
-            <p:oleObj spid="_x0000_s9218" name="Formel" r:id="rId3" imgW="1371600" imgH="457200" progId="Equation.3">
+            <p:oleObj spid="_x0000_s4099" name="Formel" r:id="rId3" imgW="1371600" imgH="457200" progId="Equation.3">
               <p:embed/>
             </p:oleObj>
           </a:graphicData>
@@ -15101,7 +14381,7 @@
       </p:cxnSp>
       <p:sp>
         <p:nvSpPr>
-          <p:cNvPr id="83" name="Ellipse 82"/>
+          <p:cNvPr id="129" name="Ellipse 128"/>
           <p:cNvSpPr/>
           <p:nvPr/>
         </p:nvSpPr>
@@ -15162,7 +14442,7 @@
       </p:sp>
       <p:sp>
         <p:nvSpPr>
-          <p:cNvPr id="36" name="Ellipse 35"/>
+          <p:cNvPr id="130" name="Ellipse 129"/>
           <p:cNvSpPr/>
           <p:nvPr/>
         </p:nvSpPr>
@@ -15223,7 +14503,7 @@
       </p:sp>
       <p:sp>
         <p:nvSpPr>
-          <p:cNvPr id="37" name="Ellipse 36"/>
+          <p:cNvPr id="131" name="Ellipse 130"/>
           <p:cNvSpPr/>
           <p:nvPr/>
         </p:nvSpPr>
@@ -15284,7 +14564,7 @@
       </p:sp>
       <p:sp>
         <p:nvSpPr>
-          <p:cNvPr id="39" name="Ellipse 38"/>
+          <p:cNvPr id="132" name="Ellipse 131"/>
           <p:cNvSpPr/>
           <p:nvPr/>
         </p:nvSpPr>
@@ -15345,7 +14625,7 @@
       </p:sp>
       <p:sp>
         <p:nvSpPr>
-          <p:cNvPr id="42" name="Ellipse 41"/>
+          <p:cNvPr id="133" name="Ellipse 132"/>
           <p:cNvSpPr/>
           <p:nvPr/>
         </p:nvSpPr>
@@ -15406,7 +14686,129 @@
       </p:sp>
       <p:sp>
         <p:nvSpPr>
-          <p:cNvPr id="45" name="Textfeld 44"/>
+          <p:cNvPr id="134" name="Ellipse 133"/>
+          <p:cNvSpPr/>
+          <p:nvPr/>
+        </p:nvSpPr>
+        <p:spPr>
+          <a:xfrm>
+            <a:off x="1403648" y="1916832"/>
+            <a:ext cx="576064" cy="288032"/>
+          </a:xfrm>
+          <a:prstGeom prst="ellipse">
+            <a:avLst/>
+          </a:prstGeom>
+          <a:solidFill>
+            <a:schemeClr val="accent3">
+              <a:lumMod val="60000"/>
+              <a:lumOff val="40000"/>
+            </a:schemeClr>
+          </a:solidFill>
+          <a:ln>
+            <a:noFill/>
+          </a:ln>
+        </p:spPr>
+        <p:style>
+          <a:lnRef idx="2">
+            <a:schemeClr val="accent1">
+              <a:shade val="50000"/>
+            </a:schemeClr>
+          </a:lnRef>
+          <a:fillRef idx="1">
+            <a:schemeClr val="accent1"/>
+          </a:fillRef>
+          <a:effectRef idx="0">
+            <a:schemeClr val="accent1"/>
+          </a:effectRef>
+          <a:fontRef idx="minor">
+            <a:schemeClr val="lt1"/>
+          </a:fontRef>
+        </p:style>
+        <p:txBody>
+          <a:bodyPr rtlCol="0" anchor="ctr"/>
+          <a:lstStyle/>
+          <a:p>
+            <a:pPr algn="ctr"/>
+            <a:r>
+              <a:rPr lang="de-DE" sz="1400" b="1" dirty="0" err="1" smtClean="0">
+                <a:solidFill>
+                  <a:schemeClr val="tx1"/>
+                </a:solidFill>
+              </a:rPr>
+              <a:t>int</a:t>
+            </a:r>
+            <a:endParaRPr lang="de-DE" sz="1400" b="1" dirty="0">
+              <a:solidFill>
+                <a:schemeClr val="tx1"/>
+              </a:solidFill>
+            </a:endParaRPr>
+          </a:p>
+        </p:txBody>
+      </p:sp>
+      <p:sp>
+        <p:nvSpPr>
+          <p:cNvPr id="135" name="Ellipse 134"/>
+          <p:cNvSpPr/>
+          <p:nvPr/>
+        </p:nvSpPr>
+        <p:spPr>
+          <a:xfrm>
+            <a:off x="6516216" y="6093296"/>
+            <a:ext cx="576064" cy="288032"/>
+          </a:xfrm>
+          <a:prstGeom prst="ellipse">
+            <a:avLst/>
+          </a:prstGeom>
+          <a:solidFill>
+            <a:schemeClr val="accent3">
+              <a:lumMod val="60000"/>
+              <a:lumOff val="40000"/>
+            </a:schemeClr>
+          </a:solidFill>
+          <a:ln>
+            <a:noFill/>
+          </a:ln>
+        </p:spPr>
+        <p:style>
+          <a:lnRef idx="2">
+            <a:schemeClr val="accent1">
+              <a:shade val="50000"/>
+            </a:schemeClr>
+          </a:lnRef>
+          <a:fillRef idx="1">
+            <a:schemeClr val="accent1"/>
+          </a:fillRef>
+          <a:effectRef idx="0">
+            <a:schemeClr val="accent1"/>
+          </a:effectRef>
+          <a:fontRef idx="minor">
+            <a:schemeClr val="lt1"/>
+          </a:fontRef>
+        </p:style>
+        <p:txBody>
+          <a:bodyPr rtlCol="0" anchor="ctr"/>
+          <a:lstStyle/>
+          <a:p>
+            <a:pPr algn="ctr"/>
+            <a:r>
+              <a:rPr lang="de-DE" sz="1400" b="1" dirty="0" err="1" smtClean="0">
+                <a:solidFill>
+                  <a:schemeClr val="tx1"/>
+                </a:solidFill>
+              </a:rPr>
+              <a:t>int</a:t>
+            </a:r>
+            <a:endParaRPr lang="de-DE" sz="1400" b="1" dirty="0">
+              <a:solidFill>
+                <a:schemeClr val="tx1"/>
+              </a:solidFill>
+            </a:endParaRPr>
+          </a:p>
+        </p:txBody>
+      </p:sp>
+      <p:sp>
+        <p:nvSpPr>
+          <p:cNvPr id="136" name="Textfeld 135"/>
           <p:cNvSpPr txBox="1"/>
           <p:nvPr/>
         </p:nvSpPr>
@@ -15484,6 +14886,72 @@
             <a:endParaRPr lang="de-DE" sz="2400" b="1" dirty="0">
               <a:solidFill>
                 <a:schemeClr val="tx2">
+                  <a:lumMod val="60000"/>
+                  <a:lumOff val="40000"/>
+                </a:schemeClr>
+              </a:solidFill>
+            </a:endParaRPr>
+          </a:p>
+        </p:txBody>
+      </p:sp>
+      <p:sp>
+        <p:nvSpPr>
+          <p:cNvPr id="137" name="Textfeld 136"/>
+          <p:cNvSpPr txBox="1"/>
+          <p:nvPr/>
+        </p:nvSpPr>
+        <p:spPr>
+          <a:xfrm>
+            <a:off x="6372200" y="864973"/>
+            <a:ext cx="1754326" cy="461665"/>
+          </a:xfrm>
+          <a:prstGeom prst="rect">
+            <a:avLst/>
+          </a:prstGeom>
+          <a:noFill/>
+        </p:spPr>
+        <p:txBody>
+          <a:bodyPr wrap="none" rtlCol="0">
+            <a:spAutoFit/>
+          </a:bodyPr>
+          <a:lstStyle/>
+          <a:p>
+            <a:r>
+              <a:rPr lang="de-DE" sz="2400" b="1" dirty="0" err="1" smtClean="0">
+                <a:solidFill>
+                  <a:schemeClr val="accent3">
+                    <a:lumMod val="60000"/>
+                    <a:lumOff val="40000"/>
+                  </a:schemeClr>
+                </a:solidFill>
+              </a:rPr>
+              <a:t>derive</a:t>
+            </a:r>
+            <a:r>
+              <a:rPr lang="de-DE" sz="2400" b="1" dirty="0" smtClean="0">
+                <a:solidFill>
+                  <a:schemeClr val="accent3">
+                    <a:lumMod val="60000"/>
+                    <a:lumOff val="40000"/>
+                  </a:schemeClr>
+                </a:solidFill>
+              </a:rPr>
+              <a:t> </a:t>
+            </a:r>
+            <a:r>
+              <a:rPr lang="de-DE" sz="2400" b="1" dirty="0" err="1" smtClean="0">
+                <a:solidFill>
+                  <a:schemeClr val="accent3">
+                    <a:lumMod val="60000"/>
+                    <a:lumOff val="40000"/>
+                  </a:schemeClr>
+                </a:solidFill>
+              </a:rPr>
+              <a:t>types</a:t>
+            </a:r>
+            <a:endParaRPr lang="de-DE" sz="2400" b="1" dirty="0">
+              <a:solidFill>
+                <a:schemeClr val="accent3">
                   <a:lumMod val="60000"/>
                   <a:lumOff val="40000"/>
                 </a:schemeClr>
@@ -15538,7 +15006,7 @@
         </p:xfrm>
         <a:graphic>
           <a:graphicData uri="http://schemas.openxmlformats.org/presentationml/2006/ole">
-            <p:oleObj spid="_x0000_s4099" name="Formel" r:id="rId3" imgW="1371600" imgH="457200" progId="Equation.3">
+            <p:oleObj spid="_x0000_s7170" name="Formel" r:id="rId3" imgW="1371600" imgH="457200" progId="Equation.3">
               <p:embed/>
             </p:oleObj>
           </a:graphicData>
@@ -16482,9 +15950,7 @@
       <p:cxnSp>
         <p:nvCxnSpPr>
           <p:cNvPr id="53" name="Gerade Verbindung mit Pfeil 52"/>
-          <p:cNvCxnSpPr>
-            <a:endCxn id="52" idx="0"/>
-          </p:cNvCxnSpPr>
+          <p:cNvCxnSpPr/>
           <p:nvPr/>
         </p:nvCxnSpPr>
         <p:spPr>
@@ -17373,7 +16839,129 @@
       </p:sp>
       <p:sp>
         <p:nvSpPr>
-          <p:cNvPr id="136" name="Textfeld 135"/>
+          <p:cNvPr id="43" name="Ellipse 42"/>
+          <p:cNvSpPr/>
+          <p:nvPr/>
+        </p:nvSpPr>
+        <p:spPr>
+          <a:xfrm>
+            <a:off x="5796136" y="4005064"/>
+            <a:ext cx="1008112" cy="288032"/>
+          </a:xfrm>
+          <a:prstGeom prst="ellipse">
+            <a:avLst/>
+          </a:prstGeom>
+          <a:solidFill>
+            <a:schemeClr val="accent2">
+              <a:lumMod val="40000"/>
+              <a:lumOff val="60000"/>
+            </a:schemeClr>
+          </a:solidFill>
+          <a:ln>
+            <a:noFill/>
+          </a:ln>
+        </p:spPr>
+        <p:style>
+          <a:lnRef idx="2">
+            <a:schemeClr val="accent1">
+              <a:shade val="50000"/>
+            </a:schemeClr>
+          </a:lnRef>
+          <a:fillRef idx="1">
+            <a:schemeClr val="accent1"/>
+          </a:fillRef>
+          <a:effectRef idx="0">
+            <a:schemeClr val="accent1"/>
+          </a:effectRef>
+          <a:fontRef idx="minor">
+            <a:schemeClr val="lt1"/>
+          </a:fontRef>
+        </p:style>
+        <p:txBody>
+          <a:bodyPr rtlCol="0" anchor="ctr"/>
+          <a:lstStyle/>
+          <a:p>
+            <a:pPr algn="ctr"/>
+            <a:r>
+              <a:rPr lang="de-DE" sz="1400" b="1" dirty="0" smtClean="0">
+                <a:solidFill>
+                  <a:schemeClr val="tx1"/>
+                </a:solidFill>
+              </a:rPr>
+              <a:t>double</a:t>
+            </a:r>
+            <a:endParaRPr lang="de-DE" sz="1400" b="1" dirty="0">
+              <a:solidFill>
+                <a:schemeClr val="tx1"/>
+              </a:solidFill>
+            </a:endParaRPr>
+          </a:p>
+        </p:txBody>
+      </p:sp>
+      <p:sp>
+        <p:nvSpPr>
+          <p:cNvPr id="48" name="Ellipse 47"/>
+          <p:cNvSpPr/>
+          <p:nvPr/>
+        </p:nvSpPr>
+        <p:spPr>
+          <a:xfrm>
+            <a:off x="5076056" y="2492896"/>
+            <a:ext cx="1008112" cy="288032"/>
+          </a:xfrm>
+          <a:prstGeom prst="ellipse">
+            <a:avLst/>
+          </a:prstGeom>
+          <a:solidFill>
+            <a:schemeClr val="accent2">
+              <a:lumMod val="40000"/>
+              <a:lumOff val="60000"/>
+            </a:schemeClr>
+          </a:solidFill>
+          <a:ln>
+            <a:noFill/>
+          </a:ln>
+        </p:spPr>
+        <p:style>
+          <a:lnRef idx="2">
+            <a:schemeClr val="accent1">
+              <a:shade val="50000"/>
+            </a:schemeClr>
+          </a:lnRef>
+          <a:fillRef idx="1">
+            <a:schemeClr val="accent1"/>
+          </a:fillRef>
+          <a:effectRef idx="0">
+            <a:schemeClr val="accent1"/>
+          </a:effectRef>
+          <a:fontRef idx="minor">
+            <a:schemeClr val="lt1"/>
+          </a:fontRef>
+        </p:style>
+        <p:txBody>
+          <a:bodyPr rtlCol="0" anchor="ctr"/>
+          <a:lstStyle/>
+          <a:p>
+            <a:pPr algn="ctr"/>
+            <a:r>
+              <a:rPr lang="de-DE" sz="1400" b="1" dirty="0" smtClean="0">
+                <a:solidFill>
+                  <a:schemeClr val="tx1"/>
+                </a:solidFill>
+              </a:rPr>
+              <a:t>double</a:t>
+            </a:r>
+            <a:endParaRPr lang="de-DE" sz="1400" b="1" dirty="0">
+              <a:solidFill>
+                <a:schemeClr val="tx1"/>
+              </a:solidFill>
+            </a:endParaRPr>
+          </a:p>
+        </p:txBody>
+      </p:sp>
+      <p:sp>
+        <p:nvSpPr>
+          <p:cNvPr id="109" name="Textfeld 108"/>
           <p:cNvSpPr txBox="1"/>
           <p:nvPr/>
         </p:nvSpPr>
@@ -17461,7 +17049,7 @@
       </p:sp>
       <p:sp>
         <p:nvSpPr>
-          <p:cNvPr id="137" name="Textfeld 136"/>
+          <p:cNvPr id="110" name="Textfeld 109"/>
           <p:cNvSpPr txBox="1"/>
           <p:nvPr/>
         </p:nvSpPr>
@@ -17517,6 +17105,138 @@
             <a:endParaRPr lang="de-DE" sz="2400" b="1" dirty="0">
               <a:solidFill>
                 <a:schemeClr val="accent3">
+                  <a:lumMod val="60000"/>
+                  <a:lumOff val="40000"/>
+                </a:schemeClr>
+              </a:solidFill>
+            </a:endParaRPr>
+          </a:p>
+        </p:txBody>
+      </p:sp>
+      <p:sp>
+        <p:nvSpPr>
+          <p:cNvPr id="111" name="Textfeld 110"/>
+          <p:cNvSpPr txBox="1"/>
+          <p:nvPr/>
+        </p:nvSpPr>
+        <p:spPr>
+          <a:xfrm>
+            <a:off x="6372200" y="1354899"/>
+            <a:ext cx="2507097" cy="461665"/>
+          </a:xfrm>
+          <a:prstGeom prst="rect">
+            <a:avLst/>
+          </a:prstGeom>
+          <a:noFill/>
+        </p:spPr>
+        <p:txBody>
+          <a:bodyPr wrap="none" rtlCol="0">
+            <a:spAutoFit/>
+          </a:bodyPr>
+          <a:lstStyle/>
+          <a:p>
+            <a:r>
+              <a:rPr lang="de-DE" sz="2400" b="1" dirty="0" err="1" smtClean="0">
+                <a:solidFill>
+                  <a:schemeClr val="accent2">
+                    <a:lumMod val="60000"/>
+                    <a:lumOff val="40000"/>
+                  </a:schemeClr>
+                </a:solidFill>
+              </a:rPr>
+              <a:t>calculate</a:t>
+            </a:r>
+            <a:r>
+              <a:rPr lang="de-DE" sz="2400" b="1" dirty="0" smtClean="0">
+                <a:solidFill>
+                  <a:schemeClr val="accent2">
+                    <a:lumMod val="60000"/>
+                    <a:lumOff val="40000"/>
+                  </a:schemeClr>
+                </a:solidFill>
+              </a:rPr>
+              <a:t> </a:t>
+            </a:r>
+            <a:r>
+              <a:rPr lang="de-DE" sz="2400" b="1" dirty="0" err="1" smtClean="0">
+                <a:solidFill>
+                  <a:schemeClr val="accent2">
+                    <a:lumMod val="60000"/>
+                    <a:lumOff val="40000"/>
+                  </a:schemeClr>
+                </a:solidFill>
+              </a:rPr>
+              <a:t>common</a:t>
+            </a:r>
+            <a:endParaRPr lang="de-DE" sz="2400" b="1" dirty="0">
+              <a:solidFill>
+                <a:schemeClr val="accent2">
+                  <a:lumMod val="60000"/>
+                  <a:lumOff val="40000"/>
+                </a:schemeClr>
+              </a:solidFill>
+            </a:endParaRPr>
+          </a:p>
+        </p:txBody>
+      </p:sp>
+      <p:sp>
+        <p:nvSpPr>
+          <p:cNvPr id="113" name="Textfeld 112"/>
+          <p:cNvSpPr txBox="1"/>
+          <p:nvPr/>
+        </p:nvSpPr>
+        <p:spPr>
+          <a:xfrm>
+            <a:off x="7000356" y="1722294"/>
+            <a:ext cx="1676100" cy="338554"/>
+          </a:xfrm>
+          <a:prstGeom prst="rect">
+            <a:avLst/>
+          </a:prstGeom>
+          <a:noFill/>
+        </p:spPr>
+        <p:txBody>
+          <a:bodyPr wrap="none" rtlCol="0">
+            <a:spAutoFit/>
+          </a:bodyPr>
+          <a:lstStyle/>
+          <a:p>
+            <a:r>
+              <a:rPr lang="de-DE" sz="1600" b="1" dirty="0" smtClean="0">
+                <a:solidFill>
+                  <a:schemeClr val="accent2">
+                    <a:lumMod val="60000"/>
+                    <a:lumOff val="40000"/>
+                  </a:schemeClr>
+                </a:solidFill>
+              </a:rPr>
+              <a:t>(type </a:t>
+            </a:r>
+            <a:r>
+              <a:rPr lang="de-DE" sz="1600" b="1" dirty="0" err="1" smtClean="0">
+                <a:solidFill>
+                  <a:schemeClr val="accent2">
+                    <a:lumMod val="60000"/>
+                    <a:lumOff val="40000"/>
+                  </a:schemeClr>
+                </a:solidFill>
+              </a:rPr>
+              <a:t>hierarchies</a:t>
+            </a:r>
+            <a:r>
+              <a:rPr lang="de-DE" sz="1600" b="1" dirty="0" smtClean="0">
+                <a:solidFill>
+                  <a:schemeClr val="accent2">
+                    <a:lumMod val="60000"/>
+                    <a:lumOff val="40000"/>
+                  </a:schemeClr>
+                </a:solidFill>
+              </a:rPr>
+              <a:t>)</a:t>
+            </a:r>
+            <a:endParaRPr lang="de-DE" sz="1600" b="1" dirty="0">
+              <a:solidFill>
+                <a:schemeClr val="accent2">
                   <a:lumMod val="60000"/>
                   <a:lumOff val="40000"/>
                 </a:schemeClr>
